--- a/Documentacao/Sprint 3/Diagramas/Diagrama de solução - Suporte-Cliente.pptx
+++ b/Documentacao/Sprint 3/Diagramas/Diagrama de solução - Suporte-Cliente.pptx
@@ -1,33 +1,40 @@
 
 <file path=ppt/presentation.xml><?xml version="1.0" encoding="utf-8"?>
-<p:presentation xmlns:a="http://schemas.openxmlformats.org/drawingml/2006/main" xmlns:r="http://schemas.openxmlformats.org/officeDocument/2006/relationships" xmlns:p="http://schemas.openxmlformats.org/presentationml/2006/main" saveSubsetFonts="1" embedTrueTypeFonts="true">
+<p:presentation xmlns:a="http://schemas.openxmlformats.org/drawingml/2006/main" xmlns:r="http://schemas.openxmlformats.org/officeDocument/2006/relationships" xmlns:p="http://schemas.openxmlformats.org/presentationml/2006/main" embedTrueTypeFonts="1" saveSubsetFonts="1">
   <p:sldMasterIdLst>
     <p:sldMasterId id="2147483648" r:id="rId1"/>
   </p:sldMasterIdLst>
   <p:sldIdLst>
-    <p:sldId id="256" r:id="rId6"/>
+    <p:sldId id="256" r:id="rId2"/>
   </p:sldIdLst>
   <p:sldSz cx="23812500" cy="14287500"/>
   <p:notesSz cx="6858000" cy="9144000"/>
   <p:embeddedFontLst>
     <p:embeddedFont>
-      <p:font typeface="Open Sans" charset="1" panose="020B0606030504020204"/>
-      <p:regular r:id="rId7"/>
+      <p:font typeface="Berthold Block" panose="020B0604020202020204" charset="0"/>
+      <p:regular r:id="rId3"/>
     </p:embeddedFont>
     <p:embeddedFont>
-      <p:font typeface="Open Sans Bold" charset="1" panose="020B0806030504020204"/>
+      <p:font typeface="Calibri" panose="020F0502020204030204" pitchFamily="34" charset="0"/>
+      <p:regular r:id="rId4"/>
+      <p:bold r:id="rId5"/>
+      <p:italic r:id="rId6"/>
+      <p:boldItalic r:id="rId7"/>
+    </p:embeddedFont>
+    <p:embeddedFont>
+      <p:font typeface="Horizon" panose="020B0604020202020204" charset="0"/>
       <p:regular r:id="rId8"/>
     </p:embeddedFont>
     <p:embeddedFont>
-      <p:font typeface="Horizon" charset="1" panose="02000500000000000000"/>
+      <p:font typeface="Niramit" panose="020B0604020202020204" charset="-34"/>
       <p:regular r:id="rId9"/>
     </p:embeddedFont>
     <p:embeddedFont>
-      <p:font typeface="Berthold Block" charset="1" panose="02000506040000020004"/>
+      <p:font typeface="Open Sans" panose="020B0606030504020204" pitchFamily="34" charset="0"/>
       <p:regular r:id="rId10"/>
     </p:embeddedFont>
     <p:embeddedFont>
-      <p:font typeface="Niramit" charset="1" panose="00000500000000000000"/>
+      <p:font typeface="Open Sans Bold" panose="020B0806030504020204" charset="0"/>
       <p:regular r:id="rId11"/>
     </p:embeddedFont>
   </p:embeddedFontLst>
@@ -126,6 +133,22 @@
       </a:defRPr>
     </a:lvl9pPr>
   </p:defaultTextStyle>
+  <p:extLst>
+    <p:ext uri="{EFAFB233-063F-42B5-8137-9DF3F51BA10A}">
+      <p15:sldGuideLst xmlns:p15="http://schemas.microsoft.com/office/powerpoint/2012/main">
+        <p15:guide id="1" orient="horz" pos="2160">
+          <p15:clr>
+            <a:srgbClr val="A4A3A4"/>
+          </p15:clr>
+        </p15:guide>
+        <p15:guide id="2" pos="2880">
+          <p15:clr>
+            <a:srgbClr val="A4A3A4"/>
+          </p15:clr>
+        </p15:guide>
+      </p15:sldGuideLst>
+    </p:ext>
+  </p:extLst>
 </p:presentation>
 </file>
 
@@ -167,10 +190,9 @@
           <a:lstStyle/>
           <a:p>
             <a:r>
-              <a:rPr lang="en-US" smtClean="0"/>
+              <a:rPr lang="en-US"/>
               <a:t>Click to edit Master title style</a:t>
             </a:r>
-            <a:endParaRPr lang="en-US"/>
           </a:p>
         </p:txBody>
       </p:sp>
@@ -286,10 +308,9 @@
           </a:lstStyle>
           <a:p>
             <a:r>
-              <a:rPr lang="en-US" smtClean="0"/>
+              <a:rPr lang="en-US"/>
               <a:t>Click to edit Master subtitle style</a:t>
             </a:r>
-            <a:endParaRPr lang="en-US"/>
           </a:p>
         </p:txBody>
       </p:sp>
@@ -311,7 +332,7 @@
             <a:fld id="{1D8BD707-D9CF-40AE-B4C6-C98DA3205C09}" type="datetimeFigureOut">
               <a:rPr lang="en-US" smtClean="0"/>
               <a:pPr/>
-              <a:t>8/1/2011</a:t>
+              <a:t>11/20/2024</a:t>
             </a:fld>
             <a:endParaRPr lang="en-US"/>
           </a:p>
@@ -354,7 +375,7 @@
             <a:fld id="{B6F15528-21DE-4FAA-801E-634DDDAF4B2B}" type="slidenum">
               <a:rPr lang="en-US" smtClean="0"/>
               <a:pPr/>
-              <a:t>‹#›</a:t>
+              <a:t>‹nº›</a:t>
             </a:fld>
             <a:endParaRPr lang="en-US"/>
           </a:p>
@@ -401,10 +422,9 @@
           <a:lstStyle/>
           <a:p>
             <a:r>
-              <a:rPr lang="en-US" smtClean="0"/>
+              <a:rPr lang="en-US"/>
               <a:t>Click to edit Master title style</a:t>
             </a:r>
-            <a:endParaRPr lang="en-US"/>
           </a:p>
         </p:txBody>
       </p:sp>
@@ -425,38 +445,37 @@
           <a:p>
             <a:pPr lvl="0"/>
             <a:r>
-              <a:rPr lang="en-US" smtClean="0"/>
+              <a:rPr lang="en-US"/>
               <a:t>Click to edit Master text styles</a:t>
             </a:r>
           </a:p>
           <a:p>
             <a:pPr lvl="1"/>
             <a:r>
-              <a:rPr lang="en-US" smtClean="0"/>
+              <a:rPr lang="en-US"/>
               <a:t>Second level</a:t>
             </a:r>
           </a:p>
           <a:p>
             <a:pPr lvl="2"/>
             <a:r>
-              <a:rPr lang="en-US" smtClean="0"/>
+              <a:rPr lang="en-US"/>
               <a:t>Third level</a:t>
             </a:r>
           </a:p>
           <a:p>
             <a:pPr lvl="3"/>
             <a:r>
-              <a:rPr lang="en-US" smtClean="0"/>
+              <a:rPr lang="en-US"/>
               <a:t>Fourth level</a:t>
             </a:r>
           </a:p>
           <a:p>
             <a:pPr lvl="4"/>
             <a:r>
-              <a:rPr lang="en-US" smtClean="0"/>
+              <a:rPr lang="en-US"/>
               <a:t>Fifth level</a:t>
             </a:r>
-            <a:endParaRPr lang="en-US"/>
           </a:p>
         </p:txBody>
       </p:sp>
@@ -478,7 +497,7 @@
             <a:fld id="{1D8BD707-D9CF-40AE-B4C6-C98DA3205C09}" type="datetimeFigureOut">
               <a:rPr lang="en-US" smtClean="0"/>
               <a:pPr/>
-              <a:t>8/1/2011</a:t>
+              <a:t>11/20/2024</a:t>
             </a:fld>
             <a:endParaRPr lang="en-US"/>
           </a:p>
@@ -521,7 +540,7 @@
             <a:fld id="{B6F15528-21DE-4FAA-801E-634DDDAF4B2B}" type="slidenum">
               <a:rPr lang="en-US" smtClean="0"/>
               <a:pPr/>
-              <a:t>‹#›</a:t>
+              <a:t>‹nº›</a:t>
             </a:fld>
             <a:endParaRPr lang="en-US"/>
           </a:p>
@@ -573,10 +592,9 @@
           <a:lstStyle/>
           <a:p>
             <a:r>
-              <a:rPr lang="en-US" smtClean="0"/>
+              <a:rPr lang="en-US"/>
               <a:t>Click to edit Master title style</a:t>
             </a:r>
-            <a:endParaRPr lang="en-US"/>
           </a:p>
         </p:txBody>
       </p:sp>
@@ -602,38 +620,37 @@
           <a:p>
             <a:pPr lvl="0"/>
             <a:r>
-              <a:rPr lang="en-US" smtClean="0"/>
+              <a:rPr lang="en-US"/>
               <a:t>Click to edit Master text styles</a:t>
             </a:r>
           </a:p>
           <a:p>
             <a:pPr lvl="1"/>
             <a:r>
-              <a:rPr lang="en-US" smtClean="0"/>
+              <a:rPr lang="en-US"/>
               <a:t>Second level</a:t>
             </a:r>
           </a:p>
           <a:p>
             <a:pPr lvl="2"/>
             <a:r>
-              <a:rPr lang="en-US" smtClean="0"/>
+              <a:rPr lang="en-US"/>
               <a:t>Third level</a:t>
             </a:r>
           </a:p>
           <a:p>
             <a:pPr lvl="3"/>
             <a:r>
-              <a:rPr lang="en-US" smtClean="0"/>
+              <a:rPr lang="en-US"/>
               <a:t>Fourth level</a:t>
             </a:r>
           </a:p>
           <a:p>
             <a:pPr lvl="4"/>
             <a:r>
-              <a:rPr lang="en-US" smtClean="0"/>
+              <a:rPr lang="en-US"/>
               <a:t>Fifth level</a:t>
             </a:r>
-            <a:endParaRPr lang="en-US"/>
           </a:p>
         </p:txBody>
       </p:sp>
@@ -655,7 +672,7 @@
             <a:fld id="{1D8BD707-D9CF-40AE-B4C6-C98DA3205C09}" type="datetimeFigureOut">
               <a:rPr lang="en-US" smtClean="0"/>
               <a:pPr/>
-              <a:t>8/1/2011</a:t>
+              <a:t>11/20/2024</a:t>
             </a:fld>
             <a:endParaRPr lang="en-US"/>
           </a:p>
@@ -698,7 +715,7 @@
             <a:fld id="{B6F15528-21DE-4FAA-801E-634DDDAF4B2B}" type="slidenum">
               <a:rPr lang="en-US" smtClean="0"/>
               <a:pPr/>
-              <a:t>‹#›</a:t>
+              <a:t>‹nº›</a:t>
             </a:fld>
             <a:endParaRPr lang="en-US"/>
           </a:p>
@@ -745,10 +762,9 @@
           <a:lstStyle/>
           <a:p>
             <a:r>
-              <a:rPr lang="en-US" smtClean="0"/>
+              <a:rPr lang="en-US"/>
               <a:t>Click to edit Master title style</a:t>
             </a:r>
-            <a:endParaRPr lang="en-US"/>
           </a:p>
         </p:txBody>
       </p:sp>
@@ -769,38 +785,37 @@
           <a:p>
             <a:pPr lvl="0"/>
             <a:r>
-              <a:rPr lang="en-US" smtClean="0"/>
+              <a:rPr lang="en-US"/>
               <a:t>Click to edit Master text styles</a:t>
             </a:r>
           </a:p>
           <a:p>
             <a:pPr lvl="1"/>
             <a:r>
-              <a:rPr lang="en-US" smtClean="0"/>
+              <a:rPr lang="en-US"/>
               <a:t>Second level</a:t>
             </a:r>
           </a:p>
           <a:p>
             <a:pPr lvl="2"/>
             <a:r>
-              <a:rPr lang="en-US" smtClean="0"/>
+              <a:rPr lang="en-US"/>
               <a:t>Third level</a:t>
             </a:r>
           </a:p>
           <a:p>
             <a:pPr lvl="3"/>
             <a:r>
-              <a:rPr lang="en-US" smtClean="0"/>
+              <a:rPr lang="en-US"/>
               <a:t>Fourth level</a:t>
             </a:r>
           </a:p>
           <a:p>
             <a:pPr lvl="4"/>
             <a:r>
-              <a:rPr lang="en-US" smtClean="0"/>
+              <a:rPr lang="en-US"/>
               <a:t>Fifth level</a:t>
             </a:r>
-            <a:endParaRPr lang="en-US"/>
           </a:p>
         </p:txBody>
       </p:sp>
@@ -822,7 +837,7 @@
             <a:fld id="{1D8BD707-D9CF-40AE-B4C6-C98DA3205C09}" type="datetimeFigureOut">
               <a:rPr lang="en-US" smtClean="0"/>
               <a:pPr/>
-              <a:t>8/1/2011</a:t>
+              <a:t>11/20/2024</a:t>
             </a:fld>
             <a:endParaRPr lang="en-US"/>
           </a:p>
@@ -865,7 +880,7 @@
             <a:fld id="{B6F15528-21DE-4FAA-801E-634DDDAF4B2B}" type="slidenum">
               <a:rPr lang="en-US" smtClean="0"/>
               <a:pPr/>
-              <a:t>‹#›</a:t>
+              <a:t>‹nº›</a:t>
             </a:fld>
             <a:endParaRPr lang="en-US"/>
           </a:p>
@@ -921,10 +936,9 @@
           </a:lstStyle>
           <a:p>
             <a:r>
-              <a:rPr lang="en-US" smtClean="0"/>
+              <a:rPr lang="en-US"/>
               <a:t>Click to edit Master title style</a:t>
             </a:r>
-            <a:endParaRPr lang="en-US"/>
           </a:p>
         </p:txBody>
       </p:sp>
@@ -1041,7 +1055,7 @@
           <a:p>
             <a:pPr lvl="0"/>
             <a:r>
-              <a:rPr lang="en-US" smtClean="0"/>
+              <a:rPr lang="en-US"/>
               <a:t>Click to edit Master text styles</a:t>
             </a:r>
           </a:p>
@@ -1065,7 +1079,7 @@
             <a:fld id="{1D8BD707-D9CF-40AE-B4C6-C98DA3205C09}" type="datetimeFigureOut">
               <a:rPr lang="en-US" smtClean="0"/>
               <a:pPr/>
-              <a:t>8/1/2011</a:t>
+              <a:t>11/20/2024</a:t>
             </a:fld>
             <a:endParaRPr lang="en-US"/>
           </a:p>
@@ -1108,7 +1122,7 @@
             <a:fld id="{B6F15528-21DE-4FAA-801E-634DDDAF4B2B}" type="slidenum">
               <a:rPr lang="en-US" smtClean="0"/>
               <a:pPr/>
-              <a:t>‹#›</a:t>
+              <a:t>‹nº›</a:t>
             </a:fld>
             <a:endParaRPr lang="en-US"/>
           </a:p>
@@ -1155,10 +1169,9 @@
           <a:lstStyle/>
           <a:p>
             <a:r>
-              <a:rPr lang="en-US" smtClean="0"/>
+              <a:rPr lang="en-US"/>
               <a:t>Click to edit Master title style</a:t>
             </a:r>
-            <a:endParaRPr lang="en-US"/>
           </a:p>
         </p:txBody>
       </p:sp>
@@ -1212,38 +1225,37 @@
           <a:p>
             <a:pPr lvl="0"/>
             <a:r>
-              <a:rPr lang="en-US" smtClean="0"/>
+              <a:rPr lang="en-US"/>
               <a:t>Click to edit Master text styles</a:t>
             </a:r>
           </a:p>
           <a:p>
             <a:pPr lvl="1"/>
             <a:r>
-              <a:rPr lang="en-US" smtClean="0"/>
+              <a:rPr lang="en-US"/>
               <a:t>Second level</a:t>
             </a:r>
           </a:p>
           <a:p>
             <a:pPr lvl="2"/>
             <a:r>
-              <a:rPr lang="en-US" smtClean="0"/>
+              <a:rPr lang="en-US"/>
               <a:t>Third level</a:t>
             </a:r>
           </a:p>
           <a:p>
             <a:pPr lvl="3"/>
             <a:r>
-              <a:rPr lang="en-US" smtClean="0"/>
+              <a:rPr lang="en-US"/>
               <a:t>Fourth level</a:t>
             </a:r>
           </a:p>
           <a:p>
             <a:pPr lvl="4"/>
             <a:r>
-              <a:rPr lang="en-US" smtClean="0"/>
+              <a:rPr lang="en-US"/>
               <a:t>Fifth level</a:t>
             </a:r>
-            <a:endParaRPr lang="en-US"/>
           </a:p>
         </p:txBody>
       </p:sp>
@@ -1297,38 +1309,37 @@
           <a:p>
             <a:pPr lvl="0"/>
             <a:r>
-              <a:rPr lang="en-US" smtClean="0"/>
+              <a:rPr lang="en-US"/>
               <a:t>Click to edit Master text styles</a:t>
             </a:r>
           </a:p>
           <a:p>
             <a:pPr lvl="1"/>
             <a:r>
-              <a:rPr lang="en-US" smtClean="0"/>
+              <a:rPr lang="en-US"/>
               <a:t>Second level</a:t>
             </a:r>
           </a:p>
           <a:p>
             <a:pPr lvl="2"/>
             <a:r>
-              <a:rPr lang="en-US" smtClean="0"/>
+              <a:rPr lang="en-US"/>
               <a:t>Third level</a:t>
             </a:r>
           </a:p>
           <a:p>
             <a:pPr lvl="3"/>
             <a:r>
-              <a:rPr lang="en-US" smtClean="0"/>
+              <a:rPr lang="en-US"/>
               <a:t>Fourth level</a:t>
             </a:r>
           </a:p>
           <a:p>
             <a:pPr lvl="4"/>
             <a:r>
-              <a:rPr lang="en-US" smtClean="0"/>
+              <a:rPr lang="en-US"/>
               <a:t>Fifth level</a:t>
             </a:r>
-            <a:endParaRPr lang="en-US"/>
           </a:p>
         </p:txBody>
       </p:sp>
@@ -1350,7 +1361,7 @@
             <a:fld id="{1D8BD707-D9CF-40AE-B4C6-C98DA3205C09}" type="datetimeFigureOut">
               <a:rPr lang="en-US" smtClean="0"/>
               <a:pPr/>
-              <a:t>8/1/2011</a:t>
+              <a:t>11/20/2024</a:t>
             </a:fld>
             <a:endParaRPr lang="en-US"/>
           </a:p>
@@ -1393,7 +1404,7 @@
             <a:fld id="{B6F15528-21DE-4FAA-801E-634DDDAF4B2B}" type="slidenum">
               <a:rPr lang="en-US" smtClean="0"/>
               <a:pPr/>
-              <a:t>‹#›</a:t>
+              <a:t>‹nº›</a:t>
             </a:fld>
             <a:endParaRPr lang="en-US"/>
           </a:p>
@@ -1444,10 +1455,9 @@
           </a:lstStyle>
           <a:p>
             <a:r>
-              <a:rPr lang="en-US" smtClean="0"/>
+              <a:rPr lang="en-US"/>
               <a:t>Click to edit Master title style</a:t>
             </a:r>
-            <a:endParaRPr lang="en-US"/>
           </a:p>
         </p:txBody>
       </p:sp>
@@ -1510,7 +1520,7 @@
           <a:p>
             <a:pPr lvl="0"/>
             <a:r>
-              <a:rPr lang="en-US" smtClean="0"/>
+              <a:rPr lang="en-US"/>
               <a:t>Click to edit Master text styles</a:t>
             </a:r>
           </a:p>
@@ -1566,38 +1576,37 @@
           <a:p>
             <a:pPr lvl="0"/>
             <a:r>
-              <a:rPr lang="en-US" smtClean="0"/>
+              <a:rPr lang="en-US"/>
               <a:t>Click to edit Master text styles</a:t>
             </a:r>
           </a:p>
           <a:p>
             <a:pPr lvl="1"/>
             <a:r>
-              <a:rPr lang="en-US" smtClean="0"/>
+              <a:rPr lang="en-US"/>
               <a:t>Second level</a:t>
             </a:r>
           </a:p>
           <a:p>
             <a:pPr lvl="2"/>
             <a:r>
-              <a:rPr lang="en-US" smtClean="0"/>
+              <a:rPr lang="en-US"/>
               <a:t>Third level</a:t>
             </a:r>
           </a:p>
           <a:p>
             <a:pPr lvl="3"/>
             <a:r>
-              <a:rPr lang="en-US" smtClean="0"/>
+              <a:rPr lang="en-US"/>
               <a:t>Fourth level</a:t>
             </a:r>
           </a:p>
           <a:p>
             <a:pPr lvl="4"/>
             <a:r>
-              <a:rPr lang="en-US" smtClean="0"/>
+              <a:rPr lang="en-US"/>
               <a:t>Fifth level</a:t>
             </a:r>
-            <a:endParaRPr lang="en-US"/>
           </a:p>
         </p:txBody>
       </p:sp>
@@ -1660,7 +1669,7 @@
           <a:p>
             <a:pPr lvl="0"/>
             <a:r>
-              <a:rPr lang="en-US" smtClean="0"/>
+              <a:rPr lang="en-US"/>
               <a:t>Click to edit Master text styles</a:t>
             </a:r>
           </a:p>
@@ -1716,38 +1725,37 @@
           <a:p>
             <a:pPr lvl="0"/>
             <a:r>
-              <a:rPr lang="en-US" smtClean="0"/>
+              <a:rPr lang="en-US"/>
               <a:t>Click to edit Master text styles</a:t>
             </a:r>
           </a:p>
           <a:p>
             <a:pPr lvl="1"/>
             <a:r>
-              <a:rPr lang="en-US" smtClean="0"/>
+              <a:rPr lang="en-US"/>
               <a:t>Second level</a:t>
             </a:r>
           </a:p>
           <a:p>
             <a:pPr lvl="2"/>
             <a:r>
-              <a:rPr lang="en-US" smtClean="0"/>
+              <a:rPr lang="en-US"/>
               <a:t>Third level</a:t>
             </a:r>
           </a:p>
           <a:p>
             <a:pPr lvl="3"/>
             <a:r>
-              <a:rPr lang="en-US" smtClean="0"/>
+              <a:rPr lang="en-US"/>
               <a:t>Fourth level</a:t>
             </a:r>
           </a:p>
           <a:p>
             <a:pPr lvl="4"/>
             <a:r>
-              <a:rPr lang="en-US" smtClean="0"/>
+              <a:rPr lang="en-US"/>
               <a:t>Fifth level</a:t>
             </a:r>
-            <a:endParaRPr lang="en-US"/>
           </a:p>
         </p:txBody>
       </p:sp>
@@ -1769,7 +1777,7 @@
             <a:fld id="{1D8BD707-D9CF-40AE-B4C6-C98DA3205C09}" type="datetimeFigureOut">
               <a:rPr lang="en-US" smtClean="0"/>
               <a:pPr/>
-              <a:t>8/1/2011</a:t>
+              <a:t>11/20/2024</a:t>
             </a:fld>
             <a:endParaRPr lang="en-US"/>
           </a:p>
@@ -1812,7 +1820,7 @@
             <a:fld id="{B6F15528-21DE-4FAA-801E-634DDDAF4B2B}" type="slidenum">
               <a:rPr lang="en-US" smtClean="0"/>
               <a:pPr/>
-              <a:t>‹#›</a:t>
+              <a:t>‹nº›</a:t>
             </a:fld>
             <a:endParaRPr lang="en-US"/>
           </a:p>
@@ -1859,10 +1867,9 @@
           <a:lstStyle/>
           <a:p>
             <a:r>
-              <a:rPr lang="en-US" smtClean="0"/>
+              <a:rPr lang="en-US"/>
               <a:t>Click to edit Master title style</a:t>
             </a:r>
-            <a:endParaRPr lang="en-US"/>
           </a:p>
         </p:txBody>
       </p:sp>
@@ -1884,7 +1891,7 @@
             <a:fld id="{1D8BD707-D9CF-40AE-B4C6-C98DA3205C09}" type="datetimeFigureOut">
               <a:rPr lang="en-US" smtClean="0"/>
               <a:pPr/>
-              <a:t>8/1/2011</a:t>
+              <a:t>11/20/2024</a:t>
             </a:fld>
             <a:endParaRPr lang="en-US"/>
           </a:p>
@@ -1927,7 +1934,7 @@
             <a:fld id="{B6F15528-21DE-4FAA-801E-634DDDAF4B2B}" type="slidenum">
               <a:rPr lang="en-US" smtClean="0"/>
               <a:pPr/>
-              <a:t>‹#›</a:t>
+              <a:t>‹nº›</a:t>
             </a:fld>
             <a:endParaRPr lang="en-US"/>
           </a:p>
@@ -1976,7 +1983,7 @@
             <a:fld id="{1D8BD707-D9CF-40AE-B4C6-C98DA3205C09}" type="datetimeFigureOut">
               <a:rPr lang="en-US" smtClean="0"/>
               <a:pPr/>
-              <a:t>8/1/2011</a:t>
+              <a:t>11/20/2024</a:t>
             </a:fld>
             <a:endParaRPr lang="en-US"/>
           </a:p>
@@ -2019,7 +2026,7 @@
             <a:fld id="{B6F15528-21DE-4FAA-801E-634DDDAF4B2B}" type="slidenum">
               <a:rPr lang="en-US" smtClean="0"/>
               <a:pPr/>
-              <a:t>‹#›</a:t>
+              <a:t>‹nº›</a:t>
             </a:fld>
             <a:endParaRPr lang="en-US"/>
           </a:p>
@@ -2075,10 +2082,9 @@
           </a:lstStyle>
           <a:p>
             <a:r>
-              <a:rPr lang="en-US" smtClean="0"/>
+              <a:rPr lang="en-US"/>
               <a:t>Click to edit Master title style</a:t>
             </a:r>
-            <a:endParaRPr lang="en-US"/>
           </a:p>
         </p:txBody>
       </p:sp>
@@ -2132,38 +2138,37 @@
           <a:p>
             <a:pPr lvl="0"/>
             <a:r>
-              <a:rPr lang="en-US" smtClean="0"/>
+              <a:rPr lang="en-US"/>
               <a:t>Click to edit Master text styles</a:t>
             </a:r>
           </a:p>
           <a:p>
             <a:pPr lvl="1"/>
             <a:r>
-              <a:rPr lang="en-US" smtClean="0"/>
+              <a:rPr lang="en-US"/>
               <a:t>Second level</a:t>
             </a:r>
           </a:p>
           <a:p>
             <a:pPr lvl="2"/>
             <a:r>
-              <a:rPr lang="en-US" smtClean="0"/>
+              <a:rPr lang="en-US"/>
               <a:t>Third level</a:t>
             </a:r>
           </a:p>
           <a:p>
             <a:pPr lvl="3"/>
             <a:r>
-              <a:rPr lang="en-US" smtClean="0"/>
+              <a:rPr lang="en-US"/>
               <a:t>Fourth level</a:t>
             </a:r>
           </a:p>
           <a:p>
             <a:pPr lvl="4"/>
             <a:r>
-              <a:rPr lang="en-US" smtClean="0"/>
+              <a:rPr lang="en-US"/>
               <a:t>Fifth level</a:t>
             </a:r>
-            <a:endParaRPr lang="en-US"/>
           </a:p>
         </p:txBody>
       </p:sp>
@@ -2226,7 +2231,7 @@
           <a:p>
             <a:pPr lvl="0"/>
             <a:r>
-              <a:rPr lang="en-US" smtClean="0"/>
+              <a:rPr lang="en-US"/>
               <a:t>Click to edit Master text styles</a:t>
             </a:r>
           </a:p>
@@ -2250,7 +2255,7 @@
             <a:fld id="{1D8BD707-D9CF-40AE-B4C6-C98DA3205C09}" type="datetimeFigureOut">
               <a:rPr lang="en-US" smtClean="0"/>
               <a:pPr/>
-              <a:t>8/1/2011</a:t>
+              <a:t>11/20/2024</a:t>
             </a:fld>
             <a:endParaRPr lang="en-US"/>
           </a:p>
@@ -2293,7 +2298,7 @@
             <a:fld id="{B6F15528-21DE-4FAA-801E-634DDDAF4B2B}" type="slidenum">
               <a:rPr lang="en-US" smtClean="0"/>
               <a:pPr/>
-              <a:t>‹#›</a:t>
+              <a:t>‹nº›</a:t>
             </a:fld>
             <a:endParaRPr lang="en-US"/>
           </a:p>
@@ -2349,10 +2354,9 @@
           </a:lstStyle>
           <a:p>
             <a:r>
-              <a:rPr lang="en-US" smtClean="0"/>
+              <a:rPr lang="en-US"/>
               <a:t>Click to edit Master title style</a:t>
             </a:r>
-            <a:endParaRPr lang="en-US"/>
           </a:p>
         </p:txBody>
       </p:sp>
@@ -2476,7 +2480,7 @@
           <a:p>
             <a:pPr lvl="0"/>
             <a:r>
-              <a:rPr lang="en-US" smtClean="0"/>
+              <a:rPr lang="en-US"/>
               <a:t>Click to edit Master text styles</a:t>
             </a:r>
           </a:p>
@@ -2500,7 +2504,7 @@
             <a:fld id="{1D8BD707-D9CF-40AE-B4C6-C98DA3205C09}" type="datetimeFigureOut">
               <a:rPr lang="en-US" smtClean="0"/>
               <a:pPr/>
-              <a:t>8/1/2011</a:t>
+              <a:t>11/20/2024</a:t>
             </a:fld>
             <a:endParaRPr lang="en-US"/>
           </a:p>
@@ -2543,7 +2547,7 @@
             <a:fld id="{B6F15528-21DE-4FAA-801E-634DDDAF4B2B}" type="slidenum">
               <a:rPr lang="en-US" smtClean="0"/>
               <a:pPr/>
-              <a:t>‹#›</a:t>
+              <a:t>‹nº›</a:t>
             </a:fld>
             <a:endParaRPr lang="en-US"/>
           </a:p>
@@ -2605,10 +2609,9 @@
           <a:lstStyle/>
           <a:p>
             <a:r>
-              <a:rPr lang="en-US" smtClean="0"/>
+              <a:rPr lang="en-US"/>
               <a:t>Click to edit Master title style</a:t>
             </a:r>
-            <a:endParaRPr lang="en-US"/>
           </a:p>
         </p:txBody>
       </p:sp>
@@ -2639,38 +2642,37 @@
           <a:p>
             <a:pPr lvl="0"/>
             <a:r>
-              <a:rPr lang="en-US" smtClean="0"/>
+              <a:rPr lang="en-US"/>
               <a:t>Click to edit Master text styles</a:t>
             </a:r>
           </a:p>
           <a:p>
             <a:pPr lvl="1"/>
             <a:r>
-              <a:rPr lang="en-US" smtClean="0"/>
+              <a:rPr lang="en-US"/>
               <a:t>Second level</a:t>
             </a:r>
           </a:p>
           <a:p>
             <a:pPr lvl="2"/>
             <a:r>
-              <a:rPr lang="en-US" smtClean="0"/>
+              <a:rPr lang="en-US"/>
               <a:t>Third level</a:t>
             </a:r>
           </a:p>
           <a:p>
             <a:pPr lvl="3"/>
             <a:r>
-              <a:rPr lang="en-US" smtClean="0"/>
+              <a:rPr lang="en-US"/>
               <a:t>Fourth level</a:t>
             </a:r>
           </a:p>
           <a:p>
             <a:pPr lvl="4"/>
             <a:r>
-              <a:rPr lang="en-US" smtClean="0"/>
+              <a:rPr lang="en-US"/>
               <a:t>Fifth level</a:t>
             </a:r>
-            <a:endParaRPr lang="en-US"/>
           </a:p>
         </p:txBody>
       </p:sp>
@@ -2710,7 +2712,7 @@
             <a:fld id="{1D8BD707-D9CF-40AE-B4C6-C98DA3205C09}" type="datetimeFigureOut">
               <a:rPr lang="en-US" smtClean="0"/>
               <a:pPr/>
-              <a:t>8/1/2011</a:t>
+              <a:t>11/20/2024</a:t>
             </a:fld>
             <a:endParaRPr lang="en-US"/>
           </a:p>
@@ -2789,7 +2791,7 @@
             <a:fld id="{B6F15528-21DE-4FAA-801E-634DDDAF4B2B}" type="slidenum">
               <a:rPr lang="en-US" smtClean="0"/>
               <a:pPr/>
-              <a:t>‹#›</a:t>
+              <a:t>‹nº›</a:t>
             </a:fld>
             <a:endParaRPr lang="en-US"/>
           </a:p>
@@ -3065,7 +3067,7 @@
 </file>
 
 <file path=ppt/slides/slide1.xml><?xml version="1.0" encoding="utf-8"?>
-<p:sld xmlns:p="http://schemas.openxmlformats.org/presentationml/2006/main" xmlns:a="http://schemas.openxmlformats.org/drawingml/2006/main" xmlns:r="http://schemas.openxmlformats.org/officeDocument/2006/relationships">
+<p:sld xmlns:a="http://schemas.openxmlformats.org/drawingml/2006/main" xmlns:r="http://schemas.openxmlformats.org/officeDocument/2006/relationships" xmlns:p="http://schemas.openxmlformats.org/presentationml/2006/main">
   <p:cSld>
     <p:spTree>
       <p:nvGrpSpPr>
@@ -3083,12 +3085,12 @@
       </p:grpSpPr>
       <p:grpSp>
         <p:nvGrpSpPr>
-          <p:cNvPr name="Group 2" id="2"/>
+          <p:cNvPr id="2" name="Group 2"/>
           <p:cNvGrpSpPr/>
           <p:nvPr/>
         </p:nvGrpSpPr>
         <p:grpSpPr>
-          <a:xfrm rot="0">
+          <a:xfrm>
             <a:off x="8416108" y="1226793"/>
             <a:ext cx="10652169" cy="8954837"/>
             <a:chOff x="0" y="0"/>
@@ -3097,12 +3099,12 @@
         </p:grpSpPr>
         <p:sp>
           <p:nvSpPr>
-            <p:cNvPr name="Freeform 3" id="3"/>
+            <p:cNvPr id="3" name="Freeform 3"/>
             <p:cNvSpPr/>
             <p:nvPr/>
           </p:nvSpPr>
           <p:spPr>
-            <a:xfrm flipH="false" flipV="false" rot="0">
+            <a:xfrm>
               <a:off x="0" y="0"/>
               <a:ext cx="2515420" cy="2114609"/>
             </a:xfrm>
@@ -3111,9 +3113,9 @@
               <a:gdLst/>
               <a:ahLst/>
               <a:cxnLst/>
-              <a:rect r="r" b="b" t="t" l="l"/>
+              <a:rect l="l" t="t" r="r" b="b"/>
               <a:pathLst>
-                <a:path h="2114609" w="2515420">
+                <a:path w="2515420" h="2114609">
                   <a:moveTo>
                     <a:pt x="14536" y="0"/>
                   </a:moveTo>
@@ -3189,8 +3191,8 @@
         </p:sp>
         <p:sp>
           <p:nvSpPr>
-            <p:cNvPr name="TextBox 4" id="4"/>
-            <p:cNvSpPr txBox="true"/>
+            <p:cNvPr id="4" name="TextBox 4"/>
+            <p:cNvSpPr txBox="1"/>
             <p:nvPr/>
           </p:nvSpPr>
           <p:spPr>
@@ -3203,7 +3205,7 @@
             </a:prstGeom>
           </p:spPr>
           <p:txBody>
-            <a:bodyPr anchor="ctr" rtlCol="false" tIns="56658" lIns="56658" bIns="56658" rIns="56658"/>
+            <a:bodyPr lIns="56658" tIns="56658" rIns="56658" bIns="56658" rtlCol="0" anchor="ctr"/>
             <a:lstStyle/>
             <a:p>
               <a:pPr algn="ctr">
@@ -3211,18 +3213,19 @@
                   <a:spcPts val="2966"/>
                 </a:lnSpc>
               </a:pPr>
+              <a:endParaRPr/>
             </a:p>
           </p:txBody>
         </p:sp>
       </p:grpSp>
       <p:grpSp>
         <p:nvGrpSpPr>
-          <p:cNvPr name="Group 5" id="5"/>
+          <p:cNvPr id="5" name="Group 5"/>
           <p:cNvGrpSpPr/>
           <p:nvPr/>
         </p:nvGrpSpPr>
         <p:grpSpPr>
-          <a:xfrm rot="0">
+          <a:xfrm>
             <a:off x="8815880" y="2555500"/>
             <a:ext cx="6781567" cy="6655285"/>
             <a:chOff x="0" y="0"/>
@@ -3231,12 +3234,12 @@
         </p:grpSpPr>
         <p:sp>
           <p:nvSpPr>
-            <p:cNvPr name="Freeform 6" id="6"/>
+            <p:cNvPr id="6" name="Freeform 6"/>
             <p:cNvSpPr/>
             <p:nvPr/>
           </p:nvSpPr>
           <p:spPr>
-            <a:xfrm flipH="false" flipV="false" rot="0">
+            <a:xfrm>
               <a:off x="0" y="0"/>
               <a:ext cx="1601410" cy="1571589"/>
             </a:xfrm>
@@ -3245,9 +3248,9 @@
               <a:gdLst/>
               <a:ahLst/>
               <a:cxnLst/>
-              <a:rect r="r" b="b" t="t" l="l"/>
+              <a:rect l="l" t="t" r="r" b="b"/>
               <a:pathLst>
-                <a:path h="1571589" w="1601410">
+                <a:path w="1601410" h="1571589">
                   <a:moveTo>
                     <a:pt x="22832" y="0"/>
                   </a:moveTo>
@@ -3287,24 +3290,29 @@
                 </a:path>
               </a:pathLst>
             </a:custGeom>
-            <a:solidFill>
-              <a:srgbClr val="000000">
-                <a:alpha val="0"/>
-              </a:srgbClr>
-            </a:solidFill>
-            <a:ln w="38100" cap="sq">
-              <a:solidFill>
-                <a:srgbClr val="000000"/>
-              </a:solidFill>
-              <a:prstDash val="solid"/>
-              <a:miter/>
+            <a:ln w="28575">
+              <a:prstDash val="sysDash"/>
             </a:ln>
           </p:spPr>
+          <p:style>
+            <a:lnRef idx="2">
+              <a:schemeClr val="accent1"/>
+            </a:lnRef>
+            <a:fillRef idx="1">
+              <a:schemeClr val="lt1"/>
+            </a:fillRef>
+            <a:effectRef idx="0">
+              <a:schemeClr val="accent1"/>
+            </a:effectRef>
+            <a:fontRef idx="minor">
+              <a:schemeClr val="dk1"/>
+            </a:fontRef>
+          </p:style>
         </p:sp>
         <p:sp>
           <p:nvSpPr>
-            <p:cNvPr name="TextBox 7" id="7"/>
-            <p:cNvSpPr txBox="true"/>
+            <p:cNvPr id="7" name="TextBox 7"/>
+            <p:cNvSpPr txBox="1"/>
             <p:nvPr/>
           </p:nvSpPr>
           <p:spPr>
@@ -3315,9 +3323,26 @@
             <a:prstGeom prst="rect">
               <a:avLst/>
             </a:prstGeom>
+            <a:ln w="28575">
+              <a:prstDash val="sysDash"/>
+            </a:ln>
           </p:spPr>
+          <p:style>
+            <a:lnRef idx="2">
+              <a:schemeClr val="accent1"/>
+            </a:lnRef>
+            <a:fillRef idx="1">
+              <a:schemeClr val="lt1"/>
+            </a:fillRef>
+            <a:effectRef idx="0">
+              <a:schemeClr val="accent1"/>
+            </a:effectRef>
+            <a:fontRef idx="minor">
+              <a:schemeClr val="dk1"/>
+            </a:fontRef>
+          </p:style>
           <p:txBody>
-            <a:bodyPr anchor="ctr" rtlCol="false" tIns="56658" lIns="56658" bIns="56658" rIns="56658"/>
+            <a:bodyPr lIns="56658" tIns="56658" rIns="56658" bIns="56658" rtlCol="0" anchor="ctr"/>
             <a:lstStyle/>
             <a:p>
               <a:pPr algn="ctr">
@@ -3325,18 +3350,19 @@
                   <a:spcPts val="2966"/>
                 </a:lnSpc>
               </a:pPr>
+              <a:endParaRPr/>
             </a:p>
           </p:txBody>
         </p:sp>
       </p:grpSp>
       <p:grpSp>
         <p:nvGrpSpPr>
-          <p:cNvPr name="Group 8" id="8"/>
+          <p:cNvPr id="8" name="Group 8"/>
           <p:cNvGrpSpPr/>
           <p:nvPr/>
         </p:nvGrpSpPr>
         <p:grpSpPr>
-          <a:xfrm rot="0">
+          <a:xfrm>
             <a:off x="1495741" y="720657"/>
             <a:ext cx="5405892" cy="3602123"/>
             <a:chOff x="0" y="0"/>
@@ -3345,12 +3371,12 @@
         </p:grpSpPr>
         <p:sp>
           <p:nvSpPr>
-            <p:cNvPr name="Freeform 9" id="9"/>
+            <p:cNvPr id="9" name="Freeform 9"/>
             <p:cNvSpPr/>
             <p:nvPr/>
           </p:nvSpPr>
           <p:spPr>
-            <a:xfrm flipH="false" flipV="false" rot="0">
+            <a:xfrm>
               <a:off x="0" y="0"/>
               <a:ext cx="1276556" cy="850611"/>
             </a:xfrm>
@@ -3359,9 +3385,9 @@
               <a:gdLst/>
               <a:ahLst/>
               <a:cxnLst/>
-              <a:rect r="r" b="b" t="t" l="l"/>
+              <a:rect l="l" t="t" r="r" b="b"/>
               <a:pathLst>
-                <a:path h="850611" w="1276556">
+                <a:path w="1276556" h="850611">
                   <a:moveTo>
                     <a:pt x="28643" y="0"/>
                   </a:moveTo>
@@ -3417,8 +3443,8 @@
         </p:sp>
         <p:sp>
           <p:nvSpPr>
-            <p:cNvPr name="TextBox 10" id="10"/>
-            <p:cNvSpPr txBox="true"/>
+            <p:cNvPr id="10" name="TextBox 10"/>
+            <p:cNvSpPr txBox="1"/>
             <p:nvPr/>
           </p:nvSpPr>
           <p:spPr>
@@ -3431,7 +3457,7 @@
             </a:prstGeom>
           </p:spPr>
           <p:txBody>
-            <a:bodyPr anchor="ctr" rtlCol="false" tIns="56658" lIns="56658" bIns="56658" rIns="56658"/>
+            <a:bodyPr lIns="56658" tIns="56658" rIns="56658" bIns="56658" rtlCol="0" anchor="ctr"/>
             <a:lstStyle/>
             <a:p>
               <a:pPr algn="ctr">
@@ -3439,18 +3465,19 @@
                   <a:spcPts val="2966"/>
                 </a:lnSpc>
               </a:pPr>
+              <a:endParaRPr/>
             </a:p>
           </p:txBody>
         </p:sp>
       </p:grpSp>
       <p:sp>
         <p:nvSpPr>
-          <p:cNvPr name="Freeform 11" id="11"/>
+          <p:cNvPr id="11" name="Freeform 11"/>
           <p:cNvSpPr/>
           <p:nvPr/>
         </p:nvSpPr>
         <p:spPr>
-          <a:xfrm flipH="false" flipV="false" rot="5400000">
+          <a:xfrm rot="5400000">
             <a:off x="2154545" y="4503590"/>
             <a:ext cx="577057" cy="463088"/>
           </a:xfrm>
@@ -3459,9 +3486,9 @@
             <a:gdLst/>
             <a:ahLst/>
             <a:cxnLst/>
-            <a:rect r="r" b="b" t="t" l="l"/>
+            <a:rect l="l" t="t" r="r" b="b"/>
             <a:pathLst>
-              <a:path h="463088" w="577057">
+              <a:path w="577057" h="463088">
                 <a:moveTo>
                   <a:pt x="0" y="0"/>
                 </a:moveTo>
@@ -3490,19 +3517,19 @@
               </a:extLst>
             </a:blip>
             <a:stretch>
-              <a:fillRect l="0" t="0" r="0" b="0"/>
+              <a:fillRect/>
             </a:stretch>
           </a:blipFill>
         </p:spPr>
       </p:sp>
       <p:sp>
         <p:nvSpPr>
-          <p:cNvPr name="Freeform 12" id="12"/>
+          <p:cNvPr id="12" name="Freeform 12"/>
           <p:cNvSpPr/>
           <p:nvPr/>
         </p:nvSpPr>
         <p:spPr>
-          <a:xfrm flipH="false" flipV="false" rot="0">
+          <a:xfrm>
             <a:off x="1932643" y="1387488"/>
             <a:ext cx="802402" cy="547093"/>
           </a:xfrm>
@@ -3511,9 +3538,9 @@
             <a:gdLst/>
             <a:ahLst/>
             <a:cxnLst/>
-            <a:rect r="r" b="b" t="t" l="l"/>
+            <a:rect l="l" t="t" r="r" b="b"/>
             <a:pathLst>
-              <a:path h="547093" w="802402">
+              <a:path w="802402" h="547093">
                 <a:moveTo>
                   <a:pt x="0" y="0"/>
                 </a:moveTo>
@@ -3542,19 +3569,19 @@
               </a:extLst>
             </a:blip>
             <a:stretch>
-              <a:fillRect l="0" t="0" r="0" b="0"/>
+              <a:fillRect/>
             </a:stretch>
           </a:blipFill>
         </p:spPr>
       </p:sp>
       <p:sp>
         <p:nvSpPr>
-          <p:cNvPr name="Freeform 13" id="13"/>
+          <p:cNvPr id="13" name="Freeform 13"/>
           <p:cNvSpPr/>
           <p:nvPr/>
         </p:nvSpPr>
         <p:spPr>
-          <a:xfrm flipH="false" flipV="false" rot="-1500387">
+          <a:xfrm rot="-1500387">
             <a:off x="1603192" y="1903068"/>
             <a:ext cx="1453812" cy="1392025"/>
           </a:xfrm>
@@ -3563,9 +3590,9 @@
             <a:gdLst/>
             <a:ahLst/>
             <a:cxnLst/>
-            <a:rect r="r" b="b" t="t" l="l"/>
+            <a:rect l="l" t="t" r="r" b="b"/>
             <a:pathLst>
-              <a:path h="1392025" w="1453812">
+              <a:path w="1453812" h="1392025">
                 <a:moveTo>
                   <a:pt x="0" y="0"/>
                 </a:moveTo>
@@ -3588,19 +3615,19 @@
           <a:blipFill>
             <a:blip r:embed="rId6"/>
             <a:stretch>
-              <a:fillRect l="0" t="0" r="0" b="0"/>
+              <a:fillRect/>
             </a:stretch>
           </a:blipFill>
         </p:spPr>
       </p:sp>
       <p:sp>
         <p:nvSpPr>
-          <p:cNvPr name="Freeform 14" id="14"/>
+          <p:cNvPr id="14" name="Freeform 14"/>
           <p:cNvSpPr/>
           <p:nvPr/>
         </p:nvSpPr>
         <p:spPr>
-          <a:xfrm flipH="false" flipV="false" rot="0">
+          <a:xfrm>
             <a:off x="4938867" y="1108924"/>
             <a:ext cx="1019791" cy="637369"/>
           </a:xfrm>
@@ -3609,9 +3636,9 @@
             <a:gdLst/>
             <a:ahLst/>
             <a:cxnLst/>
-            <a:rect r="r" b="b" t="t" l="l"/>
+            <a:rect l="l" t="t" r="r" b="b"/>
             <a:pathLst>
-              <a:path h="637369" w="1019791">
+              <a:path w="1019791" h="637369">
                 <a:moveTo>
                   <a:pt x="0" y="0"/>
                 </a:moveTo>
@@ -3640,19 +3667,19 @@
               </a:extLst>
             </a:blip>
             <a:stretch>
-              <a:fillRect l="0" t="0" r="0" b="0"/>
+              <a:fillRect/>
             </a:stretch>
           </a:blipFill>
         </p:spPr>
       </p:sp>
       <p:sp>
         <p:nvSpPr>
-          <p:cNvPr name="Freeform 15" id="15"/>
+          <p:cNvPr id="15" name="Freeform 15"/>
           <p:cNvSpPr/>
           <p:nvPr/>
         </p:nvSpPr>
         <p:spPr>
-          <a:xfrm flipH="false" flipV="false" rot="5400000">
+          <a:xfrm rot="5400000">
             <a:off x="5210692" y="1525875"/>
             <a:ext cx="476141" cy="817409"/>
           </a:xfrm>
@@ -3661,9 +3688,9 @@
             <a:gdLst/>
             <a:ahLst/>
             <a:cxnLst/>
-            <a:rect r="r" b="b" t="t" l="l"/>
+            <a:rect l="l" t="t" r="r" b="b"/>
             <a:pathLst>
-              <a:path h="817409" w="476141">
+              <a:path w="476141" h="817409">
                 <a:moveTo>
                   <a:pt x="0" y="0"/>
                 </a:moveTo>
@@ -3692,33 +3719,33 @@
               </a:extLst>
             </a:blip>
             <a:stretch>
-              <a:fillRect l="0" t="0" r="0" b="0"/>
+              <a:fillRect/>
             </a:stretch>
           </a:blipFill>
         </p:spPr>
       </p:sp>
       <p:grpSp>
         <p:nvGrpSpPr>
-          <p:cNvPr name="Group 16" id="16"/>
+          <p:cNvPr id="16" name="Group 16"/>
           <p:cNvGrpSpPr/>
           <p:nvPr/>
         </p:nvGrpSpPr>
         <p:grpSpPr>
-          <a:xfrm rot="0">
-            <a:off x="1428750" y="11580183"/>
-            <a:ext cx="4922440" cy="1442786"/>
-            <a:chOff x="0" y="0"/>
-            <a:chExt cx="6563254" cy="1923715"/>
+          <a:xfrm>
+            <a:off x="1428750" y="11551608"/>
+            <a:ext cx="4922440" cy="1471361"/>
+            <a:chOff x="0" y="-38100"/>
+            <a:chExt cx="6563254" cy="1961815"/>
           </a:xfrm>
         </p:grpSpPr>
         <p:sp>
           <p:nvSpPr>
-            <p:cNvPr name="Freeform 17" id="17"/>
+            <p:cNvPr id="17" name="Freeform 17"/>
             <p:cNvSpPr/>
             <p:nvPr/>
           </p:nvSpPr>
           <p:spPr>
-            <a:xfrm flipH="false" flipV="false" rot="0">
+            <a:xfrm>
               <a:off x="0" y="0"/>
               <a:ext cx="2604014" cy="1923715"/>
             </a:xfrm>
@@ -3727,9 +3754,9 @@
               <a:gdLst/>
               <a:ahLst/>
               <a:cxnLst/>
-              <a:rect r="r" b="b" t="t" l="l"/>
+              <a:rect l="l" t="t" r="r" b="b"/>
               <a:pathLst>
-                <a:path h="1923715" w="2604014">
+                <a:path w="2604014" h="1923715">
                   <a:moveTo>
                     <a:pt x="0" y="0"/>
                   </a:moveTo>
@@ -3752,19 +3779,19 @@
             <a:blipFill>
               <a:blip r:embed="rId11"/>
               <a:stretch>
-                <a:fillRect l="0" t="0" r="0" b="0"/>
+                <a:fillRect/>
               </a:stretch>
             </a:blipFill>
           </p:spPr>
         </p:sp>
         <p:sp>
           <p:nvSpPr>
-            <p:cNvPr name="Freeform 18" id="18"/>
+            <p:cNvPr id="18" name="Freeform 18"/>
             <p:cNvSpPr/>
             <p:nvPr/>
           </p:nvSpPr>
           <p:spPr>
-            <a:xfrm flipH="false" flipV="false" rot="0">
+            <a:xfrm>
               <a:off x="1048981" y="390759"/>
               <a:ext cx="412319" cy="414581"/>
             </a:xfrm>
@@ -3773,9 +3800,9 @@
               <a:gdLst/>
               <a:ahLst/>
               <a:cxnLst/>
-              <a:rect r="r" b="b" t="t" l="l"/>
+              <a:rect l="l" t="t" r="r" b="b"/>
               <a:pathLst>
-                <a:path h="414581" w="412319">
+                <a:path w="412319" h="414581">
                   <a:moveTo>
                     <a:pt x="0" y="0"/>
                   </a:moveTo>
@@ -3804,19 +3831,19 @@
                 </a:extLst>
               </a:blip>
               <a:stretch>
-                <a:fillRect l="0" t="0" r="0" b="0"/>
+                <a:fillRect/>
               </a:stretch>
             </a:blipFill>
           </p:spPr>
         </p:sp>
         <p:sp>
           <p:nvSpPr>
-            <p:cNvPr name="TextBox 19" id="19"/>
-            <p:cNvSpPr txBox="true"/>
+            <p:cNvPr id="19" name="TextBox 19"/>
+            <p:cNvSpPr txBox="1"/>
             <p:nvPr/>
           </p:nvSpPr>
           <p:spPr>
-            <a:xfrm rot="0">
+            <a:xfrm>
               <a:off x="1048981" y="837386"/>
               <a:ext cx="523326" cy="138985"/>
             </a:xfrm>
@@ -3825,7 +3852,7 @@
             </a:prstGeom>
           </p:spPr>
           <p:txBody>
-            <a:bodyPr anchor="t" rtlCol="false" tIns="0" lIns="0" bIns="0" rIns="0">
+            <a:bodyPr lIns="0" tIns="0" rIns="0" bIns="0" rtlCol="0" anchor="t">
               <a:spAutoFit/>
             </a:bodyPr>
             <a:lstStyle/>
@@ -3855,21 +3882,21 @@
         </p:sp>
         <p:sp>
           <p:nvSpPr>
-            <p:cNvPr name="TextBox 20" id="20"/>
-            <p:cNvSpPr txBox="true"/>
+            <p:cNvPr id="20" name="TextBox 20"/>
+            <p:cNvSpPr txBox="1"/>
             <p:nvPr/>
           </p:nvSpPr>
           <p:spPr>
-            <a:xfrm rot="0">
+            <a:xfrm>
               <a:off x="2955674" y="-38100"/>
-              <a:ext cx="3607580" cy="1485024"/>
+              <a:ext cx="3607580" cy="367964"/>
             </a:xfrm>
             <a:prstGeom prst="rect">
               <a:avLst/>
             </a:prstGeom>
           </p:spPr>
           <p:txBody>
-            <a:bodyPr anchor="t" rtlCol="false" tIns="0" lIns="0" bIns="0" rIns="0">
+            <a:bodyPr lIns="0" tIns="0" rIns="0" bIns="0" rtlCol="0" anchor="t">
               <a:spAutoFit/>
             </a:bodyPr>
             <a:lstStyle/>
@@ -3879,102 +3906,27 @@
                   <a:spcPts val="2316"/>
                 </a:lnSpc>
               </a:pPr>
-              <a:r>
-                <a:rPr lang="en-US" sz="1654" b="true">
-                  <a:solidFill>
-                    <a:srgbClr val="000000"/>
-                  </a:solidFill>
-                  <a:latin typeface="Open Sans Bold"/>
-                  <a:ea typeface="Open Sans Bold"/>
-                  <a:cs typeface="Open Sans Bold"/>
-                  <a:sym typeface="Open Sans Bold"/>
-                </a:rPr>
-                <a:t>Processador: Intel core i5</a:t>
-              </a:r>
-            </a:p>
-            <a:p>
-              <a:pPr algn="l">
-                <a:lnSpc>
-                  <a:spcPts val="2316"/>
-                </a:lnSpc>
-              </a:pPr>
-              <a:r>
-                <a:rPr lang="en-US" sz="1654" b="true">
-                  <a:solidFill>
-                    <a:srgbClr val="000000"/>
-                  </a:solidFill>
-                  <a:latin typeface="Open Sans Bold"/>
-                  <a:ea typeface="Open Sans Bold"/>
-                  <a:cs typeface="Open Sans Bold"/>
-                  <a:sym typeface="Open Sans Bold"/>
-                </a:rPr>
-                <a:t>Memória RAM: 8G</a:t>
-              </a:r>
-            </a:p>
-            <a:p>
-              <a:pPr algn="l">
-                <a:lnSpc>
-                  <a:spcPts val="2316"/>
-                </a:lnSpc>
-              </a:pPr>
-              <a:r>
-                <a:rPr lang="en-US" sz="1654" b="true">
-                  <a:solidFill>
-                    <a:srgbClr val="000000"/>
-                  </a:solidFill>
-                  <a:latin typeface="Open Sans Bold"/>
-                  <a:ea typeface="Open Sans Bold"/>
-                  <a:cs typeface="Open Sans Bold"/>
-                  <a:sym typeface="Open Sans Bold"/>
-                </a:rPr>
-                <a:t>Windows 10/11</a:t>
-              </a:r>
-              <a:r>
-                <a:rPr lang="en-US" sz="1654">
-                  <a:solidFill>
-                    <a:srgbClr val="000000"/>
-                  </a:solidFill>
-                  <a:latin typeface="Open Sans"/>
-                  <a:ea typeface="Open Sans"/>
-                  <a:cs typeface="Open Sans"/>
-                  <a:sym typeface="Open Sans"/>
-                </a:rPr>
-                <a:t> </a:t>
-              </a:r>
-            </a:p>
-            <a:p>
-              <a:pPr algn="l">
-                <a:lnSpc>
-                  <a:spcPts val="2316"/>
-                </a:lnSpc>
-                <a:spcBef>
-                  <a:spcPct val="0"/>
-                </a:spcBef>
-              </a:pPr>
-              <a:r>
-                <a:rPr lang="en-US" b="true" sz="1654">
-                  <a:solidFill>
-                    <a:srgbClr val="000000"/>
-                  </a:solidFill>
-                  <a:latin typeface="Open Sans Bold"/>
-                  <a:ea typeface="Open Sans Bold"/>
-                  <a:cs typeface="Open Sans Bold"/>
-                  <a:sym typeface="Open Sans Bold"/>
-                </a:rPr>
-                <a:t>Conexão:wi-fi</a:t>
-              </a:r>
+              <a:endParaRPr lang="en-US" sz="1654" b="1" dirty="0">
+                <a:solidFill>
+                  <a:srgbClr val="000000"/>
+                </a:solidFill>
+                <a:latin typeface="Open Sans Bold"/>
+                <a:ea typeface="Open Sans Bold"/>
+                <a:cs typeface="Open Sans Bold"/>
+                <a:sym typeface="Open Sans Bold"/>
+              </a:endParaRPr>
             </a:p>
           </p:txBody>
         </p:sp>
       </p:grpSp>
       <p:grpSp>
         <p:nvGrpSpPr>
-          <p:cNvPr name="Group 21" id="21"/>
+          <p:cNvPr id="21" name="Group 21"/>
           <p:cNvGrpSpPr/>
           <p:nvPr/>
         </p:nvGrpSpPr>
         <p:grpSpPr>
-          <a:xfrm rot="0">
+          <a:xfrm>
             <a:off x="20539915" y="2866935"/>
             <a:ext cx="2471218" cy="5222617"/>
             <a:chOff x="0" y="0"/>
@@ -3983,12 +3935,12 @@
         </p:grpSpPr>
         <p:sp>
           <p:nvSpPr>
-            <p:cNvPr name="Freeform 22" id="22"/>
+            <p:cNvPr id="22" name="Freeform 22"/>
             <p:cNvSpPr/>
             <p:nvPr/>
           </p:nvSpPr>
           <p:spPr>
-            <a:xfrm flipH="false" flipV="false" rot="0">
+            <a:xfrm>
               <a:off x="0" y="0"/>
               <a:ext cx="583557" cy="1233277"/>
             </a:xfrm>
@@ -3997,9 +3949,9 @@
               <a:gdLst/>
               <a:ahLst/>
               <a:cxnLst/>
-              <a:rect r="r" b="b" t="t" l="l"/>
+              <a:rect l="l" t="t" r="r" b="b"/>
               <a:pathLst>
-                <a:path h="1233277" w="583557">
+                <a:path w="583557" h="1233277">
                   <a:moveTo>
                     <a:pt x="62657" y="0"/>
                   </a:moveTo>
@@ -4075,8 +4027,8 @@
         </p:sp>
         <p:sp>
           <p:nvSpPr>
-            <p:cNvPr name="TextBox 23" id="23"/>
-            <p:cNvSpPr txBox="true"/>
+            <p:cNvPr id="23" name="TextBox 23"/>
+            <p:cNvSpPr txBox="1"/>
             <p:nvPr/>
           </p:nvSpPr>
           <p:spPr>
@@ -4089,7 +4041,7 @@
             </a:prstGeom>
           </p:spPr>
           <p:txBody>
-            <a:bodyPr anchor="ctr" rtlCol="false" tIns="56658" lIns="56658" bIns="56658" rIns="56658"/>
+            <a:bodyPr lIns="56658" tIns="56658" rIns="56658" bIns="56658" rtlCol="0" anchor="ctr"/>
             <a:lstStyle/>
             <a:p>
               <a:pPr algn="ctr">
@@ -4097,18 +4049,19 @@
                   <a:spcPts val="2966"/>
                 </a:lnSpc>
               </a:pPr>
+              <a:endParaRPr/>
             </a:p>
           </p:txBody>
         </p:sp>
       </p:grpSp>
       <p:sp>
         <p:nvSpPr>
-          <p:cNvPr name="Freeform 24" id="24"/>
+          <p:cNvPr id="24" name="Freeform 24"/>
           <p:cNvSpPr/>
           <p:nvPr/>
         </p:nvSpPr>
         <p:spPr>
-          <a:xfrm flipH="false" flipV="false" rot="64323">
+          <a:xfrm rot="64323">
             <a:off x="21259157" y="3725951"/>
             <a:ext cx="1032734" cy="1162007"/>
           </a:xfrm>
@@ -4117,9 +4070,9 @@
             <a:gdLst/>
             <a:ahLst/>
             <a:cxnLst/>
-            <a:rect r="r" b="b" t="t" l="l"/>
+            <a:rect l="l" t="t" r="r" b="b"/>
             <a:pathLst>
-              <a:path h="1162007" w="1032734">
+              <a:path w="1032734" h="1162007">
                 <a:moveTo>
                   <a:pt x="0" y="0"/>
                 </a:moveTo>
@@ -4148,19 +4101,19 @@
               </a:extLst>
             </a:blip>
             <a:stretch>
-              <a:fillRect l="0" t="0" r="0" b="0"/>
+              <a:fillRect/>
             </a:stretch>
           </a:blipFill>
         </p:spPr>
       </p:sp>
       <p:grpSp>
         <p:nvGrpSpPr>
-          <p:cNvPr name="Group 25" id="25"/>
+          <p:cNvPr id="25" name="Group 25"/>
           <p:cNvGrpSpPr/>
           <p:nvPr/>
         </p:nvGrpSpPr>
         <p:grpSpPr>
-          <a:xfrm rot="0">
+          <a:xfrm>
             <a:off x="1192074" y="5365112"/>
             <a:ext cx="6055450" cy="6034096"/>
             <a:chOff x="0" y="0"/>
@@ -4169,12 +4122,12 @@
         </p:grpSpPr>
         <p:sp>
           <p:nvSpPr>
-            <p:cNvPr name="Freeform 26" id="26"/>
+            <p:cNvPr id="26" name="Freeform 26"/>
             <p:cNvSpPr/>
             <p:nvPr/>
           </p:nvSpPr>
           <p:spPr>
-            <a:xfrm flipH="false" flipV="false" rot="0">
+            <a:xfrm>
               <a:off x="0" y="0"/>
               <a:ext cx="1429944" cy="1424901"/>
             </a:xfrm>
@@ -4183,9 +4136,9 @@
               <a:gdLst/>
               <a:ahLst/>
               <a:cxnLst/>
-              <a:rect r="r" b="b" t="t" l="l"/>
+              <a:rect l="l" t="t" r="r" b="b"/>
               <a:pathLst>
-                <a:path h="1424901" w="1429944">
+                <a:path w="1429944" h="1424901">
                   <a:moveTo>
                     <a:pt x="25570" y="0"/>
                   </a:moveTo>
@@ -4261,8 +4214,8 @@
         </p:sp>
         <p:sp>
           <p:nvSpPr>
-            <p:cNvPr name="TextBox 27" id="27"/>
-            <p:cNvSpPr txBox="true"/>
+            <p:cNvPr id="27" name="TextBox 27"/>
+            <p:cNvSpPr txBox="1"/>
             <p:nvPr/>
           </p:nvSpPr>
           <p:spPr>
@@ -4275,7 +4228,7 @@
             </a:prstGeom>
           </p:spPr>
           <p:txBody>
-            <a:bodyPr anchor="ctr" rtlCol="false" tIns="56658" lIns="56658" bIns="56658" rIns="56658"/>
+            <a:bodyPr lIns="56658" tIns="56658" rIns="56658" bIns="56658" rtlCol="0" anchor="ctr"/>
             <a:lstStyle/>
             <a:p>
               <a:pPr algn="ctr">
@@ -4283,18 +4236,19 @@
                   <a:spcPts val="2966"/>
                 </a:lnSpc>
               </a:pPr>
+              <a:endParaRPr/>
             </a:p>
           </p:txBody>
         </p:sp>
       </p:grpSp>
       <p:grpSp>
         <p:nvGrpSpPr>
-          <p:cNvPr name="Group 28" id="28"/>
+          <p:cNvPr id="28" name="Group 28"/>
           <p:cNvGrpSpPr/>
           <p:nvPr/>
         </p:nvGrpSpPr>
         <p:grpSpPr>
-          <a:xfrm rot="0">
+          <a:xfrm>
             <a:off x="2011919" y="6236241"/>
             <a:ext cx="4413464" cy="4506790"/>
             <a:chOff x="0" y="0"/>
@@ -4303,12 +4257,12 @@
         </p:grpSpPr>
         <p:sp>
           <p:nvSpPr>
-            <p:cNvPr name="Freeform 29" id="29"/>
+            <p:cNvPr id="29" name="Freeform 29"/>
             <p:cNvSpPr/>
             <p:nvPr/>
           </p:nvSpPr>
           <p:spPr>
-            <a:xfrm flipH="false" flipV="false" rot="0">
+            <a:xfrm>
               <a:off x="0" y="0"/>
               <a:ext cx="1281344" cy="1308439"/>
             </a:xfrm>
@@ -4317,9 +4271,9 @@
               <a:gdLst/>
               <a:ahLst/>
               <a:cxnLst/>
-              <a:rect r="r" b="b" t="t" l="l"/>
+              <a:rect l="l" t="t" r="r" b="b"/>
               <a:pathLst>
-                <a:path h="1308439" w="1281344">
+                <a:path w="1281344" h="1308439">
                   <a:moveTo>
                     <a:pt x="35083" y="0"/>
                   </a:moveTo>
@@ -4375,8 +4329,8 @@
         </p:sp>
         <p:sp>
           <p:nvSpPr>
-            <p:cNvPr name="TextBox 30" id="30"/>
-            <p:cNvSpPr txBox="true"/>
+            <p:cNvPr id="30" name="TextBox 30"/>
+            <p:cNvSpPr txBox="1"/>
             <p:nvPr/>
           </p:nvSpPr>
           <p:spPr>
@@ -4389,7 +4343,7 @@
             </a:prstGeom>
           </p:spPr>
           <p:txBody>
-            <a:bodyPr anchor="ctr" rtlCol="false" tIns="52000" lIns="52000" bIns="52000" rIns="52000"/>
+            <a:bodyPr lIns="52000" tIns="52000" rIns="52000" bIns="52000" rtlCol="0" anchor="ctr"/>
             <a:lstStyle/>
             <a:p>
               <a:pPr algn="ctr">
@@ -4397,18 +4351,19 @@
                   <a:spcPts val="2966"/>
                 </a:lnSpc>
               </a:pPr>
+              <a:endParaRPr/>
             </a:p>
           </p:txBody>
         </p:sp>
       </p:grpSp>
       <p:grpSp>
         <p:nvGrpSpPr>
-          <p:cNvPr name="Group 31" id="31"/>
+          <p:cNvPr id="31" name="Group 31"/>
           <p:cNvGrpSpPr/>
           <p:nvPr/>
         </p:nvGrpSpPr>
         <p:grpSpPr>
-          <a:xfrm rot="0">
+          <a:xfrm>
             <a:off x="2674618" y="6922464"/>
             <a:ext cx="3088067" cy="3134344"/>
             <a:chOff x="0" y="0"/>
@@ -4417,12 +4372,12 @@
         </p:grpSpPr>
         <p:sp>
           <p:nvSpPr>
-            <p:cNvPr name="Freeform 32" id="32"/>
+            <p:cNvPr id="32" name="Freeform 32"/>
             <p:cNvSpPr/>
             <p:nvPr/>
           </p:nvSpPr>
           <p:spPr>
-            <a:xfrm flipH="false" flipV="false" rot="0">
+            <a:xfrm>
               <a:off x="0" y="0"/>
               <a:ext cx="729221" cy="740149"/>
             </a:xfrm>
@@ -4431,9 +4386,9 @@
               <a:gdLst/>
               <a:ahLst/>
               <a:cxnLst/>
-              <a:rect r="r" b="b" t="t" l="l"/>
+              <a:rect l="l" t="t" r="r" b="b"/>
               <a:pathLst>
-                <a:path h="740149" w="729221">
+                <a:path w="729221" h="740149">
                   <a:moveTo>
                     <a:pt x="50141" y="0"/>
                   </a:moveTo>
@@ -4489,8 +4444,8 @@
         </p:sp>
         <p:sp>
           <p:nvSpPr>
-            <p:cNvPr name="TextBox 33" id="33"/>
-            <p:cNvSpPr txBox="true"/>
+            <p:cNvPr id="33" name="TextBox 33"/>
+            <p:cNvSpPr txBox="1"/>
             <p:nvPr/>
           </p:nvSpPr>
           <p:spPr>
@@ -4503,7 +4458,7 @@
             </a:prstGeom>
           </p:spPr>
           <p:txBody>
-            <a:bodyPr anchor="ctr" rtlCol="false" tIns="56658" lIns="56658" bIns="56658" rIns="56658"/>
+            <a:bodyPr lIns="56658" tIns="56658" rIns="56658" bIns="56658" rtlCol="0" anchor="ctr"/>
             <a:lstStyle/>
             <a:p>
               <a:pPr algn="ctr">
@@ -4511,18 +4466,19 @@
                   <a:spcPts val="2966"/>
                 </a:lnSpc>
               </a:pPr>
+              <a:endParaRPr/>
             </a:p>
           </p:txBody>
         </p:sp>
       </p:grpSp>
       <p:sp>
         <p:nvSpPr>
-          <p:cNvPr name="Freeform 34" id="34"/>
+          <p:cNvPr id="34" name="Freeform 34"/>
           <p:cNvSpPr/>
           <p:nvPr/>
         </p:nvSpPr>
         <p:spPr>
-          <a:xfrm flipH="false" flipV="false" rot="0">
+          <a:xfrm>
             <a:off x="3208949" y="8164954"/>
             <a:ext cx="1917527" cy="536907"/>
           </a:xfrm>
@@ -4531,9 +4487,9 @@
             <a:gdLst/>
             <a:ahLst/>
             <a:cxnLst/>
-            <a:rect r="r" b="b" t="t" l="l"/>
+            <a:rect l="l" t="t" r="r" b="b"/>
             <a:pathLst>
-              <a:path h="536907" w="1917527">
+              <a:path w="1917527" h="536907">
                 <a:moveTo>
                   <a:pt x="0" y="0"/>
                 </a:moveTo>
@@ -4562,19 +4518,19 @@
               </a:extLst>
             </a:blip>
             <a:stretch>
-              <a:fillRect l="0" t="0" r="0" b="0"/>
+              <a:fillRect/>
             </a:stretch>
           </a:blipFill>
         </p:spPr>
       </p:sp>
       <p:sp>
         <p:nvSpPr>
-          <p:cNvPr name="Freeform 35" id="35"/>
+          <p:cNvPr id="35" name="Freeform 35"/>
           <p:cNvSpPr/>
           <p:nvPr/>
         </p:nvSpPr>
         <p:spPr>
-          <a:xfrm flipH="false" flipV="false" rot="0">
+          <a:xfrm>
             <a:off x="9371489" y="1860104"/>
             <a:ext cx="387500" cy="456092"/>
           </a:xfrm>
@@ -4583,9 +4539,9 @@
             <a:gdLst/>
             <a:ahLst/>
             <a:cxnLst/>
-            <a:rect r="r" b="b" t="t" l="l"/>
+            <a:rect l="l" t="t" r="r" b="b"/>
             <a:pathLst>
-              <a:path h="456092" w="387500">
+              <a:path w="387500" h="456092">
                 <a:moveTo>
                   <a:pt x="0" y="0"/>
                 </a:moveTo>
@@ -4608,19 +4564,19 @@
           <a:blipFill>
             <a:blip r:embed="rId18"/>
             <a:stretch>
-              <a:fillRect l="0" t="0" r="0" b="0"/>
+              <a:fillRect/>
             </a:stretch>
           </a:blipFill>
         </p:spPr>
       </p:sp>
       <p:sp>
         <p:nvSpPr>
-          <p:cNvPr name="Freeform 36" id="36"/>
+          <p:cNvPr id="36" name="Freeform 36"/>
           <p:cNvSpPr/>
           <p:nvPr/>
         </p:nvSpPr>
         <p:spPr>
-          <a:xfrm flipH="false" flipV="false" rot="0">
+          <a:xfrm>
             <a:off x="9955928" y="1766349"/>
             <a:ext cx="444997" cy="406301"/>
           </a:xfrm>
@@ -4629,9 +4585,9 @@
             <a:gdLst/>
             <a:ahLst/>
             <a:cxnLst/>
-            <a:rect r="r" b="b" t="t" l="l"/>
+            <a:rect l="l" t="t" r="r" b="b"/>
             <a:pathLst>
-              <a:path h="406301" w="444997">
+              <a:path w="444997" h="406301">
                 <a:moveTo>
                   <a:pt x="0" y="0"/>
                 </a:moveTo>
@@ -4654,19 +4610,19 @@
           <a:blipFill>
             <a:blip r:embed="rId19"/>
             <a:stretch>
-              <a:fillRect l="0" t="0" r="0" b="0"/>
+              <a:fillRect/>
             </a:stretch>
           </a:blipFill>
         </p:spPr>
       </p:sp>
       <p:grpSp>
         <p:nvGrpSpPr>
-          <p:cNvPr name="Group 37" id="37"/>
+          <p:cNvPr id="37" name="Group 37"/>
           <p:cNvGrpSpPr/>
           <p:nvPr/>
         </p:nvGrpSpPr>
         <p:grpSpPr>
-          <a:xfrm rot="0">
+          <a:xfrm>
             <a:off x="11335793" y="6587163"/>
             <a:ext cx="870870" cy="198929"/>
             <a:chOff x="0" y="0"/>
@@ -4675,12 +4631,12 @@
         </p:grpSpPr>
         <p:sp>
           <p:nvSpPr>
-            <p:cNvPr name="Freeform 38" id="38"/>
+            <p:cNvPr id="38" name="Freeform 38"/>
             <p:cNvSpPr/>
             <p:nvPr/>
           </p:nvSpPr>
           <p:spPr>
-            <a:xfrm flipH="false" flipV="false" rot="0">
+            <a:xfrm>
               <a:off x="0" y="0"/>
               <a:ext cx="227589" cy="51987"/>
             </a:xfrm>
@@ -4689,9 +4645,9 @@
               <a:gdLst/>
               <a:ahLst/>
               <a:cxnLst/>
-              <a:rect r="r" b="b" t="t" l="l"/>
+              <a:rect l="l" t="t" r="r" b="b"/>
               <a:pathLst>
-                <a:path h="51987" w="227589">
+                <a:path w="227589" h="51987">
                   <a:moveTo>
                     <a:pt x="0" y="0"/>
                   </a:moveTo>
@@ -4715,8 +4671,8 @@
         </p:sp>
         <p:sp>
           <p:nvSpPr>
-            <p:cNvPr name="TextBox 39" id="39"/>
-            <p:cNvSpPr txBox="true"/>
+            <p:cNvPr id="39" name="TextBox 39"/>
+            <p:cNvSpPr txBox="1"/>
             <p:nvPr/>
           </p:nvSpPr>
           <p:spPr>
@@ -4729,7 +4685,7 @@
             </a:prstGeom>
           </p:spPr>
           <p:txBody>
-            <a:bodyPr anchor="ctr" rtlCol="false" tIns="51196" lIns="51196" bIns="51196" rIns="51196"/>
+            <a:bodyPr lIns="51196" tIns="51196" rIns="51196" bIns="51196" rtlCol="0" anchor="ctr"/>
             <a:lstStyle/>
             <a:p>
               <a:pPr algn="ctr">
@@ -4737,18 +4693,19 @@
                   <a:spcPts val="2966"/>
                 </a:lnSpc>
               </a:pPr>
+              <a:endParaRPr/>
             </a:p>
           </p:txBody>
         </p:sp>
       </p:grpSp>
       <p:sp>
         <p:nvSpPr>
-          <p:cNvPr name="Freeform 40" id="40"/>
+          <p:cNvPr id="40" name="Freeform 40"/>
           <p:cNvSpPr/>
           <p:nvPr/>
         </p:nvSpPr>
         <p:spPr>
-          <a:xfrm flipH="false" flipV="false" rot="0">
+          <a:xfrm>
             <a:off x="9179671" y="1716014"/>
             <a:ext cx="776257" cy="100671"/>
           </a:xfrm>
@@ -4757,9 +4714,9 @@
             <a:gdLst/>
             <a:ahLst/>
             <a:cxnLst/>
-            <a:rect r="r" b="b" t="t" l="l"/>
+            <a:rect l="l" t="t" r="r" b="b"/>
             <a:pathLst>
-              <a:path h="100671" w="776257">
+              <a:path w="776257" h="100671">
                 <a:moveTo>
                   <a:pt x="0" y="0"/>
                 </a:moveTo>
@@ -4788,19 +4745,19 @@
               </a:extLst>
             </a:blip>
             <a:stretch>
-              <a:fillRect l="0" t="0" r="0" b="0"/>
+              <a:fillRect/>
             </a:stretch>
           </a:blipFill>
         </p:spPr>
       </p:sp>
       <p:grpSp>
         <p:nvGrpSpPr>
-          <p:cNvPr name="Group 41" id="41"/>
+          <p:cNvPr id="41" name="Group 41"/>
           <p:cNvGrpSpPr/>
           <p:nvPr/>
         </p:nvGrpSpPr>
         <p:grpSpPr>
-          <a:xfrm rot="0">
+          <a:xfrm>
             <a:off x="9179671" y="4774180"/>
             <a:ext cx="1907215" cy="1860064"/>
             <a:chOff x="0" y="0"/>
@@ -4809,12 +4766,12 @@
         </p:grpSpPr>
         <p:sp>
           <p:nvSpPr>
-            <p:cNvPr name="Freeform 42" id="42"/>
+            <p:cNvPr id="42" name="Freeform 42"/>
             <p:cNvSpPr/>
             <p:nvPr/>
           </p:nvSpPr>
           <p:spPr>
-            <a:xfrm flipH="false" flipV="false" rot="0">
+            <a:xfrm>
               <a:off x="0" y="0"/>
               <a:ext cx="672031" cy="655417"/>
             </a:xfrm>
@@ -4823,9 +4780,9 @@
               <a:gdLst/>
               <a:ahLst/>
               <a:cxnLst/>
-              <a:rect r="r" b="b" t="t" l="l"/>
+              <a:rect l="l" t="t" r="r" b="b"/>
               <a:pathLst>
-                <a:path h="655417" w="672031">
+                <a:path w="672031" h="655417">
                   <a:moveTo>
                     <a:pt x="81186" y="0"/>
                   </a:moveTo>
@@ -4881,8 +4838,8 @@
         </p:sp>
         <p:sp>
           <p:nvSpPr>
-            <p:cNvPr name="TextBox 43" id="43"/>
-            <p:cNvSpPr txBox="true"/>
+            <p:cNvPr id="43" name="TextBox 43"/>
+            <p:cNvSpPr txBox="1"/>
             <p:nvPr/>
           </p:nvSpPr>
           <p:spPr>
@@ -4895,7 +4852,7 @@
             </a:prstGeom>
           </p:spPr>
           <p:txBody>
-            <a:bodyPr anchor="ctr" rtlCol="false" tIns="51196" lIns="51196" bIns="51196" rIns="51196"/>
+            <a:bodyPr lIns="51196" tIns="51196" rIns="51196" bIns="51196" rtlCol="0" anchor="ctr"/>
             <a:lstStyle/>
             <a:p>
               <a:pPr algn="ctr">
@@ -4903,18 +4860,19 @@
                   <a:spcPts val="2966"/>
                 </a:lnSpc>
               </a:pPr>
+              <a:endParaRPr/>
             </a:p>
           </p:txBody>
         </p:sp>
       </p:grpSp>
       <p:sp>
         <p:nvSpPr>
-          <p:cNvPr name="Freeform 44" id="44"/>
+          <p:cNvPr id="44" name="Freeform 44"/>
           <p:cNvSpPr/>
           <p:nvPr/>
         </p:nvSpPr>
         <p:spPr>
-          <a:xfrm flipH="false" flipV="false" rot="0">
+          <a:xfrm>
             <a:off x="9634025" y="5516933"/>
             <a:ext cx="942728" cy="942728"/>
           </a:xfrm>
@@ -4923,9 +4881,9 @@
             <a:gdLst/>
             <a:ahLst/>
             <a:cxnLst/>
-            <a:rect r="r" b="b" t="t" l="l"/>
+            <a:rect l="l" t="t" r="r" b="b"/>
             <a:pathLst>
-              <a:path h="942728" w="942728">
+              <a:path w="942728" h="942728">
                 <a:moveTo>
                   <a:pt x="0" y="0"/>
                 </a:moveTo>
@@ -4948,19 +4906,19 @@
           <a:blipFill>
             <a:blip r:embed="rId22"/>
             <a:stretch>
-              <a:fillRect l="0" t="0" r="0" b="0"/>
+              <a:fillRect/>
             </a:stretch>
           </a:blipFill>
         </p:spPr>
       </p:sp>
       <p:grpSp>
         <p:nvGrpSpPr>
-          <p:cNvPr name="Group 45" id="45"/>
+          <p:cNvPr id="45" name="Group 45"/>
           <p:cNvGrpSpPr/>
           <p:nvPr/>
         </p:nvGrpSpPr>
         <p:grpSpPr>
-          <a:xfrm rot="0">
+          <a:xfrm>
             <a:off x="11990492" y="3121255"/>
             <a:ext cx="2635057" cy="727646"/>
             <a:chOff x="0" y="0"/>
@@ -4969,12 +4927,12 @@
         </p:grpSpPr>
         <p:sp>
           <p:nvSpPr>
-            <p:cNvPr name="Freeform 46" id="46"/>
+            <p:cNvPr id="46" name="Freeform 46"/>
             <p:cNvSpPr/>
             <p:nvPr/>
           </p:nvSpPr>
           <p:spPr>
-            <a:xfrm flipH="false" flipV="false" rot="0">
+            <a:xfrm>
               <a:off x="0" y="0"/>
               <a:ext cx="937451" cy="970195"/>
             </a:xfrm>
@@ -4983,9 +4941,9 @@
               <a:gdLst/>
               <a:ahLst/>
               <a:cxnLst/>
-              <a:rect r="r" b="b" t="t" l="l"/>
+              <a:rect l="l" t="t" r="r" b="b"/>
               <a:pathLst>
-                <a:path h="970195" w="937451">
+                <a:path w="937451" h="970195">
                   <a:moveTo>
                     <a:pt x="0" y="0"/>
                   </a:moveTo>
@@ -5014,19 +4972,19 @@
                 </a:extLst>
               </a:blip>
               <a:stretch>
-                <a:fillRect l="0" t="0" r="0" b="0"/>
+                <a:fillRect/>
               </a:stretch>
             </a:blipFill>
           </p:spPr>
         </p:sp>
         <p:sp>
           <p:nvSpPr>
-            <p:cNvPr name="TextBox 47" id="47"/>
-            <p:cNvSpPr txBox="true"/>
+            <p:cNvPr id="47" name="TextBox 47"/>
+            <p:cNvSpPr txBox="1"/>
             <p:nvPr/>
           </p:nvSpPr>
           <p:spPr>
-            <a:xfrm rot="0">
+            <a:xfrm>
               <a:off x="1085378" y="47862"/>
               <a:ext cx="2428032" cy="826892"/>
             </a:xfrm>
@@ -5035,7 +4993,7 @@
             </a:prstGeom>
           </p:spPr>
           <p:txBody>
-            <a:bodyPr anchor="t" rtlCol="false" tIns="0" lIns="0" bIns="0" rIns="0">
+            <a:bodyPr lIns="0" tIns="0" rIns="0" bIns="0" rtlCol="0" anchor="t">
               <a:spAutoFit/>
             </a:bodyPr>
             <a:lstStyle/>
@@ -5140,12 +5098,12 @@
       </p:grpSp>
       <p:sp>
         <p:nvSpPr>
-          <p:cNvPr name="Freeform 48" id="48"/>
+          <p:cNvPr id="48" name="Freeform 48"/>
           <p:cNvSpPr/>
           <p:nvPr/>
         </p:nvSpPr>
         <p:spPr>
-          <a:xfrm flipH="false" flipV="false" rot="0">
+          <a:xfrm>
             <a:off x="3342683" y="5593578"/>
             <a:ext cx="559584" cy="579130"/>
           </a:xfrm>
@@ -5154,9 +5112,9 @@
             <a:gdLst/>
             <a:ahLst/>
             <a:cxnLst/>
-            <a:rect r="r" b="b" t="t" l="l"/>
+            <a:rect l="l" t="t" r="r" b="b"/>
             <a:pathLst>
-              <a:path h="579130" w="559584">
+              <a:path w="559584" h="579130">
                 <a:moveTo>
                   <a:pt x="0" y="0"/>
                 </a:moveTo>
@@ -5185,19 +5143,19 @@
               </a:extLst>
             </a:blip>
             <a:stretch>
-              <a:fillRect l="0" t="0" r="0" b="0"/>
+              <a:fillRect/>
             </a:stretch>
           </a:blipFill>
         </p:spPr>
       </p:sp>
       <p:grpSp>
         <p:nvGrpSpPr>
-          <p:cNvPr name="Group 49" id="49"/>
+          <p:cNvPr id="49" name="Group 49"/>
           <p:cNvGrpSpPr/>
           <p:nvPr/>
         </p:nvGrpSpPr>
         <p:grpSpPr>
-          <a:xfrm rot="0">
+          <a:xfrm>
             <a:off x="11544848" y="3913968"/>
             <a:ext cx="3659229" cy="4468192"/>
             <a:chOff x="0" y="0"/>
@@ -5206,12 +5164,12 @@
         </p:grpSpPr>
         <p:sp>
           <p:nvSpPr>
-            <p:cNvPr name="Freeform 50" id="50"/>
+            <p:cNvPr id="50" name="Freeform 50"/>
             <p:cNvSpPr/>
             <p:nvPr/>
           </p:nvSpPr>
           <p:spPr>
-            <a:xfrm flipH="false" flipV="false" rot="0">
+            <a:xfrm>
               <a:off x="0" y="0"/>
               <a:ext cx="1062370" cy="1297233"/>
             </a:xfrm>
@@ -5220,9 +5178,9 @@
               <a:gdLst/>
               <a:ahLst/>
               <a:cxnLst/>
-              <a:rect r="r" b="b" t="t" l="l"/>
+              <a:rect l="l" t="t" r="r" b="b"/>
               <a:pathLst>
-                <a:path h="1297233" w="1062370">
+                <a:path w="1062370" h="1297233">
                   <a:moveTo>
                     <a:pt x="42314" y="0"/>
                   </a:moveTo>
@@ -5278,8 +5236,8 @@
         </p:sp>
         <p:sp>
           <p:nvSpPr>
-            <p:cNvPr name="TextBox 51" id="51"/>
-            <p:cNvSpPr txBox="true"/>
+            <p:cNvPr id="51" name="TextBox 51"/>
+            <p:cNvSpPr txBox="1"/>
             <p:nvPr/>
           </p:nvSpPr>
           <p:spPr>
@@ -5292,7 +5250,7 @@
             </a:prstGeom>
           </p:spPr>
           <p:txBody>
-            <a:bodyPr anchor="ctr" rtlCol="false" tIns="52000" lIns="52000" bIns="52000" rIns="52000"/>
+            <a:bodyPr lIns="52000" tIns="52000" rIns="52000" bIns="52000" rtlCol="0" anchor="ctr"/>
             <a:lstStyle/>
             <a:p>
               <a:pPr algn="ctr">
@@ -5300,18 +5258,19 @@
                   <a:spcPts val="2966"/>
                 </a:lnSpc>
               </a:pPr>
+              <a:endParaRPr/>
             </a:p>
           </p:txBody>
         </p:sp>
       </p:grpSp>
       <p:grpSp>
         <p:nvGrpSpPr>
-          <p:cNvPr name="Group 52" id="52"/>
+          <p:cNvPr id="52" name="Group 52"/>
           <p:cNvGrpSpPr/>
           <p:nvPr/>
         </p:nvGrpSpPr>
         <p:grpSpPr>
-          <a:xfrm rot="0">
+          <a:xfrm>
             <a:off x="11743954" y="4176775"/>
             <a:ext cx="3241049" cy="3698546"/>
             <a:chOff x="0" y="0"/>
@@ -5320,12 +5279,12 @@
         </p:grpSpPr>
         <p:sp>
           <p:nvSpPr>
-            <p:cNvPr name="Freeform 53" id="53"/>
+            <p:cNvPr id="53" name="Freeform 53"/>
             <p:cNvSpPr/>
             <p:nvPr/>
           </p:nvSpPr>
           <p:spPr>
-            <a:xfrm flipH="false" flipV="false" rot="0">
+            <a:xfrm>
               <a:off x="0" y="0"/>
               <a:ext cx="659821" cy="752959"/>
             </a:xfrm>
@@ -5334,9 +5293,9 @@
               <a:gdLst/>
               <a:ahLst/>
               <a:cxnLst/>
-              <a:rect r="r" b="b" t="t" l="l"/>
+              <a:rect l="l" t="t" r="r" b="b"/>
               <a:pathLst>
-                <a:path h="752959" w="659821">
+                <a:path w="659821" h="752959">
                   <a:moveTo>
                     <a:pt x="47774" y="0"/>
                   </a:moveTo>
@@ -5397,8 +5356,8 @@
         </p:sp>
         <p:sp>
           <p:nvSpPr>
-            <p:cNvPr name="TextBox 54" id="54"/>
-            <p:cNvSpPr txBox="true"/>
+            <p:cNvPr id="54" name="TextBox 54"/>
+            <p:cNvSpPr txBox="1"/>
             <p:nvPr/>
           </p:nvSpPr>
           <p:spPr>
@@ -5411,7 +5370,7 @@
             </a:prstGeom>
           </p:spPr>
           <p:txBody>
-            <a:bodyPr anchor="ctr" rtlCol="false" tIns="65720" lIns="65720" bIns="65720" rIns="65720"/>
+            <a:bodyPr lIns="65720" tIns="65720" rIns="65720" bIns="65720" rtlCol="0" anchor="ctr"/>
             <a:lstStyle/>
             <a:p>
               <a:pPr algn="ctr">
@@ -5419,18 +5378,19 @@
                   <a:spcPts val="2966"/>
                 </a:lnSpc>
               </a:pPr>
+              <a:endParaRPr/>
             </a:p>
           </p:txBody>
         </p:sp>
       </p:grpSp>
       <p:sp>
         <p:nvSpPr>
-          <p:cNvPr name="Freeform 55" id="55"/>
+          <p:cNvPr id="55" name="Freeform 55"/>
           <p:cNvSpPr/>
           <p:nvPr/>
         </p:nvSpPr>
         <p:spPr>
-          <a:xfrm flipH="false" flipV="false" rot="0">
+          <a:xfrm>
             <a:off x="12134683" y="5456247"/>
             <a:ext cx="945126" cy="1109807"/>
           </a:xfrm>
@@ -5439,9 +5399,9 @@
             <a:gdLst/>
             <a:ahLst/>
             <a:cxnLst/>
-            <a:rect r="r" b="b" t="t" l="l"/>
+            <a:rect l="l" t="t" r="r" b="b"/>
             <a:pathLst>
-              <a:path h="1109807" w="945126">
+              <a:path w="945126" h="1109807">
                 <a:moveTo>
                   <a:pt x="0" y="0"/>
                 </a:moveTo>
@@ -5464,19 +5424,19 @@
           <a:blipFill>
             <a:blip r:embed="rId25"/>
             <a:stretch>
-              <a:fillRect l="0" t="0" r="0" b="0"/>
+              <a:fillRect/>
             </a:stretch>
           </a:blipFill>
         </p:spPr>
       </p:sp>
       <p:sp>
         <p:nvSpPr>
-          <p:cNvPr name="Freeform 56" id="56"/>
+          <p:cNvPr id="56" name="Freeform 56"/>
           <p:cNvSpPr/>
           <p:nvPr/>
         </p:nvSpPr>
         <p:spPr>
-          <a:xfrm flipH="false" flipV="false" rot="0">
+          <a:xfrm>
             <a:off x="12074169" y="4398292"/>
             <a:ext cx="533077" cy="751776"/>
           </a:xfrm>
@@ -5485,9 +5445,9 @@
             <a:gdLst/>
             <a:ahLst/>
             <a:cxnLst/>
-            <a:rect r="r" b="b" t="t" l="l"/>
+            <a:rect l="l" t="t" r="r" b="b"/>
             <a:pathLst>
-              <a:path h="751776" w="533077">
+              <a:path w="533077" h="751776">
                 <a:moveTo>
                   <a:pt x="0" y="0"/>
                 </a:moveTo>
@@ -5516,19 +5476,19 @@
               </a:extLst>
             </a:blip>
             <a:stretch>
-              <a:fillRect l="0" t="0" r="0" b="0"/>
+              <a:fillRect/>
             </a:stretch>
           </a:blipFill>
         </p:spPr>
       </p:sp>
       <p:grpSp>
         <p:nvGrpSpPr>
-          <p:cNvPr name="Group 57" id="57"/>
+          <p:cNvPr id="57" name="Group 57"/>
           <p:cNvGrpSpPr/>
           <p:nvPr/>
         </p:nvGrpSpPr>
         <p:grpSpPr>
-          <a:xfrm rot="0">
+          <a:xfrm>
             <a:off x="13514019" y="4433416"/>
             <a:ext cx="880942" cy="716651"/>
             <a:chOff x="0" y="0"/>
@@ -5537,12 +5497,12 @@
         </p:grpSpPr>
         <p:sp>
           <p:nvSpPr>
-            <p:cNvPr name="TextBox 58" id="58"/>
-            <p:cNvSpPr txBox="true"/>
+            <p:cNvPr id="58" name="TextBox 58"/>
+            <p:cNvSpPr txBox="1"/>
             <p:nvPr/>
           </p:nvSpPr>
           <p:spPr>
-            <a:xfrm rot="0">
+            <a:xfrm>
               <a:off x="0" y="-19050"/>
               <a:ext cx="1174590" cy="200761"/>
             </a:xfrm>
@@ -5551,7 +5511,7 @@
             </a:prstGeom>
           </p:spPr>
           <p:txBody>
-            <a:bodyPr anchor="t" rtlCol="false" tIns="0" lIns="0" bIns="0" rIns="0">
+            <a:bodyPr lIns="0" tIns="0" rIns="0" bIns="0" rtlCol="0" anchor="t">
               <a:spAutoFit/>
             </a:bodyPr>
             <a:lstStyle/>
@@ -5571,31 +5531,19 @@
                   <a:cs typeface="Berthold Block"/>
                   <a:sym typeface="Berthold Block"/>
                 </a:rPr>
-                <a:t>JAVA</a:t>
-              </a:r>
-              <a:r>
-                <a:rPr lang="en-US" sz="900">
-                  <a:solidFill>
-                    <a:srgbClr val="000000"/>
-                  </a:solidFill>
-                  <a:latin typeface="Berthold Block"/>
-                  <a:ea typeface="Berthold Block"/>
-                  <a:cs typeface="Berthold Block"/>
-                  <a:sym typeface="Berthold Block"/>
-                </a:rPr>
-                <a:t>SCRIPT</a:t>
+                <a:t>JAVASCRIPT</a:t>
               </a:r>
             </a:p>
           </p:txBody>
         </p:sp>
         <p:sp>
           <p:nvSpPr>
-            <p:cNvPr name="Freeform 59" id="59"/>
+            <p:cNvPr id="59" name="Freeform 59"/>
             <p:cNvSpPr/>
             <p:nvPr/>
           </p:nvSpPr>
           <p:spPr>
-            <a:xfrm flipH="false" flipV="false" rot="0">
+            <a:xfrm>
               <a:off x="199561" y="180067"/>
               <a:ext cx="775468" cy="775468"/>
             </a:xfrm>
@@ -5604,9 +5552,9 @@
               <a:gdLst/>
               <a:ahLst/>
               <a:cxnLst/>
-              <a:rect r="r" b="b" t="t" l="l"/>
+              <a:rect l="l" t="t" r="r" b="b"/>
               <a:pathLst>
-                <a:path h="775468" w="775468">
+                <a:path w="775468" h="775468">
                   <a:moveTo>
                     <a:pt x="0" y="0"/>
                   </a:moveTo>
@@ -5635,7 +5583,7 @@
                 </a:extLst>
               </a:blip>
               <a:stretch>
-                <a:fillRect l="0" t="0" r="0" b="0"/>
+                <a:fillRect/>
               </a:stretch>
             </a:blipFill>
           </p:spPr>
@@ -5643,12 +5591,12 @@
       </p:grpSp>
       <p:grpSp>
         <p:nvGrpSpPr>
-          <p:cNvPr name="Group 60" id="60"/>
+          <p:cNvPr id="60" name="Group 60"/>
           <p:cNvGrpSpPr/>
           <p:nvPr/>
         </p:nvGrpSpPr>
         <p:grpSpPr>
-          <a:xfrm rot="0">
+          <a:xfrm>
             <a:off x="12822192" y="4419962"/>
             <a:ext cx="552270" cy="730106"/>
             <a:chOff x="0" y="0"/>
@@ -5657,12 +5605,12 @@
         </p:grpSpPr>
         <p:sp>
           <p:nvSpPr>
-            <p:cNvPr name="Freeform 61" id="61"/>
+            <p:cNvPr id="61" name="Freeform 61"/>
             <p:cNvSpPr/>
             <p:nvPr/>
           </p:nvSpPr>
           <p:spPr>
-            <a:xfrm flipH="false" flipV="false" rot="0">
+            <a:xfrm>
               <a:off x="0" y="170901"/>
               <a:ext cx="736361" cy="802573"/>
             </a:xfrm>
@@ -5671,9 +5619,9 @@
               <a:gdLst/>
               <a:ahLst/>
               <a:cxnLst/>
-              <a:rect r="r" b="b" t="t" l="l"/>
+              <a:rect l="l" t="t" r="r" b="b"/>
               <a:pathLst>
-                <a:path h="802573" w="736361">
+                <a:path w="736361" h="802573">
                   <a:moveTo>
                     <a:pt x="0" y="0"/>
                   </a:moveTo>
@@ -5702,19 +5650,19 @@
                 </a:extLst>
               </a:blip>
               <a:stretch>
-                <a:fillRect l="0" t="0" r="0" b="0"/>
+                <a:fillRect/>
               </a:stretch>
             </a:blipFill>
           </p:spPr>
         </p:sp>
         <p:sp>
           <p:nvSpPr>
-            <p:cNvPr name="TextBox 62" id="62"/>
-            <p:cNvSpPr txBox="true"/>
+            <p:cNvPr id="62" name="TextBox 62"/>
+            <p:cNvSpPr txBox="1"/>
             <p:nvPr/>
           </p:nvSpPr>
           <p:spPr>
-            <a:xfrm rot="0">
+            <a:xfrm>
               <a:off x="118317" y="-38100"/>
               <a:ext cx="499726" cy="209001"/>
             </a:xfrm>
@@ -5723,7 +5671,7 @@
             </a:prstGeom>
           </p:spPr>
           <p:txBody>
-            <a:bodyPr anchor="t" rtlCol="false" tIns="0" lIns="0" bIns="0" rIns="0">
+            <a:bodyPr lIns="0" tIns="0" rIns="0" bIns="0" rtlCol="0" anchor="t">
               <a:spAutoFit/>
             </a:bodyPr>
             <a:lstStyle/>
@@ -5751,12 +5699,12 @@
       </p:grpSp>
       <p:sp>
         <p:nvSpPr>
-          <p:cNvPr name="Freeform 63" id="63"/>
+          <p:cNvPr id="63" name="Freeform 63"/>
           <p:cNvSpPr/>
           <p:nvPr/>
         </p:nvSpPr>
         <p:spPr>
-          <a:xfrm flipH="false" flipV="false" rot="0">
+          <a:xfrm>
             <a:off x="12269811" y="6786092"/>
             <a:ext cx="2189333" cy="613013"/>
           </a:xfrm>
@@ -5765,9 +5713,9 @@
             <a:gdLst/>
             <a:ahLst/>
             <a:cxnLst/>
-            <a:rect r="r" b="b" t="t" l="l"/>
+            <a:rect l="l" t="t" r="r" b="b"/>
             <a:pathLst>
-              <a:path h="613013" w="2189333">
+              <a:path w="2189333" h="613013">
                 <a:moveTo>
                   <a:pt x="0" y="0"/>
                 </a:moveTo>
@@ -5796,33 +5744,33 @@
               </a:extLst>
             </a:blip>
             <a:stretch>
-              <a:fillRect l="0" t="0" r="0" b="0"/>
+              <a:fillRect/>
             </a:stretch>
           </a:blipFill>
         </p:spPr>
       </p:sp>
       <p:grpSp>
         <p:nvGrpSpPr>
-          <p:cNvPr name="Group 64" id="64"/>
+          <p:cNvPr id="64" name="Group 64"/>
           <p:cNvGrpSpPr/>
           <p:nvPr/>
         </p:nvGrpSpPr>
         <p:grpSpPr>
-          <a:xfrm rot="0">
-            <a:off x="15832727" y="4025220"/>
-            <a:ext cx="2800614" cy="3294849"/>
+          <a:xfrm>
+            <a:off x="15854243" y="5117392"/>
+            <a:ext cx="2800614" cy="2211021"/>
             <a:chOff x="0" y="0"/>
             <a:chExt cx="661341" cy="778051"/>
           </a:xfrm>
         </p:grpSpPr>
         <p:sp>
           <p:nvSpPr>
-            <p:cNvPr name="Freeform 65" id="65"/>
+            <p:cNvPr id="65" name="Freeform 65"/>
             <p:cNvSpPr/>
             <p:nvPr/>
           </p:nvSpPr>
           <p:spPr>
-            <a:xfrm flipH="false" flipV="false" rot="0">
+            <a:xfrm>
               <a:off x="0" y="0"/>
               <a:ext cx="661341" cy="778051"/>
             </a:xfrm>
@@ -5831,9 +5779,9 @@
               <a:gdLst/>
               <a:ahLst/>
               <a:cxnLst/>
-              <a:rect r="r" b="b" t="t" l="l"/>
+              <a:rect l="l" t="t" r="r" b="b"/>
               <a:pathLst>
-                <a:path h="778051" w="661341">
+                <a:path w="661341" h="778051">
                   <a:moveTo>
                     <a:pt x="55287" y="0"/>
                   </a:moveTo>
@@ -5909,8 +5857,8 @@
         </p:sp>
         <p:sp>
           <p:nvSpPr>
-            <p:cNvPr name="TextBox 66" id="66"/>
-            <p:cNvSpPr txBox="true"/>
+            <p:cNvPr id="66" name="TextBox 66"/>
+            <p:cNvSpPr txBox="1"/>
             <p:nvPr/>
           </p:nvSpPr>
           <p:spPr>
@@ -5923,7 +5871,7 @@
             </a:prstGeom>
           </p:spPr>
           <p:txBody>
-            <a:bodyPr anchor="ctr" rtlCol="false" tIns="56658" lIns="56658" bIns="56658" rIns="56658"/>
+            <a:bodyPr lIns="56658" tIns="56658" rIns="56658" bIns="56658" rtlCol="0" anchor="ctr"/>
             <a:lstStyle/>
             <a:p>
               <a:pPr algn="ctr">
@@ -5931,18 +5879,19 @@
                   <a:spcPts val="2966"/>
                 </a:lnSpc>
               </a:pPr>
+              <a:endParaRPr/>
             </a:p>
           </p:txBody>
         </p:sp>
       </p:grpSp>
       <p:sp>
         <p:nvSpPr>
-          <p:cNvPr name="Freeform 67" id="67"/>
+          <p:cNvPr id="67" name="Freeform 67"/>
           <p:cNvSpPr/>
           <p:nvPr/>
         </p:nvSpPr>
         <p:spPr>
-          <a:xfrm flipH="false" flipV="false" rot="0">
+          <a:xfrm>
             <a:off x="13226480" y="5478243"/>
             <a:ext cx="1590941" cy="834962"/>
           </a:xfrm>
@@ -5951,9 +5900,9 @@
             <a:gdLst/>
             <a:ahLst/>
             <a:cxnLst/>
-            <a:rect r="r" b="b" t="t" l="l"/>
+            <a:rect l="l" t="t" r="r" b="b"/>
             <a:pathLst>
-              <a:path h="834962" w="1590941">
+              <a:path w="1590941" h="834962">
                 <a:moveTo>
                   <a:pt x="0" y="0"/>
                 </a:moveTo>
@@ -5976,82 +5925,30 @@
           <a:blipFill>
             <a:blip r:embed="rId32"/>
             <a:stretch>
-              <a:fillRect l="0" t="0" r="0" b="0"/>
+              <a:fillRect/>
             </a:stretch>
           </a:blipFill>
         </p:spPr>
       </p:sp>
       <p:sp>
         <p:nvSpPr>
-          <p:cNvPr name="Freeform 68" id="68"/>
+          <p:cNvPr id="69" name="Freeform 69"/>
           <p:cNvSpPr/>
           <p:nvPr/>
         </p:nvSpPr>
         <p:spPr>
-          <a:xfrm flipH="false" flipV="false" rot="0">
-            <a:off x="16359447" y="6148064"/>
-            <a:ext cx="1917527" cy="536907"/>
+          <a:xfrm rot="5400000">
+            <a:off x="3797148" y="4661533"/>
+            <a:ext cx="741130" cy="311275"/>
           </a:xfrm>
           <a:custGeom>
             <a:avLst/>
             <a:gdLst/>
             <a:ahLst/>
             <a:cxnLst/>
-            <a:rect r="r" b="b" t="t" l="l"/>
+            <a:rect l="l" t="t" r="r" b="b"/>
             <a:pathLst>
-              <a:path h="536907" w="1917527">
-                <a:moveTo>
-                  <a:pt x="0" y="0"/>
-                </a:moveTo>
-                <a:lnTo>
-                  <a:pt x="1917526" y="0"/>
-                </a:lnTo>
-                <a:lnTo>
-                  <a:pt x="1917526" y="536908"/>
-                </a:lnTo>
-                <a:lnTo>
-                  <a:pt x="0" y="536908"/>
-                </a:lnTo>
-                <a:lnTo>
-                  <a:pt x="0" y="0"/>
-                </a:lnTo>
-                <a:close/>
-              </a:path>
-            </a:pathLst>
-          </a:custGeom>
-          <a:blipFill>
-            <a:blip r:embed="rId16">
-              <a:extLst>
-                <a:ext uri="{96DAC541-7B7A-43D3-8B79-37D633B846F1}">
-                  <asvg:svgBlip xmlns:asvg="http://schemas.microsoft.com/office/drawing/2016/SVG/main" r:embed="rId17"/>
-                </a:ext>
-              </a:extLst>
-            </a:blip>
-            <a:stretch>
-              <a:fillRect l="0" t="0" r="0" b="0"/>
-            </a:stretch>
-          </a:blipFill>
-        </p:spPr>
-      </p:sp>
-      <p:sp>
-        <p:nvSpPr>
-          <p:cNvPr name="Freeform 69" id="69"/>
-          <p:cNvSpPr/>
-          <p:nvPr/>
-        </p:nvSpPr>
-        <p:spPr>
-          <a:xfrm flipH="false" flipV="false" rot="5400000">
-            <a:off x="3797148" y="4661533"/>
-            <a:ext cx="741130" cy="311275"/>
-          </a:xfrm>
-          <a:custGeom>
-            <a:avLst/>
-            <a:gdLst/>
-            <a:ahLst/>
-            <a:cxnLst/>
-            <a:rect r="r" b="b" t="t" l="l"/>
-            <a:pathLst>
-              <a:path h="311275" w="741130">
+              <a:path w="741130" h="311275">
                 <a:moveTo>
                   <a:pt x="0" y="0"/>
                 </a:moveTo>
@@ -6080,33 +5977,33 @@
               </a:extLst>
             </a:blip>
             <a:stretch>
-              <a:fillRect l="0" t="0" r="0" b="0"/>
+              <a:fillRect/>
             </a:stretch>
           </a:blipFill>
         </p:spPr>
       </p:sp>
       <p:grpSp>
         <p:nvGrpSpPr>
-          <p:cNvPr name="Group 70" id="70"/>
+          <p:cNvPr id="70" name="Group 70"/>
           <p:cNvGrpSpPr/>
           <p:nvPr/>
         </p:nvGrpSpPr>
         <p:grpSpPr>
-          <a:xfrm rot="0">
-            <a:off x="9955928" y="10572155"/>
-            <a:ext cx="4769559" cy="1397976"/>
-            <a:chOff x="0" y="0"/>
-            <a:chExt cx="6359412" cy="1863968"/>
+          <a:xfrm>
+            <a:off x="9955928" y="10550724"/>
+            <a:ext cx="4769559" cy="1419407"/>
+            <a:chOff x="0" y="-28575"/>
+            <a:chExt cx="6359412" cy="1892543"/>
           </a:xfrm>
         </p:grpSpPr>
         <p:sp>
           <p:nvSpPr>
-            <p:cNvPr name="Freeform 71" id="71"/>
+            <p:cNvPr id="71" name="Freeform 71"/>
             <p:cNvSpPr/>
             <p:nvPr/>
           </p:nvSpPr>
           <p:spPr>
-            <a:xfrm flipH="false" flipV="false" rot="0">
+            <a:xfrm>
               <a:off x="0" y="0"/>
               <a:ext cx="2523138" cy="1863968"/>
             </a:xfrm>
@@ -6115,9 +6012,9 @@
               <a:gdLst/>
               <a:ahLst/>
               <a:cxnLst/>
-              <a:rect r="r" b="b" t="t" l="l"/>
+              <a:rect l="l" t="t" r="r" b="b"/>
               <a:pathLst>
-                <a:path h="1863968" w="2523138">
+                <a:path w="2523138" h="1863968">
                   <a:moveTo>
                     <a:pt x="0" y="0"/>
                   </a:moveTo>
@@ -6140,19 +6037,19 @@
             <a:blipFill>
               <a:blip r:embed="rId11"/>
               <a:stretch>
-                <a:fillRect l="0" t="0" r="0" b="0"/>
+                <a:fillRect/>
               </a:stretch>
             </a:blipFill>
           </p:spPr>
         </p:sp>
         <p:sp>
           <p:nvSpPr>
-            <p:cNvPr name="Freeform 72" id="72"/>
+            <p:cNvPr id="72" name="Freeform 72"/>
             <p:cNvSpPr/>
             <p:nvPr/>
           </p:nvSpPr>
           <p:spPr>
-            <a:xfrm flipH="false" flipV="false" rot="0">
+            <a:xfrm>
               <a:off x="1016402" y="378623"/>
               <a:ext cx="399513" cy="401704"/>
             </a:xfrm>
@@ -6161,9 +6058,9 @@
               <a:gdLst/>
               <a:ahLst/>
               <a:cxnLst/>
-              <a:rect r="r" b="b" t="t" l="l"/>
+              <a:rect l="l" t="t" r="r" b="b"/>
               <a:pathLst>
-                <a:path h="401704" w="399513">
+                <a:path w="399513" h="401704">
                   <a:moveTo>
                     <a:pt x="0" y="0"/>
                   </a:moveTo>
@@ -6192,19 +6089,19 @@
                 </a:extLst>
               </a:blip>
               <a:stretch>
-                <a:fillRect l="0" t="0" r="0" b="0"/>
+                <a:fillRect/>
               </a:stretch>
             </a:blipFill>
           </p:spPr>
         </p:sp>
         <p:sp>
           <p:nvSpPr>
-            <p:cNvPr name="TextBox 73" id="73"/>
-            <p:cNvSpPr txBox="true"/>
+            <p:cNvPr id="73" name="TextBox 73"/>
+            <p:cNvSpPr txBox="1"/>
             <p:nvPr/>
           </p:nvSpPr>
           <p:spPr>
-            <a:xfrm rot="0">
+            <a:xfrm>
               <a:off x="1016402" y="820312"/>
               <a:ext cx="507073" cy="125735"/>
             </a:xfrm>
@@ -6213,7 +6110,7 @@
             </a:prstGeom>
           </p:spPr>
           <p:txBody>
-            <a:bodyPr anchor="t" rtlCol="false" tIns="0" lIns="0" bIns="0" rIns="0">
+            <a:bodyPr lIns="0" tIns="0" rIns="0" bIns="0" rtlCol="0" anchor="t">
               <a:spAutoFit/>
             </a:bodyPr>
             <a:lstStyle/>
@@ -6243,21 +6140,21 @@
         </p:sp>
         <p:sp>
           <p:nvSpPr>
-            <p:cNvPr name="TextBox 74" id="74"/>
-            <p:cNvSpPr txBox="true"/>
+            <p:cNvPr id="74" name="TextBox 74"/>
+            <p:cNvSpPr txBox="1"/>
             <p:nvPr/>
           </p:nvSpPr>
           <p:spPr>
-            <a:xfrm rot="0">
+            <a:xfrm>
               <a:off x="2863876" y="-28575"/>
-              <a:ext cx="3495536" cy="1430561"/>
+              <a:ext cx="3495536" cy="352832"/>
             </a:xfrm>
             <a:prstGeom prst="rect">
               <a:avLst/>
             </a:prstGeom>
           </p:spPr>
           <p:txBody>
-            <a:bodyPr anchor="t" rtlCol="false" tIns="0" lIns="0" bIns="0" rIns="0">
+            <a:bodyPr lIns="0" tIns="0" rIns="0" bIns="0" rtlCol="0" anchor="t">
               <a:spAutoFit/>
             </a:bodyPr>
             <a:lstStyle/>
@@ -6267,102 +6164,27 @@
                   <a:spcPts val="2244"/>
                 </a:lnSpc>
               </a:pPr>
-              <a:r>
-                <a:rPr lang="en-US" sz="1603" b="true">
-                  <a:solidFill>
-                    <a:srgbClr val="000000"/>
-                  </a:solidFill>
-                  <a:latin typeface="Open Sans Bold"/>
-                  <a:ea typeface="Open Sans Bold"/>
-                  <a:cs typeface="Open Sans Bold"/>
-                  <a:sym typeface="Open Sans Bold"/>
-                </a:rPr>
-                <a:t>Processador: Intel core i5</a:t>
-              </a:r>
-            </a:p>
-            <a:p>
-              <a:pPr algn="l">
-                <a:lnSpc>
-                  <a:spcPts val="2244"/>
-                </a:lnSpc>
-              </a:pPr>
-              <a:r>
-                <a:rPr lang="en-US" sz="1603" b="true">
-                  <a:solidFill>
-                    <a:srgbClr val="000000"/>
-                  </a:solidFill>
-                  <a:latin typeface="Open Sans Bold"/>
-                  <a:ea typeface="Open Sans Bold"/>
-                  <a:cs typeface="Open Sans Bold"/>
-                  <a:sym typeface="Open Sans Bold"/>
-                </a:rPr>
-                <a:t>Memória RAM: 8G</a:t>
-              </a:r>
-            </a:p>
-            <a:p>
-              <a:pPr algn="l">
-                <a:lnSpc>
-                  <a:spcPts val="2244"/>
-                </a:lnSpc>
-              </a:pPr>
-              <a:r>
-                <a:rPr lang="en-US" sz="1603" b="true">
-                  <a:solidFill>
-                    <a:srgbClr val="000000"/>
-                  </a:solidFill>
-                  <a:latin typeface="Open Sans Bold"/>
-                  <a:ea typeface="Open Sans Bold"/>
-                  <a:cs typeface="Open Sans Bold"/>
-                  <a:sym typeface="Open Sans Bold"/>
-                </a:rPr>
-                <a:t>Windows 10/11</a:t>
-              </a:r>
-              <a:r>
-                <a:rPr lang="en-US" sz="1603">
-                  <a:solidFill>
-                    <a:srgbClr val="000000"/>
-                  </a:solidFill>
-                  <a:latin typeface="Open Sans"/>
-                  <a:ea typeface="Open Sans"/>
-                  <a:cs typeface="Open Sans"/>
-                  <a:sym typeface="Open Sans"/>
-                </a:rPr>
-                <a:t> </a:t>
-              </a:r>
-            </a:p>
-            <a:p>
-              <a:pPr algn="l">
-                <a:lnSpc>
-                  <a:spcPts val="2244"/>
-                </a:lnSpc>
-                <a:spcBef>
-                  <a:spcPct val="0"/>
-                </a:spcBef>
-              </a:pPr>
-              <a:r>
-                <a:rPr lang="en-US" b="true" sz="1603">
-                  <a:solidFill>
-                    <a:srgbClr val="000000"/>
-                  </a:solidFill>
-                  <a:latin typeface="Open Sans Bold"/>
-                  <a:ea typeface="Open Sans Bold"/>
-                  <a:cs typeface="Open Sans Bold"/>
-                  <a:sym typeface="Open Sans Bold"/>
-                </a:rPr>
-                <a:t>Conexão:wi-fi</a:t>
-              </a:r>
+              <a:endParaRPr lang="en-US" sz="1603" b="1" dirty="0">
+                <a:solidFill>
+                  <a:srgbClr val="000000"/>
+                </a:solidFill>
+                <a:latin typeface="Open Sans Bold"/>
+                <a:ea typeface="Open Sans Bold"/>
+                <a:cs typeface="Open Sans Bold"/>
+                <a:sym typeface="Open Sans Bold"/>
+              </a:endParaRPr>
             </a:p>
           </p:txBody>
         </p:sp>
       </p:grpSp>
       <p:sp>
         <p:nvSpPr>
-          <p:cNvPr name="Freeform 75" id="75"/>
+          <p:cNvPr id="75" name="Freeform 75"/>
           <p:cNvSpPr/>
           <p:nvPr/>
         </p:nvSpPr>
         <p:spPr>
-          <a:xfrm flipH="false" flipV="false" rot="0">
+          <a:xfrm>
             <a:off x="7351128" y="6786092"/>
             <a:ext cx="741130" cy="311275"/>
           </a:xfrm>
@@ -6371,9 +6193,9 @@
             <a:gdLst/>
             <a:ahLst/>
             <a:cxnLst/>
-            <a:rect r="r" b="b" t="t" l="l"/>
+            <a:rect l="l" t="t" r="r" b="b"/>
             <a:pathLst>
-              <a:path h="311275" w="741130">
+              <a:path w="741130" h="311275">
                 <a:moveTo>
                   <a:pt x="0" y="0"/>
                 </a:moveTo>
@@ -6402,19 +6224,19 @@
               </a:extLst>
             </a:blip>
             <a:stretch>
-              <a:fillRect l="0" t="0" r="0" b="0"/>
+              <a:fillRect/>
             </a:stretch>
           </a:blipFill>
         </p:spPr>
       </p:sp>
       <p:sp>
         <p:nvSpPr>
-          <p:cNvPr name="Freeform 76" id="76"/>
+          <p:cNvPr id="76" name="Freeform 76"/>
           <p:cNvSpPr/>
           <p:nvPr/>
         </p:nvSpPr>
         <p:spPr>
-          <a:xfrm flipH="false" flipV="false" rot="-10800000">
+          <a:xfrm rot="-10800000">
             <a:off x="11163086" y="5699876"/>
             <a:ext cx="741130" cy="311275"/>
           </a:xfrm>
@@ -6423,9 +6245,9 @@
             <a:gdLst/>
             <a:ahLst/>
             <a:cxnLst/>
-            <a:rect r="r" b="b" t="t" l="l"/>
+            <a:rect l="l" t="t" r="r" b="b"/>
             <a:pathLst>
-              <a:path h="311275" w="741130">
+              <a:path w="741130" h="311275">
                 <a:moveTo>
                   <a:pt x="0" y="0"/>
                 </a:moveTo>
@@ -6454,19 +6276,19 @@
               </a:extLst>
             </a:blip>
             <a:stretch>
-              <a:fillRect l="0" t="0" r="0" b="0"/>
+              <a:fillRect/>
             </a:stretch>
           </a:blipFill>
         </p:spPr>
       </p:sp>
       <p:sp>
         <p:nvSpPr>
-          <p:cNvPr name="Freeform 77" id="77"/>
+          <p:cNvPr id="77" name="Freeform 77"/>
           <p:cNvSpPr/>
           <p:nvPr/>
         </p:nvSpPr>
         <p:spPr>
-          <a:xfrm flipH="false" flipV="false" rot="-10800000">
+          <a:xfrm rot="-10800000">
             <a:off x="19392127" y="6026048"/>
             <a:ext cx="741130" cy="311275"/>
           </a:xfrm>
@@ -6475,9 +6297,9 @@
             <a:gdLst/>
             <a:ahLst/>
             <a:cxnLst/>
-            <a:rect r="r" b="b" t="t" l="l"/>
+            <a:rect l="l" t="t" r="r" b="b"/>
             <a:pathLst>
-              <a:path h="311275" w="741130">
+              <a:path w="741130" h="311275">
                 <a:moveTo>
                   <a:pt x="0" y="0"/>
                 </a:moveTo>
@@ -6506,20 +6328,20 @@
               </a:extLst>
             </a:blip>
             <a:stretch>
-              <a:fillRect l="0" t="0" r="0" b="0"/>
+              <a:fillRect/>
             </a:stretch>
           </a:blipFill>
         </p:spPr>
       </p:sp>
       <p:sp>
         <p:nvSpPr>
-          <p:cNvPr name="Freeform 78" id="78"/>
+          <p:cNvPr id="78" name="Freeform 78"/>
           <p:cNvSpPr/>
           <p:nvPr/>
         </p:nvSpPr>
         <p:spPr>
-          <a:xfrm flipH="false" flipV="false" rot="0">
-            <a:off x="19677885" y="8489636"/>
+          <a:xfrm>
+            <a:off x="19256627" y="8103723"/>
             <a:ext cx="1323967" cy="910227"/>
           </a:xfrm>
           <a:custGeom>
@@ -6527,9 +6349,9 @@
             <a:gdLst/>
             <a:ahLst/>
             <a:cxnLst/>
-            <a:rect r="r" b="b" t="t" l="l"/>
+            <a:rect l="l" t="t" r="r" b="b"/>
             <a:pathLst>
-              <a:path h="910227" w="1323967">
+              <a:path w="1323967" h="910227">
                 <a:moveTo>
                   <a:pt x="0" y="0"/>
                 </a:moveTo>
@@ -6558,20 +6380,20 @@
               </a:extLst>
             </a:blip>
             <a:stretch>
-              <a:fillRect l="0" t="0" r="0" b="0"/>
+              <a:fillRect/>
             </a:stretch>
           </a:blipFill>
         </p:spPr>
       </p:sp>
       <p:sp>
         <p:nvSpPr>
-          <p:cNvPr name="Freeform 79" id="79"/>
+          <p:cNvPr id="79" name="Freeform 79"/>
           <p:cNvSpPr/>
           <p:nvPr/>
         </p:nvSpPr>
         <p:spPr>
-          <a:xfrm flipH="false" flipV="false" rot="0">
-            <a:off x="8620006" y="11014438"/>
+          <a:xfrm>
+            <a:off x="7445254" y="10621990"/>
             <a:ext cx="1119332" cy="769541"/>
           </a:xfrm>
           <a:custGeom>
@@ -6579,9 +6401,9 @@
             <a:gdLst/>
             <a:ahLst/>
             <a:cxnLst/>
-            <a:rect r="r" b="b" t="t" l="l"/>
+            <a:rect l="l" t="t" r="r" b="b"/>
             <a:pathLst>
-              <a:path h="769541" w="1119332">
+              <a:path w="1119332" h="769541">
                 <a:moveTo>
                   <a:pt x="0" y="0"/>
                 </a:moveTo>
@@ -6610,43 +6432,19 @@
               </a:extLst>
             </a:blip>
             <a:stretch>
-              <a:fillRect l="0" t="0" r="0" b="0"/>
+              <a:fillRect/>
             </a:stretch>
           </a:blipFill>
         </p:spPr>
       </p:sp>
       <p:sp>
         <p:nvSpPr>
-          <p:cNvPr name="AutoShape 80" id="80"/>
+          <p:cNvPr id="81" name="Freeform 81"/>
           <p:cNvSpPr/>
           <p:nvPr/>
         </p:nvSpPr>
         <p:spPr>
-          <a:xfrm flipV="true">
-            <a:off x="13374463" y="7320069"/>
-            <a:ext cx="3858572" cy="1062091"/>
-          </a:xfrm>
-          <a:prstGeom prst="line">
-            <a:avLst/>
-          </a:prstGeom>
-          <a:ln cap="flat" w="38100">
-            <a:solidFill>
-              <a:srgbClr val="000000"/>
-            </a:solidFill>
-            <a:prstDash val="lgDash"/>
-            <a:headEnd type="arrow" len="sm" w="med"/>
-            <a:tailEnd type="none" len="sm" w="sm"/>
-          </a:ln>
-        </p:spPr>
-      </p:sp>
-      <p:sp>
-        <p:nvSpPr>
-          <p:cNvPr name="Freeform 81" id="81"/>
-          <p:cNvSpPr/>
-          <p:nvPr/>
-        </p:nvSpPr>
-        <p:spPr>
-          <a:xfrm flipH="false" flipV="false" rot="0">
+          <a:xfrm>
             <a:off x="21001852" y="5704212"/>
             <a:ext cx="1547343" cy="1183718"/>
           </a:xfrm>
@@ -6655,9 +6453,9 @@
             <a:gdLst/>
             <a:ahLst/>
             <a:cxnLst/>
-            <a:rect r="r" b="b" t="t" l="l"/>
+            <a:rect l="l" t="t" r="r" b="b"/>
             <a:pathLst>
-              <a:path h="1183718" w="1547343">
+              <a:path w="1547343" h="1183718">
                 <a:moveTo>
                   <a:pt x="0" y="0"/>
                 </a:moveTo>
@@ -6686,19 +6484,19 @@
               </a:extLst>
             </a:blip>
             <a:stretch>
-              <a:fillRect l="0" t="0" r="0" b="0"/>
+              <a:fillRect/>
             </a:stretch>
           </a:blipFill>
         </p:spPr>
       </p:sp>
       <p:sp>
         <p:nvSpPr>
-          <p:cNvPr name="Freeform 82" id="82"/>
+          <p:cNvPr id="82" name="Freeform 82"/>
           <p:cNvSpPr/>
           <p:nvPr/>
         </p:nvSpPr>
         <p:spPr>
-          <a:xfrm flipH="false" flipV="false" rot="0">
+          <a:xfrm>
             <a:off x="4797557" y="2400267"/>
             <a:ext cx="1302412" cy="1488470"/>
           </a:xfrm>
@@ -6707,9 +6505,9 @@
             <a:gdLst/>
             <a:ahLst/>
             <a:cxnLst/>
-            <a:rect r="r" b="b" t="t" l="l"/>
+            <a:rect l="l" t="t" r="r" b="b"/>
             <a:pathLst>
-              <a:path h="1488470" w="1302412">
+              <a:path w="1302412" h="1488470">
                 <a:moveTo>
                   <a:pt x="0" y="0"/>
                 </a:moveTo>
@@ -6738,19 +6536,19 @@
               </a:extLst>
             </a:blip>
             <a:stretch>
-              <a:fillRect l="0" t="0" r="0" b="0"/>
+              <a:fillRect/>
             </a:stretch>
           </a:blipFill>
         </p:spPr>
       </p:sp>
       <p:sp>
         <p:nvSpPr>
-          <p:cNvPr name="TextBox 83" id="83"/>
-          <p:cNvSpPr txBox="true"/>
+          <p:cNvPr id="83" name="TextBox 83"/>
+          <p:cNvSpPr txBox="1"/>
           <p:nvPr/>
         </p:nvSpPr>
         <p:spPr>
-          <a:xfrm rot="0">
+          <a:xfrm>
             <a:off x="3127750" y="1080349"/>
             <a:ext cx="1768650" cy="469956"/>
           </a:xfrm>
@@ -6759,7 +6557,7 @@
           </a:prstGeom>
         </p:spPr>
         <p:txBody>
-          <a:bodyPr anchor="t" rtlCol="false" tIns="0" lIns="0" bIns="0" rIns="0">
+          <a:bodyPr lIns="0" tIns="0" rIns="0" bIns="0" rtlCol="0" anchor="t">
             <a:spAutoFit/>
           </a:bodyPr>
           <a:lstStyle/>
@@ -6770,7 +6568,7 @@
               </a:lnSpc>
             </a:pPr>
             <a:r>
-              <a:rPr lang="en-US" sz="1372" b="true">
+              <a:rPr lang="en-US" sz="1372" b="1">
                 <a:solidFill>
                   <a:srgbClr val="000000"/>
                 </a:solidFill>
@@ -6792,7 +6590,7 @@
               </a:spcBef>
             </a:pPr>
             <a:r>
-              <a:rPr lang="en-US" b="true" sz="1372">
+              <a:rPr lang="en-US" sz="1372" b="1">
                 <a:solidFill>
                   <a:srgbClr val="000000"/>
                 </a:solidFill>
@@ -6808,12 +6606,12 @@
       </p:sp>
       <p:sp>
         <p:nvSpPr>
-          <p:cNvPr name="TextBox 84" id="84"/>
-          <p:cNvSpPr txBox="true"/>
+          <p:cNvPr id="84" name="TextBox 84"/>
+          <p:cNvSpPr txBox="1"/>
           <p:nvPr/>
         </p:nvSpPr>
         <p:spPr>
-          <a:xfrm rot="0">
+          <a:xfrm>
             <a:off x="2735045" y="4513155"/>
             <a:ext cx="461165" cy="304015"/>
           </a:xfrm>
@@ -6822,7 +6620,7 @@
           </a:prstGeom>
         </p:spPr>
         <p:txBody>
-          <a:bodyPr anchor="t" rtlCol="false" tIns="0" lIns="0" bIns="0" rIns="0">
+          <a:bodyPr lIns="0" tIns="0" rIns="0" bIns="0" rtlCol="0" anchor="t">
             <a:spAutoFit/>
           </a:bodyPr>
           <a:lstStyle/>
@@ -6836,7 +6634,7 @@
               </a:spcBef>
             </a:pPr>
             <a:r>
-              <a:rPr lang="en-US" b="true" sz="1835">
+              <a:rPr lang="en-US" sz="1835" b="1">
                 <a:solidFill>
                   <a:srgbClr val="000000"/>
                 </a:solidFill>
@@ -6852,12 +6650,12 @@
       </p:sp>
       <p:sp>
         <p:nvSpPr>
-          <p:cNvPr name="TextBox 85" id="85"/>
-          <p:cNvSpPr txBox="true"/>
+          <p:cNvPr id="85" name="TextBox 85"/>
+          <p:cNvSpPr txBox="1"/>
           <p:nvPr/>
         </p:nvSpPr>
         <p:spPr>
-          <a:xfrm rot="0">
+          <a:xfrm>
             <a:off x="9544315" y="4893407"/>
             <a:ext cx="1177928" cy="550557"/>
           </a:xfrm>
@@ -6866,7 +6664,7 @@
           </a:prstGeom>
         </p:spPr>
         <p:txBody>
-          <a:bodyPr anchor="t" rtlCol="false" tIns="0" lIns="0" bIns="0" rIns="0">
+          <a:bodyPr lIns="0" tIns="0" rIns="0" bIns="0" rtlCol="0" anchor="t">
             <a:spAutoFit/>
           </a:bodyPr>
           <a:lstStyle/>
@@ -6877,7 +6675,7 @@
               </a:lnSpc>
             </a:pPr>
             <a:r>
-              <a:rPr lang="en-US" sz="1574" b="true">
+              <a:rPr lang="en-US" sz="1574" b="1" dirty="0">
                 <a:solidFill>
                   <a:srgbClr val="000000"/>
                 </a:solidFill>
@@ -6893,12 +6691,12 @@
       </p:sp>
       <p:sp>
         <p:nvSpPr>
-          <p:cNvPr name="TextBox 86" id="86"/>
-          <p:cNvSpPr txBox="true"/>
+          <p:cNvPr id="86" name="TextBox 86"/>
+          <p:cNvSpPr txBox="1"/>
           <p:nvPr/>
         </p:nvSpPr>
         <p:spPr>
-          <a:xfrm rot="0">
+          <a:xfrm>
             <a:off x="9691743" y="2100097"/>
             <a:ext cx="973366" cy="216099"/>
           </a:xfrm>
@@ -6907,7 +6705,7 @@
           </a:prstGeom>
         </p:spPr>
         <p:txBody>
-          <a:bodyPr anchor="t" rtlCol="false" tIns="0" lIns="0" bIns="0" rIns="0">
+          <a:bodyPr lIns="0" tIns="0" rIns="0" bIns="0" rtlCol="0" anchor="t">
             <a:spAutoFit/>
           </a:bodyPr>
           <a:lstStyle/>
@@ -6921,7 +6719,7 @@
               </a:spcBef>
             </a:pPr>
             <a:r>
-              <a:rPr lang="en-US" b="true" sz="1249">
+              <a:rPr lang="en-US" sz="1249" b="1">
                 <a:solidFill>
                   <a:srgbClr val="000000"/>
                 </a:solidFill>
@@ -6937,12 +6735,12 @@
       </p:sp>
       <p:sp>
         <p:nvSpPr>
-          <p:cNvPr name="TextBox 87" id="87"/>
-          <p:cNvSpPr txBox="true"/>
+          <p:cNvPr id="87" name="TextBox 87"/>
+          <p:cNvSpPr txBox="1"/>
           <p:nvPr/>
         </p:nvSpPr>
         <p:spPr>
-          <a:xfrm rot="0">
+          <a:xfrm>
             <a:off x="3978593" y="5574888"/>
             <a:ext cx="1176168" cy="587936"/>
           </a:xfrm>
@@ -6951,7 +6749,7 @@
           </a:prstGeom>
         </p:spPr>
         <p:txBody>
-          <a:bodyPr anchor="t" rtlCol="false" tIns="0" lIns="0" bIns="0" rIns="0">
+          <a:bodyPr lIns="0" tIns="0" rIns="0" bIns="0" rtlCol="0" anchor="t">
             <a:spAutoFit/>
           </a:bodyPr>
           <a:lstStyle/>
@@ -7098,13 +6896,13 @@
       </p:sp>
       <p:grpSp>
         <p:nvGrpSpPr>
-          <p:cNvPr name="Group 88" id="88"/>
+          <p:cNvPr id="88" name="Group 88"/>
           <p:cNvGrpSpPr/>
           <p:nvPr/>
         </p:nvGrpSpPr>
         <p:grpSpPr>
-          <a:xfrm rot="0">
-            <a:off x="16254672" y="4653398"/>
+          <a:xfrm>
+            <a:off x="16234366" y="5802470"/>
             <a:ext cx="1947397" cy="802849"/>
             <a:chOff x="0" y="0"/>
             <a:chExt cx="2596529" cy="1070465"/>
@@ -7112,12 +6910,12 @@
         </p:grpSpPr>
         <p:sp>
           <p:nvSpPr>
-            <p:cNvPr name="Freeform 89" id="89"/>
+            <p:cNvPr id="89" name="Freeform 89"/>
             <p:cNvSpPr/>
             <p:nvPr/>
           </p:nvSpPr>
           <p:spPr>
-            <a:xfrm flipH="false" flipV="false" rot="0">
+            <a:xfrm>
               <a:off x="0" y="14156"/>
               <a:ext cx="962054" cy="962054"/>
             </a:xfrm>
@@ -7126,9 +6924,9 @@
               <a:gdLst/>
               <a:ahLst/>
               <a:cxnLst/>
-              <a:rect r="r" b="b" t="t" l="l"/>
+              <a:rect l="l" t="t" r="r" b="b"/>
               <a:pathLst>
-                <a:path h="962054" w="962054">
+                <a:path w="962054" h="962054">
                   <a:moveTo>
                     <a:pt x="0" y="0"/>
                   </a:moveTo>
@@ -7157,19 +6955,19 @@
                 </a:extLst>
               </a:blip>
               <a:stretch>
-                <a:fillRect l="0" t="0" r="0" b="0"/>
+                <a:fillRect/>
               </a:stretch>
             </a:blipFill>
           </p:spPr>
         </p:sp>
         <p:sp>
           <p:nvSpPr>
-            <p:cNvPr name="TextBox 90" id="90"/>
-            <p:cNvSpPr txBox="true"/>
+            <p:cNvPr id="90" name="TextBox 90"/>
+            <p:cNvSpPr txBox="1"/>
             <p:nvPr/>
           </p:nvSpPr>
           <p:spPr>
-            <a:xfrm rot="0">
+            <a:xfrm>
               <a:off x="1131547" y="-95250"/>
               <a:ext cx="1464982" cy="1165715"/>
             </a:xfrm>
@@ -7178,7 +6976,7 @@
             </a:prstGeom>
           </p:spPr>
           <p:txBody>
-            <a:bodyPr anchor="t" rtlCol="false" tIns="0" lIns="0" bIns="0" rIns="0">
+            <a:bodyPr lIns="0" tIns="0" rIns="0" bIns="0" rtlCol="0" anchor="t">
               <a:spAutoFit/>
             </a:bodyPr>
             <a:lstStyle/>
@@ -7209,12 +7007,12 @@
       </p:grpSp>
       <p:sp>
         <p:nvSpPr>
-          <p:cNvPr name="TextBox 91" id="91"/>
-          <p:cNvSpPr txBox="true"/>
+          <p:cNvPr id="91" name="TextBox 91"/>
+          <p:cNvSpPr txBox="1"/>
           <p:nvPr/>
         </p:nvSpPr>
         <p:spPr>
-          <a:xfrm rot="0">
+          <a:xfrm>
             <a:off x="3165955" y="10114955"/>
             <a:ext cx="1692240" cy="566978"/>
           </a:xfrm>
@@ -7223,7 +7021,7 @@
           </a:prstGeom>
         </p:spPr>
         <p:txBody>
-          <a:bodyPr anchor="t" rtlCol="false" tIns="0" lIns="0" bIns="0" rIns="0">
+          <a:bodyPr lIns="0" tIns="0" rIns="0" bIns="0" rtlCol="0" anchor="t">
             <a:spAutoFit/>
           </a:bodyPr>
           <a:lstStyle/>
@@ -7253,12 +7051,12 @@
       </p:sp>
       <p:sp>
         <p:nvSpPr>
-          <p:cNvPr name="TextBox 92" id="92"/>
-          <p:cNvSpPr txBox="true"/>
+          <p:cNvPr id="92" name="TextBox 92"/>
+          <p:cNvSpPr txBox="1"/>
           <p:nvPr/>
         </p:nvSpPr>
         <p:spPr>
-          <a:xfrm rot="0">
+          <a:xfrm>
             <a:off x="11990492" y="7862769"/>
             <a:ext cx="2623388" cy="405942"/>
           </a:xfrm>
@@ -7267,7 +7065,7 @@
           </a:prstGeom>
         </p:spPr>
         <p:txBody>
-          <a:bodyPr anchor="t" rtlCol="false" tIns="0" lIns="0" bIns="0" rIns="0">
+          <a:bodyPr lIns="0" tIns="0" rIns="0" bIns="0" rtlCol="0" anchor="t">
             <a:spAutoFit/>
           </a:bodyPr>
           <a:lstStyle/>
@@ -7297,21 +7095,21 @@
       </p:sp>
       <p:sp>
         <p:nvSpPr>
-          <p:cNvPr name="TextBox 93" id="93"/>
-          <p:cNvSpPr txBox="true"/>
+          <p:cNvPr id="93" name="TextBox 93"/>
+          <p:cNvSpPr txBox="1"/>
           <p:nvPr/>
         </p:nvSpPr>
         <p:spPr>
-          <a:xfrm rot="0">
-            <a:off x="21091981" y="1988522"/>
-            <a:ext cx="1367085" cy="566978"/>
+          <a:xfrm>
+            <a:off x="20920088" y="2088150"/>
+            <a:ext cx="1710869" cy="566978"/>
           </a:xfrm>
           <a:prstGeom prst="rect">
             <a:avLst/>
           </a:prstGeom>
         </p:spPr>
         <p:txBody>
-          <a:bodyPr anchor="t" rtlCol="false" tIns="0" lIns="0" bIns="0" rIns="0">
+          <a:bodyPr wrap="square" lIns="0" tIns="0" rIns="0" bIns="0" rtlCol="0" anchor="t">
             <a:spAutoFit/>
           </a:bodyPr>
           <a:lstStyle/>
@@ -7325,7 +7123,7 @@
               </a:spcBef>
             </a:pPr>
             <a:r>
-              <a:rPr lang="en-US" sz="3337">
+              <a:rPr lang="en-US" sz="3337" dirty="0" err="1">
                 <a:solidFill>
                   <a:srgbClr val="000000"/>
                 </a:solidFill>
@@ -7336,17 +7134,26 @@
               </a:rPr>
               <a:t>Cliente</a:t>
             </a:r>
+            <a:endParaRPr lang="en-US" sz="3337" dirty="0">
+              <a:solidFill>
+                <a:srgbClr val="000000"/>
+              </a:solidFill>
+              <a:latin typeface="Open Sans"/>
+              <a:ea typeface="Open Sans"/>
+              <a:cs typeface="Open Sans"/>
+              <a:sym typeface="Open Sans"/>
+            </a:endParaRPr>
           </a:p>
         </p:txBody>
       </p:sp>
       <p:sp>
         <p:nvSpPr>
-          <p:cNvPr name="TextBox 94" id="94"/>
-          <p:cNvSpPr txBox="true"/>
+          <p:cNvPr id="94" name="TextBox 94"/>
+          <p:cNvSpPr txBox="1"/>
           <p:nvPr/>
         </p:nvSpPr>
         <p:spPr>
-          <a:xfrm rot="0">
+          <a:xfrm>
             <a:off x="5040058" y="3893257"/>
             <a:ext cx="1161101" cy="235352"/>
           </a:xfrm>
@@ -7355,7 +7162,7 @@
           </a:prstGeom>
         </p:spPr>
         <p:txBody>
-          <a:bodyPr anchor="t" rtlCol="false" tIns="0" lIns="0" bIns="0" rIns="0">
+          <a:bodyPr lIns="0" tIns="0" rIns="0" bIns="0" rtlCol="0" anchor="t">
             <a:spAutoFit/>
           </a:bodyPr>
           <a:lstStyle/>
@@ -7369,7 +7176,7 @@
               </a:spcBef>
             </a:pPr>
             <a:r>
-              <a:rPr lang="en-US" b="true" sz="1372">
+              <a:rPr lang="en-US" sz="1372" b="1">
                 <a:solidFill>
                   <a:srgbClr val="000000"/>
                 </a:solidFill>
@@ -7379,6 +7186,198 @@
                 <a:sym typeface="Open Sans Bold"/>
               </a:rPr>
               <a:t>Reservatório</a:t>
+            </a:r>
+          </a:p>
+        </p:txBody>
+      </p:sp>
+      <p:cxnSp>
+        <p:nvCxnSpPr>
+          <p:cNvPr id="96" name="Conector: Angulado 95">
+            <a:extLst>
+              <a:ext uri="{FF2B5EF4-FFF2-40B4-BE49-F238E27FC236}">
+                <a16:creationId xmlns:a16="http://schemas.microsoft.com/office/drawing/2014/main" id="{28A4DF2E-3A2D-4FAA-B60F-9C5ED6B366DF}"/>
+              </a:ext>
+            </a:extLst>
+          </p:cNvPr>
+          <p:cNvCxnSpPr/>
+          <p:nvPr/>
+        </p:nvCxnSpPr>
+        <p:spPr>
+          <a:xfrm>
+            <a:off x="17933045" y="9608042"/>
+            <a:ext cx="25771" cy="11446"/>
+          </a:xfrm>
+          <a:prstGeom prst="bentConnector3">
+            <a:avLst/>
+          </a:prstGeom>
+        </p:spPr>
+        <p:style>
+          <a:lnRef idx="1">
+            <a:schemeClr val="accent1"/>
+          </a:lnRef>
+          <a:fillRef idx="0">
+            <a:schemeClr val="accent1"/>
+          </a:fillRef>
+          <a:effectRef idx="0">
+            <a:schemeClr val="accent1"/>
+          </a:effectRef>
+          <a:fontRef idx="minor">
+            <a:schemeClr val="tx1"/>
+          </a:fontRef>
+        </p:style>
+      </p:cxnSp>
+      <p:cxnSp>
+        <p:nvCxnSpPr>
+          <p:cNvPr id="98" name="Conector: Angulado 97">
+            <a:extLst>
+              <a:ext uri="{FF2B5EF4-FFF2-40B4-BE49-F238E27FC236}">
+                <a16:creationId xmlns:a16="http://schemas.microsoft.com/office/drawing/2014/main" id="{34872740-A72C-4E82-AA9B-C114C2499745}"/>
+              </a:ext>
+            </a:extLst>
+          </p:cNvPr>
+          <p:cNvCxnSpPr/>
+          <p:nvPr/>
+        </p:nvCxnSpPr>
+        <p:spPr>
+          <a:xfrm rot="10800000" flipV="1">
+            <a:off x="13954490" y="7399104"/>
+            <a:ext cx="3148842" cy="983055"/>
+          </a:xfrm>
+          <a:prstGeom prst="bentConnector3">
+            <a:avLst>
+              <a:gd name="adj1" fmla="val -528"/>
+            </a:avLst>
+          </a:prstGeom>
+        </p:spPr>
+        <p:style>
+          <a:lnRef idx="1">
+            <a:schemeClr val="dk1"/>
+          </a:lnRef>
+          <a:fillRef idx="0">
+            <a:schemeClr val="dk1"/>
+          </a:fillRef>
+          <a:effectRef idx="0">
+            <a:schemeClr val="dk1"/>
+          </a:effectRef>
+          <a:fontRef idx="minor">
+            <a:schemeClr val="tx1"/>
+          </a:fontRef>
+        </p:style>
+      </p:cxnSp>
+      <p:sp>
+        <p:nvSpPr>
+          <p:cNvPr id="101" name="TextBox 93">
+            <a:extLst>
+              <a:ext uri="{FF2B5EF4-FFF2-40B4-BE49-F238E27FC236}">
+                <a16:creationId xmlns:a16="http://schemas.microsoft.com/office/drawing/2014/main" id="{010D99EE-6E72-4020-9B98-F01F6D4E83C7}"/>
+              </a:ext>
+            </a:extLst>
+          </p:cNvPr>
+          <p:cNvSpPr txBox="1"/>
+          <p:nvPr/>
+        </p:nvSpPr>
+        <p:spPr>
+          <a:xfrm>
+            <a:off x="16408391" y="4326429"/>
+            <a:ext cx="1710869" cy="562526"/>
+          </a:xfrm>
+          <a:prstGeom prst="rect">
+            <a:avLst/>
+          </a:prstGeom>
+        </p:spPr>
+        <p:txBody>
+          <a:bodyPr wrap="square" lIns="0" tIns="0" rIns="0" bIns="0" rtlCol="0" anchor="t">
+            <a:spAutoFit/>
+          </a:bodyPr>
+          <a:lstStyle/>
+          <a:p>
+            <a:pPr algn="ctr">
+              <a:lnSpc>
+                <a:spcPts val="4672"/>
+              </a:lnSpc>
+              <a:spcBef>
+                <a:spcPct val="0"/>
+              </a:spcBef>
+            </a:pPr>
+            <a:r>
+              <a:rPr lang="en-US" sz="3337" dirty="0" err="1">
+                <a:solidFill>
+                  <a:srgbClr val="000000"/>
+                </a:solidFill>
+                <a:latin typeface="Open Sans"/>
+                <a:ea typeface="Open Sans"/>
+                <a:cs typeface="Open Sans"/>
+                <a:sym typeface="Open Sans"/>
+              </a:rPr>
+              <a:t>Suporte</a:t>
+            </a:r>
+            <a:endParaRPr lang="en-US" sz="3337" dirty="0">
+              <a:solidFill>
+                <a:srgbClr val="000000"/>
+              </a:solidFill>
+              <a:latin typeface="Open Sans"/>
+              <a:ea typeface="Open Sans"/>
+              <a:cs typeface="Open Sans"/>
+              <a:sym typeface="Open Sans"/>
+            </a:endParaRPr>
+          </a:p>
+        </p:txBody>
+      </p:sp>
+      <p:sp>
+        <p:nvSpPr>
+          <p:cNvPr id="102" name="TextBox 85">
+            <a:extLst>
+              <a:ext uri="{FF2B5EF4-FFF2-40B4-BE49-F238E27FC236}">
+                <a16:creationId xmlns:a16="http://schemas.microsoft.com/office/drawing/2014/main" id="{E35DD8E6-0566-4FEE-A996-7529CA963602}"/>
+              </a:ext>
+            </a:extLst>
+          </p:cNvPr>
+          <p:cNvSpPr txBox="1"/>
+          <p:nvPr/>
+        </p:nvSpPr>
+        <p:spPr>
+          <a:xfrm>
+            <a:off x="11756442" y="1793053"/>
+            <a:ext cx="1177928" cy="545855"/>
+          </a:xfrm>
+          <a:prstGeom prst="rect">
+            <a:avLst/>
+          </a:prstGeom>
+        </p:spPr>
+        <p:txBody>
+          <a:bodyPr lIns="0" tIns="0" rIns="0" bIns="0" rtlCol="0" anchor="t">
+            <a:spAutoFit/>
+          </a:bodyPr>
+          <a:lstStyle/>
+          <a:p>
+            <a:pPr algn="ctr">
+              <a:lnSpc>
+                <a:spcPts val="2203"/>
+              </a:lnSpc>
+            </a:pPr>
+            <a:r>
+              <a:rPr lang="en-US" sz="1574" b="1" dirty="0" err="1">
+                <a:solidFill>
+                  <a:srgbClr val="000000"/>
+                </a:solidFill>
+                <a:latin typeface="Open Sans Bold"/>
+                <a:ea typeface="Open Sans Bold"/>
+                <a:cs typeface="Open Sans Bold"/>
+                <a:sym typeface="Open Sans Bold"/>
+              </a:rPr>
+              <a:t>Máquina</a:t>
+            </a:r>
+            <a:r>
+              <a:rPr lang="en-US" sz="1574" b="1" dirty="0">
+                <a:solidFill>
+                  <a:srgbClr val="000000"/>
+                </a:solidFill>
+                <a:latin typeface="Open Sans Bold"/>
+                <a:ea typeface="Open Sans Bold"/>
+                <a:cs typeface="Open Sans Bold"/>
+                <a:sym typeface="Open Sans Bold"/>
+              </a:rPr>
+              <a:t> Virtual</a:t>
             </a:r>
           </a:p>
         </p:txBody>

--- a/Documentacao/Sprint 3/Diagramas/Diagrama de solução - Suporte-Cliente.pptx
+++ b/Documentacao/Sprint 3/Diagramas/Diagrama de solução - Suporte-Cliente.pptx
@@ -332,7 +332,7 @@
             <a:fld id="{1D8BD707-D9CF-40AE-B4C6-C98DA3205C09}" type="datetimeFigureOut">
               <a:rPr lang="en-US" smtClean="0"/>
               <a:pPr/>
-              <a:t>11/20/2024</a:t>
+              <a:t>11/28/2024</a:t>
             </a:fld>
             <a:endParaRPr lang="en-US"/>
           </a:p>
@@ -497,7 +497,7 @@
             <a:fld id="{1D8BD707-D9CF-40AE-B4C6-C98DA3205C09}" type="datetimeFigureOut">
               <a:rPr lang="en-US" smtClean="0"/>
               <a:pPr/>
-              <a:t>11/20/2024</a:t>
+              <a:t>11/28/2024</a:t>
             </a:fld>
             <a:endParaRPr lang="en-US"/>
           </a:p>
@@ -672,7 +672,7 @@
             <a:fld id="{1D8BD707-D9CF-40AE-B4C6-C98DA3205C09}" type="datetimeFigureOut">
               <a:rPr lang="en-US" smtClean="0"/>
               <a:pPr/>
-              <a:t>11/20/2024</a:t>
+              <a:t>11/28/2024</a:t>
             </a:fld>
             <a:endParaRPr lang="en-US"/>
           </a:p>
@@ -837,7 +837,7 @@
             <a:fld id="{1D8BD707-D9CF-40AE-B4C6-C98DA3205C09}" type="datetimeFigureOut">
               <a:rPr lang="en-US" smtClean="0"/>
               <a:pPr/>
-              <a:t>11/20/2024</a:t>
+              <a:t>11/28/2024</a:t>
             </a:fld>
             <a:endParaRPr lang="en-US"/>
           </a:p>
@@ -1079,7 +1079,7 @@
             <a:fld id="{1D8BD707-D9CF-40AE-B4C6-C98DA3205C09}" type="datetimeFigureOut">
               <a:rPr lang="en-US" smtClean="0"/>
               <a:pPr/>
-              <a:t>11/20/2024</a:t>
+              <a:t>11/28/2024</a:t>
             </a:fld>
             <a:endParaRPr lang="en-US"/>
           </a:p>
@@ -1361,7 +1361,7 @@
             <a:fld id="{1D8BD707-D9CF-40AE-B4C6-C98DA3205C09}" type="datetimeFigureOut">
               <a:rPr lang="en-US" smtClean="0"/>
               <a:pPr/>
-              <a:t>11/20/2024</a:t>
+              <a:t>11/28/2024</a:t>
             </a:fld>
             <a:endParaRPr lang="en-US"/>
           </a:p>
@@ -1777,7 +1777,7 @@
             <a:fld id="{1D8BD707-D9CF-40AE-B4C6-C98DA3205C09}" type="datetimeFigureOut">
               <a:rPr lang="en-US" smtClean="0"/>
               <a:pPr/>
-              <a:t>11/20/2024</a:t>
+              <a:t>11/28/2024</a:t>
             </a:fld>
             <a:endParaRPr lang="en-US"/>
           </a:p>
@@ -1891,7 +1891,7 @@
             <a:fld id="{1D8BD707-D9CF-40AE-B4C6-C98DA3205C09}" type="datetimeFigureOut">
               <a:rPr lang="en-US" smtClean="0"/>
               <a:pPr/>
-              <a:t>11/20/2024</a:t>
+              <a:t>11/28/2024</a:t>
             </a:fld>
             <a:endParaRPr lang="en-US"/>
           </a:p>
@@ -1983,7 +1983,7 @@
             <a:fld id="{1D8BD707-D9CF-40AE-B4C6-C98DA3205C09}" type="datetimeFigureOut">
               <a:rPr lang="en-US" smtClean="0"/>
               <a:pPr/>
-              <a:t>11/20/2024</a:t>
+              <a:t>11/28/2024</a:t>
             </a:fld>
             <a:endParaRPr lang="en-US"/>
           </a:p>
@@ -2255,7 +2255,7 @@
             <a:fld id="{1D8BD707-D9CF-40AE-B4C6-C98DA3205C09}" type="datetimeFigureOut">
               <a:rPr lang="en-US" smtClean="0"/>
               <a:pPr/>
-              <a:t>11/20/2024</a:t>
+              <a:t>11/28/2024</a:t>
             </a:fld>
             <a:endParaRPr lang="en-US"/>
           </a:p>
@@ -2504,7 +2504,7 @@
             <a:fld id="{1D8BD707-D9CF-40AE-B4C6-C98DA3205C09}" type="datetimeFigureOut">
               <a:rPr lang="en-US" smtClean="0"/>
               <a:pPr/>
-              <a:t>11/20/2024</a:t>
+              <a:t>11/28/2024</a:t>
             </a:fld>
             <a:endParaRPr lang="en-US"/>
           </a:p>
@@ -2712,7 +2712,7 @@
             <a:fld id="{1D8BD707-D9CF-40AE-B4C6-C98DA3205C09}" type="datetimeFigureOut">
               <a:rPr lang="en-US" smtClean="0"/>
               <a:pPr/>
-              <a:t>11/20/2024</a:t>
+              <a:t>11/28/2024</a:t>
             </a:fld>
             <a:endParaRPr lang="en-US"/>
           </a:p>
@@ -5990,7 +5990,7 @@
         </p:nvGrpSpPr>
         <p:grpSpPr>
           <a:xfrm>
-            <a:off x="9955928" y="10550724"/>
+            <a:off x="8822169" y="10391352"/>
             <a:ext cx="4769559" cy="1419407"/>
             <a:chOff x="0" y="-28575"/>
             <a:chExt cx="6359412" cy="1892543"/>
@@ -6341,8 +6341,8 @@
         </p:nvSpPr>
         <p:spPr>
           <a:xfrm>
-            <a:off x="19256627" y="8103723"/>
-            <a:ext cx="1323967" cy="910227"/>
+            <a:off x="19310892" y="8117016"/>
+            <a:ext cx="1188467" cy="745239"/>
           </a:xfrm>
           <a:custGeom>
             <a:avLst/>
@@ -6393,8 +6393,8 @@
         </p:nvSpPr>
         <p:spPr>
           <a:xfrm>
-            <a:off x="7445254" y="10621990"/>
-            <a:ext cx="1119332" cy="769541"/>
+            <a:off x="7445254" y="10412783"/>
+            <a:ext cx="1121362" cy="735555"/>
           </a:xfrm>
           <a:custGeom>
             <a:avLst/>
@@ -6612,15 +6612,15 @@
         </p:nvSpPr>
         <p:spPr>
           <a:xfrm>
-            <a:off x="2735045" y="4513155"/>
-            <a:ext cx="461165" cy="304015"/>
+            <a:off x="2660820" y="4513109"/>
+            <a:ext cx="819068" cy="310791"/>
           </a:xfrm>
           <a:prstGeom prst="rect">
             <a:avLst/>
           </a:prstGeom>
         </p:spPr>
         <p:txBody>
-          <a:bodyPr lIns="0" tIns="0" rIns="0" bIns="0" rtlCol="0" anchor="t">
+          <a:bodyPr wrap="square" lIns="0" tIns="0" rIns="0" bIns="0" rtlCol="0" anchor="t">
             <a:spAutoFit/>
           </a:bodyPr>
           <a:lstStyle/>
@@ -6634,7 +6634,7 @@
               </a:spcBef>
             </a:pPr>
             <a:r>
-              <a:rPr lang="en-US" sz="1835" b="1">
+              <a:rPr lang="en-US" sz="1835" b="1" dirty="0">
                 <a:solidFill>
                   <a:srgbClr val="000000"/>
                 </a:solidFill>
@@ -7154,7 +7154,7 @@
         </p:nvSpPr>
         <p:spPr>
           <a:xfrm>
-            <a:off x="5040058" y="3893257"/>
+            <a:off x="4936301" y="3913968"/>
             <a:ext cx="1161101" cy="235352"/>
           </a:xfrm>
           <a:prstGeom prst="rect">
@@ -7176,7 +7176,7 @@
               </a:spcBef>
             </a:pPr>
             <a:r>
-              <a:rPr lang="en-US" sz="1372" b="1">
+              <a:rPr lang="en-US" sz="1372" b="1" dirty="0" err="1">
                 <a:solidFill>
                   <a:srgbClr val="000000"/>
                 </a:solidFill>
@@ -7187,6 +7187,15 @@
               </a:rPr>
               <a:t>Reservatório</a:t>
             </a:r>
+            <a:endParaRPr lang="en-US" sz="1372" b="1" dirty="0">
+              <a:solidFill>
+                <a:srgbClr val="000000"/>
+              </a:solidFill>
+              <a:latin typeface="Open Sans Bold"/>
+              <a:ea typeface="Open Sans Bold"/>
+              <a:cs typeface="Open Sans Bold"/>
+              <a:sym typeface="Open Sans Bold"/>
+            </a:endParaRPr>
           </a:p>
         </p:txBody>
       </p:sp>

--- a/Documentacao/Sprint 3/Diagramas/Diagrama de solução - Suporte-Cliente.pptx
+++ b/Documentacao/Sprint 3/Diagramas/Diagrama de solução - Suporte-Cliente.pptx
@@ -332,7 +332,7 @@
             <a:fld id="{1D8BD707-D9CF-40AE-B4C6-C98DA3205C09}" type="datetimeFigureOut">
               <a:rPr lang="en-US" smtClean="0"/>
               <a:pPr/>
-              <a:t>11/28/2024</a:t>
+              <a:t>12/2/2024</a:t>
             </a:fld>
             <a:endParaRPr lang="en-US"/>
           </a:p>
@@ -497,7 +497,7 @@
             <a:fld id="{1D8BD707-D9CF-40AE-B4C6-C98DA3205C09}" type="datetimeFigureOut">
               <a:rPr lang="en-US" smtClean="0"/>
               <a:pPr/>
-              <a:t>11/28/2024</a:t>
+              <a:t>12/2/2024</a:t>
             </a:fld>
             <a:endParaRPr lang="en-US"/>
           </a:p>
@@ -672,7 +672,7 @@
             <a:fld id="{1D8BD707-D9CF-40AE-B4C6-C98DA3205C09}" type="datetimeFigureOut">
               <a:rPr lang="en-US" smtClean="0"/>
               <a:pPr/>
-              <a:t>11/28/2024</a:t>
+              <a:t>12/2/2024</a:t>
             </a:fld>
             <a:endParaRPr lang="en-US"/>
           </a:p>
@@ -837,7 +837,7 @@
             <a:fld id="{1D8BD707-D9CF-40AE-B4C6-C98DA3205C09}" type="datetimeFigureOut">
               <a:rPr lang="en-US" smtClean="0"/>
               <a:pPr/>
-              <a:t>11/28/2024</a:t>
+              <a:t>12/2/2024</a:t>
             </a:fld>
             <a:endParaRPr lang="en-US"/>
           </a:p>
@@ -1079,7 +1079,7 @@
             <a:fld id="{1D8BD707-D9CF-40AE-B4C6-C98DA3205C09}" type="datetimeFigureOut">
               <a:rPr lang="en-US" smtClean="0"/>
               <a:pPr/>
-              <a:t>11/28/2024</a:t>
+              <a:t>12/2/2024</a:t>
             </a:fld>
             <a:endParaRPr lang="en-US"/>
           </a:p>
@@ -1361,7 +1361,7 @@
             <a:fld id="{1D8BD707-D9CF-40AE-B4C6-C98DA3205C09}" type="datetimeFigureOut">
               <a:rPr lang="en-US" smtClean="0"/>
               <a:pPr/>
-              <a:t>11/28/2024</a:t>
+              <a:t>12/2/2024</a:t>
             </a:fld>
             <a:endParaRPr lang="en-US"/>
           </a:p>
@@ -1777,7 +1777,7 @@
             <a:fld id="{1D8BD707-D9CF-40AE-B4C6-C98DA3205C09}" type="datetimeFigureOut">
               <a:rPr lang="en-US" smtClean="0"/>
               <a:pPr/>
-              <a:t>11/28/2024</a:t>
+              <a:t>12/2/2024</a:t>
             </a:fld>
             <a:endParaRPr lang="en-US"/>
           </a:p>
@@ -1891,7 +1891,7 @@
             <a:fld id="{1D8BD707-D9CF-40AE-B4C6-C98DA3205C09}" type="datetimeFigureOut">
               <a:rPr lang="en-US" smtClean="0"/>
               <a:pPr/>
-              <a:t>11/28/2024</a:t>
+              <a:t>12/2/2024</a:t>
             </a:fld>
             <a:endParaRPr lang="en-US"/>
           </a:p>
@@ -1983,7 +1983,7 @@
             <a:fld id="{1D8BD707-D9CF-40AE-B4C6-C98DA3205C09}" type="datetimeFigureOut">
               <a:rPr lang="en-US" smtClean="0"/>
               <a:pPr/>
-              <a:t>11/28/2024</a:t>
+              <a:t>12/2/2024</a:t>
             </a:fld>
             <a:endParaRPr lang="en-US"/>
           </a:p>
@@ -2255,7 +2255,7 @@
             <a:fld id="{1D8BD707-D9CF-40AE-B4C6-C98DA3205C09}" type="datetimeFigureOut">
               <a:rPr lang="en-US" smtClean="0"/>
               <a:pPr/>
-              <a:t>11/28/2024</a:t>
+              <a:t>12/2/2024</a:t>
             </a:fld>
             <a:endParaRPr lang="en-US"/>
           </a:p>
@@ -2504,7 +2504,7 @@
             <a:fld id="{1D8BD707-D9CF-40AE-B4C6-C98DA3205C09}" type="datetimeFigureOut">
               <a:rPr lang="en-US" smtClean="0"/>
               <a:pPr/>
-              <a:t>11/28/2024</a:t>
+              <a:t>12/2/2024</a:t>
             </a:fld>
             <a:endParaRPr lang="en-US"/>
           </a:p>
@@ -2712,7 +2712,7 @@
             <a:fld id="{1D8BD707-D9CF-40AE-B4C6-C98DA3205C09}" type="datetimeFigureOut">
               <a:rPr lang="en-US" smtClean="0"/>
               <a:pPr/>
-              <a:t>11/28/2024</a:t>
+              <a:t>12/2/2024</a:t>
             </a:fld>
             <a:endParaRPr lang="en-US"/>
           </a:p>
@@ -3085,141 +3085,6 @@
       </p:grpSpPr>
       <p:grpSp>
         <p:nvGrpSpPr>
-          <p:cNvPr id="2" name="Group 2"/>
-          <p:cNvGrpSpPr/>
-          <p:nvPr/>
-        </p:nvGrpSpPr>
-        <p:grpSpPr>
-          <a:xfrm>
-            <a:off x="8416108" y="1226793"/>
-            <a:ext cx="10652169" cy="8954837"/>
-            <a:chOff x="0" y="0"/>
-            <a:chExt cx="2515420" cy="2114609"/>
-          </a:xfrm>
-        </p:grpSpPr>
-        <p:sp>
-          <p:nvSpPr>
-            <p:cNvPr id="3" name="Freeform 3"/>
-            <p:cNvSpPr/>
-            <p:nvPr/>
-          </p:nvSpPr>
-          <p:spPr>
-            <a:xfrm>
-              <a:off x="0" y="0"/>
-              <a:ext cx="2515420" cy="2114609"/>
-            </a:xfrm>
-            <a:custGeom>
-              <a:avLst/>
-              <a:gdLst/>
-              <a:ahLst/>
-              <a:cxnLst/>
-              <a:rect l="l" t="t" r="r" b="b"/>
-              <a:pathLst>
-                <a:path w="2515420" h="2114609">
-                  <a:moveTo>
-                    <a:pt x="14536" y="0"/>
-                  </a:moveTo>
-                  <a:lnTo>
-                    <a:pt x="2500884" y="0"/>
-                  </a:lnTo>
-                  <a:cubicBezTo>
-                    <a:pt x="2504739" y="0"/>
-                    <a:pt x="2508436" y="1531"/>
-                    <a:pt x="2511162" y="4257"/>
-                  </a:cubicBezTo>
-                  <a:cubicBezTo>
-                    <a:pt x="2513888" y="6983"/>
-                    <a:pt x="2515420" y="10681"/>
-                    <a:pt x="2515420" y="14536"/>
-                  </a:cubicBezTo>
-                  <a:lnTo>
-                    <a:pt x="2515420" y="2100073"/>
-                  </a:lnTo>
-                  <a:cubicBezTo>
-                    <a:pt x="2515420" y="2103929"/>
-                    <a:pt x="2513888" y="2107626"/>
-                    <a:pt x="2511162" y="2110352"/>
-                  </a:cubicBezTo>
-                  <a:cubicBezTo>
-                    <a:pt x="2508436" y="2113078"/>
-                    <a:pt x="2504739" y="2114609"/>
-                    <a:pt x="2500884" y="2114609"/>
-                  </a:cubicBezTo>
-                  <a:lnTo>
-                    <a:pt x="14536" y="2114609"/>
-                  </a:lnTo>
-                  <a:cubicBezTo>
-                    <a:pt x="10681" y="2114609"/>
-                    <a:pt x="6983" y="2113078"/>
-                    <a:pt x="4257" y="2110352"/>
-                  </a:cubicBezTo>
-                  <a:cubicBezTo>
-                    <a:pt x="1531" y="2107626"/>
-                    <a:pt x="0" y="2103929"/>
-                    <a:pt x="0" y="2100073"/>
-                  </a:cubicBezTo>
-                  <a:lnTo>
-                    <a:pt x="0" y="14536"/>
-                  </a:lnTo>
-                  <a:cubicBezTo>
-                    <a:pt x="0" y="10681"/>
-                    <a:pt x="1531" y="6983"/>
-                    <a:pt x="4257" y="4257"/>
-                  </a:cubicBezTo>
-                  <a:cubicBezTo>
-                    <a:pt x="6983" y="1531"/>
-                    <a:pt x="10681" y="0"/>
-                    <a:pt x="14536" y="0"/>
-                  </a:cubicBezTo>
-                  <a:close/>
-                </a:path>
-              </a:pathLst>
-            </a:custGeom>
-            <a:solidFill>
-              <a:srgbClr val="000000">
-                <a:alpha val="0"/>
-              </a:srgbClr>
-            </a:solidFill>
-            <a:ln w="38100" cap="sq">
-              <a:solidFill>
-                <a:srgbClr val="000000"/>
-              </a:solidFill>
-              <a:prstDash val="solid"/>
-              <a:miter/>
-            </a:ln>
-          </p:spPr>
-        </p:sp>
-        <p:sp>
-          <p:nvSpPr>
-            <p:cNvPr id="4" name="TextBox 4"/>
-            <p:cNvSpPr txBox="1"/>
-            <p:nvPr/>
-          </p:nvSpPr>
-          <p:spPr>
-            <a:xfrm>
-              <a:off x="0" y="-38100"/>
-              <a:ext cx="2515420" cy="2152709"/>
-            </a:xfrm>
-            <a:prstGeom prst="rect">
-              <a:avLst/>
-            </a:prstGeom>
-          </p:spPr>
-          <p:txBody>
-            <a:bodyPr lIns="56658" tIns="56658" rIns="56658" bIns="56658" rtlCol="0" anchor="ctr"/>
-            <a:lstStyle/>
-            <a:p>
-              <a:pPr algn="ctr">
-                <a:lnSpc>
-                  <a:spcPts val="2966"/>
-                </a:lnSpc>
-              </a:pPr>
-              <a:endParaRPr/>
-            </a:p>
-          </p:txBody>
-        </p:sp>
-      </p:grpSp>
-      <p:grpSp>
-        <p:nvGrpSpPr>
           <p:cNvPr id="5" name="Group 5"/>
           <p:cNvGrpSpPr/>
           <p:nvPr/>
@@ -3341,6 +3206,148 @@
               <a:schemeClr val="dk1"/>
             </a:fontRef>
           </p:style>
+          <p:txBody>
+            <a:bodyPr lIns="56658" tIns="56658" rIns="56658" bIns="56658" rtlCol="0" anchor="ctr"/>
+            <a:lstStyle/>
+            <a:p>
+              <a:pPr algn="ctr">
+                <a:lnSpc>
+                  <a:spcPts val="2966"/>
+                </a:lnSpc>
+              </a:pPr>
+              <a:endParaRPr dirty="0"/>
+            </a:p>
+          </p:txBody>
+        </p:sp>
+      </p:grpSp>
+      <p:grpSp>
+        <p:nvGrpSpPr>
+          <p:cNvPr id="2" name="Group 2"/>
+          <p:cNvGrpSpPr/>
+          <p:nvPr/>
+        </p:nvGrpSpPr>
+        <p:grpSpPr>
+          <a:xfrm>
+            <a:off x="8286206" y="99039"/>
+            <a:ext cx="10874952" cy="10012631"/>
+            <a:chOff x="-4776" y="-38100"/>
+            <a:chExt cx="2520196" cy="2364398"/>
+          </a:xfrm>
+        </p:grpSpPr>
+        <p:sp>
+          <p:nvSpPr>
+            <p:cNvPr id="3" name="Freeform 3"/>
+            <p:cNvSpPr/>
+            <p:nvPr/>
+          </p:nvSpPr>
+          <p:spPr>
+            <a:xfrm>
+              <a:off x="-4776" y="211689"/>
+              <a:ext cx="2515420" cy="2114609"/>
+            </a:xfrm>
+            <a:custGeom>
+              <a:avLst/>
+              <a:gdLst/>
+              <a:ahLst/>
+              <a:cxnLst/>
+              <a:rect l="l" t="t" r="r" b="b"/>
+              <a:pathLst>
+                <a:path w="2515420" h="2114609">
+                  <a:moveTo>
+                    <a:pt x="14536" y="0"/>
+                  </a:moveTo>
+                  <a:lnTo>
+                    <a:pt x="2500884" y="0"/>
+                  </a:lnTo>
+                  <a:cubicBezTo>
+                    <a:pt x="2504739" y="0"/>
+                    <a:pt x="2508436" y="1531"/>
+                    <a:pt x="2511162" y="4257"/>
+                  </a:cubicBezTo>
+                  <a:cubicBezTo>
+                    <a:pt x="2513888" y="6983"/>
+                    <a:pt x="2515420" y="10681"/>
+                    <a:pt x="2515420" y="14536"/>
+                  </a:cubicBezTo>
+                  <a:lnTo>
+                    <a:pt x="2515420" y="2100073"/>
+                  </a:lnTo>
+                  <a:cubicBezTo>
+                    <a:pt x="2515420" y="2103929"/>
+                    <a:pt x="2513888" y="2107626"/>
+                    <a:pt x="2511162" y="2110352"/>
+                  </a:cubicBezTo>
+                  <a:cubicBezTo>
+                    <a:pt x="2508436" y="2113078"/>
+                    <a:pt x="2504739" y="2114609"/>
+                    <a:pt x="2500884" y="2114609"/>
+                  </a:cubicBezTo>
+                  <a:lnTo>
+                    <a:pt x="14536" y="2114609"/>
+                  </a:lnTo>
+                  <a:cubicBezTo>
+                    <a:pt x="10681" y="2114609"/>
+                    <a:pt x="6983" y="2113078"/>
+                    <a:pt x="4257" y="2110352"/>
+                  </a:cubicBezTo>
+                  <a:cubicBezTo>
+                    <a:pt x="1531" y="2107626"/>
+                    <a:pt x="0" y="2103929"/>
+                    <a:pt x="0" y="2100073"/>
+                  </a:cubicBezTo>
+                  <a:lnTo>
+                    <a:pt x="0" y="14536"/>
+                  </a:lnTo>
+                  <a:cubicBezTo>
+                    <a:pt x="0" y="10681"/>
+                    <a:pt x="1531" y="6983"/>
+                    <a:pt x="4257" y="4257"/>
+                  </a:cubicBezTo>
+                  <a:cubicBezTo>
+                    <a:pt x="6983" y="1531"/>
+                    <a:pt x="10681" y="0"/>
+                    <a:pt x="14536" y="0"/>
+                  </a:cubicBezTo>
+                  <a:close/>
+                </a:path>
+              </a:pathLst>
+            </a:custGeom>
+            <a:solidFill>
+              <a:srgbClr val="000000">
+                <a:alpha val="0"/>
+              </a:srgbClr>
+            </a:solidFill>
+            <a:ln w="38100" cap="sq">
+              <a:solidFill>
+                <a:srgbClr val="000000"/>
+              </a:solidFill>
+              <a:prstDash val="solid"/>
+              <a:miter/>
+            </a:ln>
+          </p:spPr>
+          <p:txBody>
+            <a:bodyPr/>
+            <a:lstStyle/>
+            <a:p>
+              <a:endParaRPr lang="pt-BR" dirty="0"/>
+            </a:p>
+          </p:txBody>
+        </p:sp>
+        <p:sp>
+          <p:nvSpPr>
+            <p:cNvPr id="4" name="TextBox 4"/>
+            <p:cNvSpPr txBox="1"/>
+            <p:nvPr/>
+          </p:nvSpPr>
+          <p:spPr>
+            <a:xfrm>
+              <a:off x="0" y="-38100"/>
+              <a:ext cx="2515420" cy="2152709"/>
+            </a:xfrm>
+            <a:prstGeom prst="rect">
+              <a:avLst/>
+            </a:prstGeom>
+          </p:spPr>
           <p:txBody>
             <a:bodyPr lIns="56658" tIns="56658" rIns="56658" bIns="56658" rtlCol="0" anchor="ctr"/>
             <a:lstStyle/>
@@ -4364,7 +4371,7 @@
         </p:nvGrpSpPr>
         <p:grpSpPr>
           <a:xfrm>
-            <a:off x="2674618" y="6922464"/>
+            <a:off x="2584531" y="6922463"/>
             <a:ext cx="3088067" cy="3134344"/>
             <a:chOff x="0" y="0"/>
             <a:chExt cx="729221" cy="740149"/>
@@ -4758,8 +4765,8 @@
         </p:nvGrpSpPr>
         <p:grpSpPr>
           <a:xfrm>
-            <a:off x="9179671" y="4774180"/>
-            <a:ext cx="1907215" cy="1860064"/>
+            <a:off x="9153472" y="3416982"/>
+            <a:ext cx="1907215" cy="1831841"/>
             <a:chOff x="0" y="0"/>
             <a:chExt cx="672031" cy="655417"/>
           </a:xfrm>
@@ -4873,7 +4880,7 @@
         </p:nvSpPr>
         <p:spPr>
           <a:xfrm>
-            <a:off x="9634025" y="5516933"/>
+            <a:off x="9606635" y="4208365"/>
             <a:ext cx="942728" cy="942728"/>
           </a:xfrm>
           <a:custGeom>
@@ -4919,7 +4926,7 @@
         </p:nvGrpSpPr>
         <p:grpSpPr>
           <a:xfrm>
-            <a:off x="11990492" y="3121255"/>
+            <a:off x="12035977" y="3302127"/>
             <a:ext cx="2635057" cy="727646"/>
             <a:chOff x="0" y="0"/>
             <a:chExt cx="3513410" cy="970195"/>
@@ -5004,7 +5011,7 @@
                 </a:lnSpc>
               </a:pPr>
               <a:r>
-                <a:rPr lang="en-US" sz="1173">
+                <a:rPr lang="en-US" sz="1173" dirty="0">
                   <a:solidFill>
                     <a:srgbClr val="EA1B22"/>
                   </a:solidFill>
@@ -5023,7 +5030,7 @@
                 </a:lnSpc>
               </a:pPr>
               <a:r>
-                <a:rPr lang="en-US" sz="1173">
+                <a:rPr lang="en-US" sz="1173" dirty="0">
                   <a:solidFill>
                     <a:srgbClr val="2196F3"/>
                   </a:solidFill>
@@ -5045,7 +5052,7 @@
                 </a:spcBef>
               </a:pPr>
               <a:r>
-                <a:rPr lang="en-US" sz="1173">
+                <a:rPr lang="en-US" sz="1173" dirty="0">
                   <a:solidFill>
                     <a:srgbClr val="100F0D"/>
                   </a:solidFill>
@@ -5057,7 +5064,7 @@
                 <a:t>Vi</a:t>
               </a:r>
               <a:r>
-                <a:rPr lang="en-US" sz="1173">
+                <a:rPr lang="en-US" sz="1173" dirty="0">
                   <a:solidFill>
                     <a:srgbClr val="B3B3B2"/>
                   </a:solidFill>
@@ -5069,7 +5076,7 @@
                 <a:t>suali</a:t>
               </a:r>
               <a:r>
-                <a:rPr lang="en-US" sz="1173">
+                <a:rPr lang="en-US" sz="1173" dirty="0">
                   <a:solidFill>
                     <a:srgbClr val="100F0D"/>
                   </a:solidFill>
@@ -5081,7 +5088,7 @@
                 <a:t>z</a:t>
               </a:r>
               <a:r>
-                <a:rPr lang="en-US" sz="1173">
+                <a:rPr lang="en-US" sz="1173" dirty="0">
                   <a:solidFill>
                     <a:srgbClr val="B3B3B2"/>
                   </a:solidFill>
@@ -5156,8 +5163,8 @@
         </p:nvGrpSpPr>
         <p:grpSpPr>
           <a:xfrm>
-            <a:off x="11544848" y="3913968"/>
-            <a:ext cx="3659229" cy="4468192"/>
+            <a:off x="11590333" y="4094840"/>
+            <a:ext cx="3659229" cy="3587441"/>
             <a:chOff x="0" y="0"/>
             <a:chExt cx="1062370" cy="1297233"/>
           </a:xfrm>
@@ -5271,8 +5278,8 @@
         </p:nvGrpSpPr>
         <p:grpSpPr>
           <a:xfrm>
-            <a:off x="11743954" y="4176775"/>
-            <a:ext cx="3241049" cy="3698546"/>
+            <a:off x="11788582" y="4375037"/>
+            <a:ext cx="3241049" cy="2728299"/>
             <a:chOff x="0" y="0"/>
             <a:chExt cx="659821" cy="752959"/>
           </a:xfrm>
@@ -5391,8 +5398,8 @@
         </p:nvSpPr>
         <p:spPr>
           <a:xfrm>
-            <a:off x="12134683" y="5456247"/>
-            <a:ext cx="945126" cy="1109807"/>
+            <a:off x="12225215" y="5739000"/>
+            <a:ext cx="809284" cy="868954"/>
           </a:xfrm>
           <a:custGeom>
             <a:avLst/>
@@ -5437,7 +5444,7 @@
         </p:nvSpPr>
         <p:spPr>
           <a:xfrm>
-            <a:off x="12074169" y="4398292"/>
+            <a:off x="12119654" y="4579164"/>
             <a:ext cx="533077" cy="751776"/>
           </a:xfrm>
           <a:custGeom>
@@ -5489,7 +5496,7 @@
         </p:nvGrpSpPr>
         <p:grpSpPr>
           <a:xfrm>
-            <a:off x="13514019" y="4433416"/>
+            <a:off x="13890193" y="4614288"/>
             <a:ext cx="880942" cy="716651"/>
             <a:chOff x="0" y="0"/>
             <a:chExt cx="1174590" cy="955535"/>
@@ -5597,7 +5604,7 @@
         </p:nvGrpSpPr>
         <p:grpSpPr>
           <a:xfrm>
-            <a:off x="12822192" y="4419962"/>
+            <a:off x="13152065" y="4600834"/>
             <a:ext cx="552270" cy="730106"/>
             <a:chOff x="0" y="0"/>
             <a:chExt cx="736361" cy="973474"/>
@@ -5705,8 +5712,8 @@
         </p:nvSpPr>
         <p:spPr>
           <a:xfrm>
-            <a:off x="12269811" y="6786092"/>
-            <a:ext cx="2189333" cy="613013"/>
+            <a:off x="9688629" y="7477228"/>
+            <a:ext cx="1116759" cy="580922"/>
           </a:xfrm>
           <a:custGeom>
             <a:avLst/>
@@ -5748,6 +5755,13 @@
             </a:stretch>
           </a:blipFill>
         </p:spPr>
+        <p:txBody>
+          <a:bodyPr/>
+          <a:lstStyle/>
+          <a:p>
+            <a:endParaRPr lang="pt-BR" dirty="0"/>
+          </a:p>
+        </p:txBody>
       </p:sp>
       <p:grpSp>
         <p:nvGrpSpPr>
@@ -5757,7 +5771,7 @@
         </p:nvGrpSpPr>
         <p:grpSpPr>
           <a:xfrm>
-            <a:off x="15854243" y="5117392"/>
+            <a:off x="15853508" y="4607692"/>
             <a:ext cx="2800614" cy="2211021"/>
             <a:chOff x="0" y="0"/>
             <a:chExt cx="661341" cy="778051"/>
@@ -5892,8 +5906,8 @@
         </p:nvSpPr>
         <p:spPr>
           <a:xfrm>
-            <a:off x="13226480" y="5478243"/>
-            <a:ext cx="1590941" cy="834962"/>
+            <a:off x="13408092" y="5825473"/>
+            <a:ext cx="1279650" cy="666828"/>
           </a:xfrm>
           <a:custGeom>
             <a:avLst/>
@@ -5929,6 +5943,13 @@
             </a:stretch>
           </a:blipFill>
         </p:spPr>
+        <p:txBody>
+          <a:bodyPr/>
+          <a:lstStyle/>
+          <a:p>
+            <a:endParaRPr lang="pt-BR" dirty="0"/>
+          </a:p>
+        </p:txBody>
       </p:sp>
       <p:sp>
         <p:nvSpPr>
@@ -6237,8 +6258,8 @@
         </p:nvSpPr>
         <p:spPr>
           <a:xfrm rot="-10800000">
-            <a:off x="11163086" y="5699876"/>
-            <a:ext cx="741130" cy="311275"/>
+            <a:off x="11125770" y="4351947"/>
+            <a:ext cx="375982" cy="113273"/>
           </a:xfrm>
           <a:custGeom>
             <a:avLst/>
@@ -6341,8 +6362,8 @@
         </p:nvSpPr>
         <p:spPr>
           <a:xfrm>
-            <a:off x="19310892" y="8117016"/>
-            <a:ext cx="1188467" cy="745239"/>
+            <a:off x="19394807" y="8058150"/>
+            <a:ext cx="969643" cy="697301"/>
           </a:xfrm>
           <a:custGeom>
             <a:avLst/>
@@ -6393,8 +6414,8 @@
         </p:nvSpPr>
         <p:spPr>
           <a:xfrm>
-            <a:off x="7445254" y="10412783"/>
-            <a:ext cx="1121362" cy="735555"/>
+            <a:off x="7410450" y="10191750"/>
+            <a:ext cx="741130" cy="562398"/>
           </a:xfrm>
           <a:custGeom>
             <a:avLst/>
@@ -6656,7 +6677,7 @@
         </p:nvSpPr>
         <p:spPr>
           <a:xfrm>
-            <a:off x="9544315" y="4893407"/>
+            <a:off x="9468550" y="3554483"/>
             <a:ext cx="1177928" cy="550557"/>
           </a:xfrm>
           <a:prstGeom prst="rect">
@@ -6760,7 +6781,7 @@
               </a:lnSpc>
             </a:pPr>
             <a:r>
-              <a:rPr lang="en-US" sz="846">
+              <a:rPr lang="en-US" sz="846" dirty="0">
                 <a:solidFill>
                   <a:srgbClr val="000000"/>
                 </a:solidFill>
@@ -6779,7 +6800,7 @@
               </a:lnSpc>
             </a:pPr>
             <a:r>
-              <a:rPr lang="en-US" sz="846">
+              <a:rPr lang="en-US" sz="846" dirty="0">
                 <a:solidFill>
                   <a:srgbClr val="2196F3"/>
                 </a:solidFill>
@@ -6791,7 +6812,7 @@
               <a:t>a</a:t>
             </a:r>
             <a:r>
-              <a:rPr lang="en-US" sz="846">
+              <a:rPr lang="en-US" sz="846" dirty="0">
                 <a:solidFill>
                   <a:srgbClr val="000000"/>
                 </a:solidFill>
@@ -6803,7 +6824,7 @@
               <a:t>cqu</a:t>
             </a:r>
             <a:r>
-              <a:rPr lang="en-US" sz="846">
+              <a:rPr lang="en-US" sz="846" dirty="0">
                 <a:solidFill>
                   <a:srgbClr val="2196F3"/>
                 </a:solidFill>
@@ -6815,7 +6836,7 @@
               <a:t>i</a:t>
             </a:r>
             <a:r>
-              <a:rPr lang="en-US" sz="846">
+              <a:rPr lang="en-US" sz="846" dirty="0">
                 <a:solidFill>
                   <a:srgbClr val="ACABAA"/>
                 </a:solidFill>
@@ -6834,7 +6855,7 @@
               </a:lnSpc>
             </a:pPr>
             <a:r>
-              <a:rPr lang="en-US" sz="846">
+              <a:rPr lang="en-US" sz="846" dirty="0">
                 <a:solidFill>
                   <a:srgbClr val="ACABAA"/>
                 </a:solidFill>
@@ -6846,7 +6867,7 @@
               <a:t>ardu</a:t>
             </a:r>
             <a:r>
-              <a:rPr lang="en-US" sz="846">
+              <a:rPr lang="en-US" sz="846" dirty="0">
                 <a:solidFill>
                   <a:srgbClr val="2196F3"/>
                 </a:solidFill>
@@ -6858,7 +6879,7 @@
               <a:t>i</a:t>
             </a:r>
             <a:r>
-              <a:rPr lang="en-US" sz="846">
+              <a:rPr lang="en-US" sz="846" dirty="0">
                 <a:solidFill>
                   <a:srgbClr val="100F0D"/>
                 </a:solidFill>
@@ -6880,7 +6901,7 @@
               </a:spcBef>
             </a:pPr>
             <a:r>
-              <a:rPr lang="en-US" sz="846">
+              <a:rPr lang="en-US" sz="846" dirty="0">
                 <a:solidFill>
                   <a:srgbClr val="EE1B24"/>
                 </a:solidFill>
@@ -6902,10 +6923,10 @@
         </p:nvGrpSpPr>
         <p:grpSpPr>
           <a:xfrm>
-            <a:off x="16234366" y="5802470"/>
-            <a:ext cx="1947397" cy="802849"/>
-            <a:chOff x="0" y="0"/>
-            <a:chExt cx="2596529" cy="1070465"/>
+            <a:off x="16325850" y="5202663"/>
+            <a:ext cx="1947399" cy="874287"/>
+            <a:chOff x="121979" y="-799742"/>
+            <a:chExt cx="2596530" cy="1165716"/>
           </a:xfrm>
         </p:grpSpPr>
         <p:sp>
@@ -6916,8 +6937,8 @@
           </p:nvSpPr>
           <p:spPr>
             <a:xfrm>
-              <a:off x="0" y="14156"/>
-              <a:ext cx="962054" cy="962054"/>
+              <a:off x="121979" y="-690335"/>
+              <a:ext cx="962053" cy="962055"/>
             </a:xfrm>
             <a:custGeom>
               <a:avLst/>
@@ -6968,8 +6989,8 @@
           </p:nvSpPr>
           <p:spPr>
             <a:xfrm>
-              <a:off x="1131547" y="-95250"/>
-              <a:ext cx="1464982" cy="1165715"/>
+              <a:off x="1253526" y="-799742"/>
+              <a:ext cx="1464983" cy="1165716"/>
             </a:xfrm>
             <a:prstGeom prst="rect">
               <a:avLst/>
@@ -6990,7 +7011,7 @@
                 </a:spcBef>
               </a:pPr>
               <a:r>
-                <a:rPr lang="en-US" sz="5285">
+                <a:rPr lang="en-US" sz="5285" dirty="0">
                   <a:solidFill>
                     <a:srgbClr val="464745"/>
                   </a:solidFill>
@@ -7057,7 +7078,7 @@
         </p:nvSpPr>
         <p:spPr>
           <a:xfrm>
-            <a:off x="11990492" y="7862769"/>
+            <a:off x="12048248" y="7159305"/>
             <a:ext cx="2623388" cy="405942"/>
           </a:xfrm>
           <a:prstGeom prst="rect">
@@ -7079,7 +7100,7 @@
               </a:spcBef>
             </a:pPr>
             <a:r>
-              <a:rPr lang="en-US" sz="2390">
+              <a:rPr lang="en-US" sz="2390" dirty="0">
                 <a:solidFill>
                   <a:srgbClr val="000000"/>
                 </a:solidFill>
@@ -7123,7 +7144,7 @@
               </a:spcBef>
             </a:pPr>
             <a:r>
-              <a:rPr lang="en-US" sz="3337" dirty="0" err="1">
+              <a:rPr lang="en-US" sz="3337" dirty="0">
                 <a:solidFill>
                   <a:srgbClr val="000000"/>
                 </a:solidFill>
@@ -7134,15 +7155,6 @@
               </a:rPr>
               <a:t>Cliente</a:t>
             </a:r>
-            <a:endParaRPr lang="en-US" sz="3337" dirty="0">
-              <a:solidFill>
-                <a:srgbClr val="000000"/>
-              </a:solidFill>
-              <a:latin typeface="Open Sans"/>
-              <a:ea typeface="Open Sans"/>
-              <a:cs typeface="Open Sans"/>
-              <a:sym typeface="Open Sans"/>
-            </a:endParaRPr>
           </a:p>
         </p:txBody>
       </p:sp>
@@ -7176,7 +7188,7 @@
               </a:spcBef>
             </a:pPr>
             <a:r>
-              <a:rPr lang="en-US" sz="1372" b="1" dirty="0" err="1">
+              <a:rPr lang="en-US" sz="1372" b="1" dirty="0">
                 <a:solidFill>
                   <a:srgbClr val="000000"/>
                 </a:solidFill>
@@ -7187,15 +7199,6 @@
               </a:rPr>
               <a:t>Reservatório</a:t>
             </a:r>
-            <a:endParaRPr lang="en-US" sz="1372" b="1" dirty="0">
-              <a:solidFill>
-                <a:srgbClr val="000000"/>
-              </a:solidFill>
-              <a:latin typeface="Open Sans Bold"/>
-              <a:ea typeface="Open Sans Bold"/>
-              <a:cs typeface="Open Sans Bold"/>
-              <a:sym typeface="Open Sans Bold"/>
-            </a:endParaRPr>
           </a:p>
         </p:txBody>
       </p:sp>
@@ -7244,17 +7247,19 @@
               </a:ext>
             </a:extLst>
           </p:cNvPr>
-          <p:cNvCxnSpPr/>
+          <p:cNvCxnSpPr>
+            <a:cxnSpLocks/>
+          </p:cNvCxnSpPr>
           <p:nvPr/>
         </p:nvCxnSpPr>
         <p:spPr>
           <a:xfrm rot="10800000" flipV="1">
-            <a:off x="13954490" y="7399104"/>
-            <a:ext cx="3148842" cy="983055"/>
+            <a:off x="15227880" y="6818713"/>
+            <a:ext cx="2292200" cy="583576"/>
           </a:xfrm>
           <a:prstGeom prst="bentConnector3">
             <a:avLst>
-              <a:gd name="adj1" fmla="val -528"/>
+              <a:gd name="adj1" fmla="val 11704"/>
             </a:avLst>
           </a:prstGeom>
         </p:spPr>
@@ -7287,7 +7292,7 @@
         </p:nvSpPr>
         <p:spPr>
           <a:xfrm>
-            <a:off x="16408391" y="4326429"/>
+            <a:off x="16395072" y="3943350"/>
             <a:ext cx="1710869" cy="562526"/>
           </a:xfrm>
           <a:prstGeom prst="rect">
@@ -7309,7 +7314,7 @@
               </a:spcBef>
             </a:pPr>
             <a:r>
-              <a:rPr lang="en-US" sz="3337" dirty="0" err="1">
+              <a:rPr lang="en-US" sz="3337" dirty="0">
                 <a:solidFill>
                   <a:srgbClr val="000000"/>
                 </a:solidFill>
@@ -7320,15 +7325,6 @@
               </a:rPr>
               <a:t>Suporte</a:t>
             </a:r>
-            <a:endParaRPr lang="en-US" sz="3337" dirty="0">
-              <a:solidFill>
-                <a:srgbClr val="000000"/>
-              </a:solidFill>
-              <a:latin typeface="Open Sans"/>
-              <a:ea typeface="Open Sans"/>
-              <a:cs typeface="Open Sans"/>
-              <a:sym typeface="Open Sans"/>
-            </a:endParaRPr>
           </a:p>
         </p:txBody>
       </p:sp>
@@ -7365,18 +7361,6 @@
               </a:lnSpc>
             </a:pPr>
             <a:r>
-              <a:rPr lang="en-US" sz="1574" b="1" dirty="0" err="1">
-                <a:solidFill>
-                  <a:srgbClr val="000000"/>
-                </a:solidFill>
-                <a:latin typeface="Open Sans Bold"/>
-                <a:ea typeface="Open Sans Bold"/>
-                <a:cs typeface="Open Sans Bold"/>
-                <a:sym typeface="Open Sans Bold"/>
-              </a:rPr>
-              <a:t>Máquina</a:t>
-            </a:r>
-            <a:r>
               <a:rPr lang="en-US" sz="1574" b="1" dirty="0">
                 <a:solidFill>
                   <a:srgbClr val="000000"/>
@@ -7386,10 +7370,425 @@
                 <a:cs typeface="Open Sans Bold"/>
                 <a:sym typeface="Open Sans Bold"/>
               </a:rPr>
-              <a:t> Virtual</a:t>
+              <a:t>Máquina Virtual</a:t>
             </a:r>
           </a:p>
         </p:txBody>
+      </p:sp>
+      <p:sp>
+        <p:nvSpPr>
+          <p:cNvPr id="103" name="TextBox 93">
+            <a:extLst>
+              <a:ext uri="{FF2B5EF4-FFF2-40B4-BE49-F238E27FC236}">
+                <a16:creationId xmlns:a16="http://schemas.microsoft.com/office/drawing/2014/main" id="{D7B99AFE-3575-47DA-AA3D-31525BBA56B6}"/>
+              </a:ext>
+            </a:extLst>
+          </p:cNvPr>
+          <p:cNvSpPr txBox="1"/>
+          <p:nvPr/>
+        </p:nvSpPr>
+        <p:spPr>
+          <a:xfrm>
+            <a:off x="9522423" y="6229350"/>
+            <a:ext cx="2002827" cy="471531"/>
+          </a:xfrm>
+          <a:prstGeom prst="rect">
+            <a:avLst/>
+          </a:prstGeom>
+        </p:spPr>
+        <p:txBody>
+          <a:bodyPr wrap="square" lIns="0" tIns="0" rIns="0" bIns="0" rtlCol="0" anchor="t">
+            <a:spAutoFit/>
+          </a:bodyPr>
+          <a:lstStyle/>
+          <a:p>
+            <a:pPr algn="ctr">
+              <a:lnSpc>
+                <a:spcPts val="4672"/>
+              </a:lnSpc>
+              <a:spcBef>
+                <a:spcPct val="0"/>
+              </a:spcBef>
+            </a:pPr>
+            <a:r>
+              <a:rPr lang="en-US" dirty="0">
+                <a:solidFill>
+                  <a:srgbClr val="000000"/>
+                </a:solidFill>
+                <a:latin typeface="Open Sans"/>
+                <a:ea typeface="Open Sans"/>
+                <a:cs typeface="Open Sans"/>
+                <a:sym typeface="Open Sans"/>
+              </a:rPr>
+              <a:t>Api Clima</a:t>
+            </a:r>
+          </a:p>
+        </p:txBody>
+      </p:sp>
+      <p:sp>
+        <p:nvSpPr>
+          <p:cNvPr id="104" name="Freeform 75">
+            <a:extLst>
+              <a:ext uri="{FF2B5EF4-FFF2-40B4-BE49-F238E27FC236}">
+                <a16:creationId xmlns:a16="http://schemas.microsoft.com/office/drawing/2014/main" id="{1795DF26-25FD-431A-9A4D-46745C9C879D}"/>
+              </a:ext>
+            </a:extLst>
+          </p:cNvPr>
+          <p:cNvSpPr/>
+          <p:nvPr/>
+        </p:nvSpPr>
+        <p:spPr>
+          <a:xfrm rot="16200000">
+            <a:off x="9850758" y="5811795"/>
+            <a:ext cx="514010" cy="129921"/>
+          </a:xfrm>
+          <a:custGeom>
+            <a:avLst/>
+            <a:gdLst/>
+            <a:ahLst/>
+            <a:cxnLst/>
+            <a:rect l="l" t="t" r="r" b="b"/>
+            <a:pathLst>
+              <a:path w="741130" h="311275">
+                <a:moveTo>
+                  <a:pt x="0" y="0"/>
+                </a:moveTo>
+                <a:lnTo>
+                  <a:pt x="741130" y="0"/>
+                </a:lnTo>
+                <a:lnTo>
+                  <a:pt x="741130" y="311275"/>
+                </a:lnTo>
+                <a:lnTo>
+                  <a:pt x="0" y="311275"/>
+                </a:lnTo>
+                <a:lnTo>
+                  <a:pt x="0" y="0"/>
+                </a:lnTo>
+                <a:close/>
+              </a:path>
+            </a:pathLst>
+          </a:custGeom>
+          <a:blipFill>
+            <a:blip r:embed="rId33">
+              <a:extLst>
+                <a:ext uri="{96DAC541-7B7A-43D3-8B79-37D633B846F1}">
+                  <asvg:svgBlip xmlns:asvg="http://schemas.microsoft.com/office/drawing/2016/SVG/main" r:embed="rId34"/>
+                </a:ext>
+              </a:extLst>
+            </a:blip>
+            <a:stretch>
+              <a:fillRect/>
+            </a:stretch>
+          </a:blipFill>
+        </p:spPr>
+      </p:sp>
+      <p:sp>
+        <p:nvSpPr>
+          <p:cNvPr id="108" name="Retângulo: Cantos Arredondados 107">
+            <a:extLst>
+              <a:ext uri="{FF2B5EF4-FFF2-40B4-BE49-F238E27FC236}">
+                <a16:creationId xmlns:a16="http://schemas.microsoft.com/office/drawing/2014/main" id="{B9E892F0-199D-4A70-9682-528251596E9B}"/>
+              </a:ext>
+            </a:extLst>
+          </p:cNvPr>
+          <p:cNvSpPr/>
+          <p:nvPr/>
+        </p:nvSpPr>
+        <p:spPr>
+          <a:xfrm>
+            <a:off x="9265084" y="7097367"/>
+            <a:ext cx="1892983" cy="1628224"/>
+          </a:xfrm>
+          <a:prstGeom prst="roundRect">
+            <a:avLst/>
+          </a:prstGeom>
+          <a:noFill/>
+          <a:ln>
+            <a:prstDash val="dash"/>
+          </a:ln>
+        </p:spPr>
+        <p:style>
+          <a:lnRef idx="2">
+            <a:schemeClr val="accent1">
+              <a:shade val="50000"/>
+            </a:schemeClr>
+          </a:lnRef>
+          <a:fillRef idx="1">
+            <a:schemeClr val="accent1"/>
+          </a:fillRef>
+          <a:effectRef idx="0">
+            <a:schemeClr val="accent1"/>
+          </a:effectRef>
+          <a:fontRef idx="minor">
+            <a:schemeClr val="lt1"/>
+          </a:fontRef>
+        </p:style>
+        <p:txBody>
+          <a:bodyPr rtlCol="0" anchor="ctr"/>
+          <a:lstStyle/>
+          <a:p>
+            <a:pPr algn="ctr"/>
+            <a:endParaRPr lang="pt-BR" dirty="0"/>
+          </a:p>
+        </p:txBody>
+      </p:sp>
+      <p:sp>
+        <p:nvSpPr>
+          <p:cNvPr id="111" name="TextBox 93">
+            <a:extLst>
+              <a:ext uri="{FF2B5EF4-FFF2-40B4-BE49-F238E27FC236}">
+                <a16:creationId xmlns:a16="http://schemas.microsoft.com/office/drawing/2014/main" id="{857A3E5C-BF8C-4E7F-8680-7B353ABD52F3}"/>
+              </a:ext>
+            </a:extLst>
+          </p:cNvPr>
+          <p:cNvSpPr txBox="1"/>
+          <p:nvPr/>
+        </p:nvSpPr>
+        <p:spPr>
+          <a:xfrm>
+            <a:off x="9838176" y="6492301"/>
+            <a:ext cx="1687074" cy="505075"/>
+          </a:xfrm>
+          <a:prstGeom prst="rect">
+            <a:avLst/>
+          </a:prstGeom>
+        </p:spPr>
+        <p:txBody>
+          <a:bodyPr wrap="square" lIns="0" tIns="0" rIns="0" bIns="0" rtlCol="0" anchor="t">
+            <a:spAutoFit/>
+          </a:bodyPr>
+          <a:lstStyle/>
+          <a:p>
+            <a:pPr algn="ctr">
+              <a:lnSpc>
+                <a:spcPts val="4672"/>
+              </a:lnSpc>
+              <a:spcBef>
+                <a:spcPct val="0"/>
+              </a:spcBef>
+            </a:pPr>
+            <a:r>
+              <a:rPr lang="en-US" sz="1600" b="1" dirty="0">
+                <a:solidFill>
+                  <a:srgbClr val="000000"/>
+                </a:solidFill>
+                <a:latin typeface="Open Sans"/>
+                <a:ea typeface="Open Sans"/>
+                <a:cs typeface="Open Sans"/>
+                <a:sym typeface="Open Sans"/>
+              </a:rPr>
+              <a:t>H G WEATHER</a:t>
+            </a:r>
+            <a:endParaRPr lang="en-US" sz="1200" b="1" dirty="0">
+              <a:solidFill>
+                <a:srgbClr val="000000"/>
+              </a:solidFill>
+              <a:latin typeface="Open Sans"/>
+              <a:ea typeface="Open Sans"/>
+              <a:cs typeface="Open Sans"/>
+              <a:sym typeface="Open Sans"/>
+            </a:endParaRPr>
+          </a:p>
+        </p:txBody>
+      </p:sp>
+      <p:grpSp>
+        <p:nvGrpSpPr>
+          <p:cNvPr id="120" name="Group 31">
+            <a:extLst>
+              <a:ext uri="{FF2B5EF4-FFF2-40B4-BE49-F238E27FC236}">
+                <a16:creationId xmlns:a16="http://schemas.microsoft.com/office/drawing/2014/main" id="{8BF383A8-CEE7-4669-926A-FF36413DDADC}"/>
+              </a:ext>
+            </a:extLst>
+          </p:cNvPr>
+          <p:cNvGrpSpPr/>
+          <p:nvPr/>
+        </p:nvGrpSpPr>
+        <p:grpSpPr>
+          <a:xfrm>
+            <a:off x="9391650" y="7058575"/>
+            <a:ext cx="3226624" cy="1503620"/>
+            <a:chOff x="-695977" y="-38100"/>
+            <a:chExt cx="1425198" cy="829135"/>
+          </a:xfrm>
+        </p:grpSpPr>
+        <p:sp>
+          <p:nvSpPr>
+            <p:cNvPr id="121" name="Freeform 32">
+              <a:extLst>
+                <a:ext uri="{FF2B5EF4-FFF2-40B4-BE49-F238E27FC236}">
+                  <a16:creationId xmlns:a16="http://schemas.microsoft.com/office/drawing/2014/main" id="{23EA32D5-6E48-4C1B-8C87-807892D32295}"/>
+                </a:ext>
+              </a:extLst>
+            </p:cNvPr>
+            <p:cNvSpPr/>
+            <p:nvPr/>
+          </p:nvSpPr>
+          <p:spPr>
+            <a:xfrm>
+              <a:off x="-695977" y="50886"/>
+              <a:ext cx="729221" cy="740149"/>
+            </a:xfrm>
+            <a:custGeom>
+              <a:avLst/>
+              <a:gdLst/>
+              <a:ahLst/>
+              <a:cxnLst/>
+              <a:rect l="l" t="t" r="r" b="b"/>
+              <a:pathLst>
+                <a:path w="729221" h="740149">
+                  <a:moveTo>
+                    <a:pt x="50141" y="0"/>
+                  </a:moveTo>
+                  <a:lnTo>
+                    <a:pt x="679080" y="0"/>
+                  </a:lnTo>
+                  <a:cubicBezTo>
+                    <a:pt x="706772" y="0"/>
+                    <a:pt x="729221" y="22449"/>
+                    <a:pt x="729221" y="50141"/>
+                  </a:cubicBezTo>
+                  <a:lnTo>
+                    <a:pt x="729221" y="690008"/>
+                  </a:lnTo>
+                  <a:cubicBezTo>
+                    <a:pt x="729221" y="717700"/>
+                    <a:pt x="706772" y="740149"/>
+                    <a:pt x="679080" y="740149"/>
+                  </a:cubicBezTo>
+                  <a:lnTo>
+                    <a:pt x="50141" y="740149"/>
+                  </a:lnTo>
+                  <a:cubicBezTo>
+                    <a:pt x="22449" y="740149"/>
+                    <a:pt x="0" y="717700"/>
+                    <a:pt x="0" y="690008"/>
+                  </a:cubicBezTo>
+                  <a:lnTo>
+                    <a:pt x="0" y="50141"/>
+                  </a:lnTo>
+                  <a:cubicBezTo>
+                    <a:pt x="0" y="22449"/>
+                    <a:pt x="22449" y="0"/>
+                    <a:pt x="50141" y="0"/>
+                  </a:cubicBezTo>
+                  <a:close/>
+                </a:path>
+              </a:pathLst>
+            </a:custGeom>
+            <a:solidFill>
+              <a:srgbClr val="000000">
+                <a:alpha val="0"/>
+              </a:srgbClr>
+            </a:solidFill>
+            <a:ln w="38100" cap="sq">
+              <a:solidFill>
+                <a:srgbClr val="000000"/>
+              </a:solidFill>
+              <a:prstDash val="solid"/>
+              <a:miter/>
+            </a:ln>
+          </p:spPr>
+          <p:txBody>
+            <a:bodyPr/>
+            <a:lstStyle/>
+            <a:p>
+              <a:endParaRPr lang="pt-BR" dirty="0"/>
+            </a:p>
+          </p:txBody>
+        </p:sp>
+        <p:sp>
+          <p:nvSpPr>
+            <p:cNvPr id="122" name="TextBox 33">
+              <a:extLst>
+                <a:ext uri="{FF2B5EF4-FFF2-40B4-BE49-F238E27FC236}">
+                  <a16:creationId xmlns:a16="http://schemas.microsoft.com/office/drawing/2014/main" id="{13D1FD58-8258-42AB-AE9E-0FA4461B2230}"/>
+                </a:ext>
+              </a:extLst>
+            </p:cNvPr>
+            <p:cNvSpPr txBox="1"/>
+            <p:nvPr/>
+          </p:nvSpPr>
+          <p:spPr>
+            <a:xfrm>
+              <a:off x="0" y="-38100"/>
+              <a:ext cx="729221" cy="778249"/>
+            </a:xfrm>
+            <a:prstGeom prst="rect">
+              <a:avLst/>
+            </a:prstGeom>
+          </p:spPr>
+          <p:txBody>
+            <a:bodyPr lIns="56658" tIns="56658" rIns="56658" bIns="56658" rtlCol="0" anchor="ctr"/>
+            <a:lstStyle/>
+            <a:p>
+              <a:pPr algn="ctr">
+                <a:lnSpc>
+                  <a:spcPts val="2966"/>
+                </a:lnSpc>
+              </a:pPr>
+              <a:endParaRPr/>
+            </a:p>
+          </p:txBody>
+        </p:sp>
+      </p:grpSp>
+      <p:sp>
+        <p:nvSpPr>
+          <p:cNvPr id="112" name="Freeform 48">
+            <a:extLst>
+              <a:ext uri="{FF2B5EF4-FFF2-40B4-BE49-F238E27FC236}">
+                <a16:creationId xmlns:a16="http://schemas.microsoft.com/office/drawing/2014/main" id="{F06BDBC1-D6BA-4D64-9988-A028AF68E687}"/>
+              </a:ext>
+            </a:extLst>
+          </p:cNvPr>
+          <p:cNvSpPr/>
+          <p:nvPr/>
+        </p:nvSpPr>
+        <p:spPr>
+          <a:xfrm>
+            <a:off x="9384093" y="6446443"/>
+            <a:ext cx="559584" cy="579130"/>
+          </a:xfrm>
+          <a:custGeom>
+            <a:avLst/>
+            <a:gdLst/>
+            <a:ahLst/>
+            <a:cxnLst/>
+            <a:rect l="l" t="t" r="r" b="b"/>
+            <a:pathLst>
+              <a:path w="559584" h="579130">
+                <a:moveTo>
+                  <a:pt x="0" y="0"/>
+                </a:moveTo>
+                <a:lnTo>
+                  <a:pt x="559584" y="0"/>
+                </a:lnTo>
+                <a:lnTo>
+                  <a:pt x="559584" y="579130"/>
+                </a:lnTo>
+                <a:lnTo>
+                  <a:pt x="0" y="579130"/>
+                </a:lnTo>
+                <a:lnTo>
+                  <a:pt x="0" y="0"/>
+                </a:lnTo>
+                <a:close/>
+              </a:path>
+            </a:pathLst>
+          </a:custGeom>
+          <a:blipFill>
+            <a:blip r:embed="rId23">
+              <a:extLst>
+                <a:ext uri="{96DAC541-7B7A-43D3-8B79-37D633B846F1}">
+                  <asvg:svgBlip xmlns:asvg="http://schemas.microsoft.com/office/drawing/2016/SVG/main" r:embed="rId24"/>
+                </a:ext>
+              </a:extLst>
+            </a:blip>
+            <a:stretch>
+              <a:fillRect/>
+            </a:stretch>
+          </a:blipFill>
+        </p:spPr>
       </p:sp>
     </p:spTree>
   </p:cSld>

--- a/Documentacao/Sprint 3/Diagramas/Diagrama de solução - Suporte-Cliente.pptx
+++ b/Documentacao/Sprint 3/Diagramas/Diagrama de solução - Suporte-Cliente.pptx
@@ -32,10 +32,11 @@
     <p:embeddedFont>
       <p:font typeface="Open Sans" panose="020B0606030504020204" pitchFamily="34" charset="0"/>
       <p:regular r:id="rId10"/>
+      <p:bold r:id="rId11"/>
     </p:embeddedFont>
     <p:embeddedFont>
       <p:font typeface="Open Sans Bold" panose="020B0806030504020204" charset="0"/>
-      <p:regular r:id="rId11"/>
+      <p:regular r:id="rId12"/>
     </p:embeddedFont>
   </p:embeddedFontLst>
   <p:defaultTextStyle>
@@ -3228,8 +3229,8 @@
         </p:nvGrpSpPr>
         <p:grpSpPr>
           <a:xfrm>
-            <a:off x="8286206" y="99039"/>
-            <a:ext cx="10874952" cy="10012631"/>
+            <a:off x="8096250" y="57150"/>
+            <a:ext cx="10874952" cy="9784031"/>
             <a:chOff x="-4776" y="-38100"/>
             <a:chExt cx="2520196" cy="2364398"/>
           </a:xfrm>
@@ -3537,7 +3538,7 @@
         </p:nvSpPr>
         <p:spPr>
           <a:xfrm>
-            <a:off x="1932643" y="1387488"/>
+            <a:off x="2645648" y="1387488"/>
             <a:ext cx="802402" cy="547093"/>
           </a:xfrm>
           <a:custGeom>
@@ -3589,7 +3590,7 @@
         </p:nvSpPr>
         <p:spPr>
           <a:xfrm rot="-1500387">
-            <a:off x="1603192" y="1903068"/>
+            <a:off x="2301559" y="1903068"/>
             <a:ext cx="1453812" cy="1392025"/>
           </a:xfrm>
           <a:custGeom>
@@ -3621,110 +3622,6 @@
           </a:custGeom>
           <a:blipFill>
             <a:blip r:embed="rId6"/>
-            <a:stretch>
-              <a:fillRect/>
-            </a:stretch>
-          </a:blipFill>
-        </p:spPr>
-      </p:sp>
-      <p:sp>
-        <p:nvSpPr>
-          <p:cNvPr id="14" name="Freeform 14"/>
-          <p:cNvSpPr/>
-          <p:nvPr/>
-        </p:nvSpPr>
-        <p:spPr>
-          <a:xfrm>
-            <a:off x="4938867" y="1108924"/>
-            <a:ext cx="1019791" cy="637369"/>
-          </a:xfrm>
-          <a:custGeom>
-            <a:avLst/>
-            <a:gdLst/>
-            <a:ahLst/>
-            <a:cxnLst/>
-            <a:rect l="l" t="t" r="r" b="b"/>
-            <a:pathLst>
-              <a:path w="1019791" h="637369">
-                <a:moveTo>
-                  <a:pt x="0" y="0"/>
-                </a:moveTo>
-                <a:lnTo>
-                  <a:pt x="1019791" y="0"/>
-                </a:lnTo>
-                <a:lnTo>
-                  <a:pt x="1019791" y="637369"/>
-                </a:lnTo>
-                <a:lnTo>
-                  <a:pt x="0" y="637369"/>
-                </a:lnTo>
-                <a:lnTo>
-                  <a:pt x="0" y="0"/>
-                </a:lnTo>
-                <a:close/>
-              </a:path>
-            </a:pathLst>
-          </a:custGeom>
-          <a:blipFill>
-            <a:blip r:embed="rId7">
-              <a:extLst>
-                <a:ext uri="{96DAC541-7B7A-43D3-8B79-37D633B846F1}">
-                  <asvg:svgBlip xmlns:asvg="http://schemas.microsoft.com/office/drawing/2016/SVG/main" r:embed="rId8"/>
-                </a:ext>
-              </a:extLst>
-            </a:blip>
-            <a:stretch>
-              <a:fillRect/>
-            </a:stretch>
-          </a:blipFill>
-        </p:spPr>
-      </p:sp>
-      <p:sp>
-        <p:nvSpPr>
-          <p:cNvPr id="15" name="Freeform 15"/>
-          <p:cNvSpPr/>
-          <p:nvPr/>
-        </p:nvSpPr>
-        <p:spPr>
-          <a:xfrm rot="5400000">
-            <a:off x="5210692" y="1525875"/>
-            <a:ext cx="476141" cy="817409"/>
-          </a:xfrm>
-          <a:custGeom>
-            <a:avLst/>
-            <a:gdLst/>
-            <a:ahLst/>
-            <a:cxnLst/>
-            <a:rect l="l" t="t" r="r" b="b"/>
-            <a:pathLst>
-              <a:path w="476141" h="817409">
-                <a:moveTo>
-                  <a:pt x="0" y="0"/>
-                </a:moveTo>
-                <a:lnTo>
-                  <a:pt x="476141" y="0"/>
-                </a:lnTo>
-                <a:lnTo>
-                  <a:pt x="476141" y="817410"/>
-                </a:lnTo>
-                <a:lnTo>
-                  <a:pt x="0" y="817410"/>
-                </a:lnTo>
-                <a:lnTo>
-                  <a:pt x="0" y="0"/>
-                </a:lnTo>
-                <a:close/>
-              </a:path>
-            </a:pathLst>
-          </a:custGeom>
-          <a:blipFill>
-            <a:blip r:embed="rId9">
-              <a:extLst>
-                <a:ext uri="{96DAC541-7B7A-43D3-8B79-37D633B846F1}">
-                  <asvg:svgBlip xmlns:asvg="http://schemas.microsoft.com/office/drawing/2016/SVG/main" r:embed="rId10"/>
-                </a:ext>
-              </a:extLst>
-            </a:blip>
             <a:stretch>
               <a:fillRect/>
             </a:stretch>
@@ -3784,7 +3681,7 @@
               </a:pathLst>
             </a:custGeom>
             <a:blipFill>
-              <a:blip r:embed="rId11"/>
+              <a:blip r:embed="rId7"/>
               <a:stretch>
                 <a:fillRect/>
               </a:stretch>
@@ -3830,10 +3727,10 @@
               </a:pathLst>
             </a:custGeom>
             <a:blipFill>
-              <a:blip r:embed="rId12">
+              <a:blip r:embed="rId8">
                 <a:extLst>
                   <a:ext uri="{96DAC541-7B7A-43D3-8B79-37D633B846F1}">
-                    <asvg:svgBlip xmlns:asvg="http://schemas.microsoft.com/office/drawing/2016/SVG/main" r:embed="rId13"/>
+                    <asvg:svgBlip xmlns:asvg="http://schemas.microsoft.com/office/drawing/2016/SVG/main" r:embed="rId9"/>
                   </a:ext>
                 </a:extLst>
               </a:blip>
@@ -4100,10 +3997,10 @@
             </a:pathLst>
           </a:custGeom>
           <a:blipFill>
-            <a:blip r:embed="rId14">
+            <a:blip r:embed="rId10">
               <a:extLst>
                 <a:ext uri="{96DAC541-7B7A-43D3-8B79-37D633B846F1}">
-                  <asvg:svgBlip xmlns:asvg="http://schemas.microsoft.com/office/drawing/2016/SVG/main" r:embed="rId15"/>
+                  <asvg:svgBlip xmlns:asvg="http://schemas.microsoft.com/office/drawing/2016/SVG/main" r:embed="rId11"/>
                 </a:ext>
               </a:extLst>
             </a:blip>
@@ -4517,10 +4414,10 @@
             </a:pathLst>
           </a:custGeom>
           <a:blipFill>
-            <a:blip r:embed="rId16">
+            <a:blip r:embed="rId12">
               <a:extLst>
                 <a:ext uri="{96DAC541-7B7A-43D3-8B79-37D633B846F1}">
-                  <asvg:svgBlip xmlns:asvg="http://schemas.microsoft.com/office/drawing/2016/SVG/main" r:embed="rId17"/>
+                  <asvg:svgBlip xmlns:asvg="http://schemas.microsoft.com/office/drawing/2016/SVG/main" r:embed="rId13"/>
                 </a:ext>
               </a:extLst>
             </a:blip>
@@ -4569,7 +4466,7 @@
             </a:pathLst>
           </a:custGeom>
           <a:blipFill>
-            <a:blip r:embed="rId18"/>
+            <a:blip r:embed="rId14"/>
             <a:stretch>
               <a:fillRect/>
             </a:stretch>
@@ -4584,7 +4481,7 @@
         </p:nvSpPr>
         <p:spPr>
           <a:xfrm>
-            <a:off x="9955928" y="1766349"/>
+            <a:off x="10089653" y="1708249"/>
             <a:ext cx="444997" cy="406301"/>
           </a:xfrm>
           <a:custGeom>
@@ -4615,7 +4512,7 @@
             </a:pathLst>
           </a:custGeom>
           <a:blipFill>
-            <a:blip r:embed="rId19"/>
+            <a:blip r:embed="rId15"/>
             <a:stretch>
               <a:fillRect/>
             </a:stretch>
@@ -4744,174 +4641,13 @@
             </a:pathLst>
           </a:custGeom>
           <a:blipFill>
-            <a:blip r:embed="rId20">
+            <a:blip r:embed="rId16">
               <a:extLst>
                 <a:ext uri="{96DAC541-7B7A-43D3-8B79-37D633B846F1}">
-                  <asvg:svgBlip xmlns:asvg="http://schemas.microsoft.com/office/drawing/2016/SVG/main" r:embed="rId21"/>
+                  <asvg:svgBlip xmlns:asvg="http://schemas.microsoft.com/office/drawing/2016/SVG/main" r:embed="rId17"/>
                 </a:ext>
               </a:extLst>
             </a:blip>
-            <a:stretch>
-              <a:fillRect/>
-            </a:stretch>
-          </a:blipFill>
-        </p:spPr>
-      </p:sp>
-      <p:grpSp>
-        <p:nvGrpSpPr>
-          <p:cNvPr id="41" name="Group 41"/>
-          <p:cNvGrpSpPr/>
-          <p:nvPr/>
-        </p:nvGrpSpPr>
-        <p:grpSpPr>
-          <a:xfrm>
-            <a:off x="9153472" y="3416982"/>
-            <a:ext cx="1907215" cy="1831841"/>
-            <a:chOff x="0" y="0"/>
-            <a:chExt cx="672031" cy="655417"/>
-          </a:xfrm>
-        </p:grpSpPr>
-        <p:sp>
-          <p:nvSpPr>
-            <p:cNvPr id="42" name="Freeform 42"/>
-            <p:cNvSpPr/>
-            <p:nvPr/>
-          </p:nvSpPr>
-          <p:spPr>
-            <a:xfrm>
-              <a:off x="0" y="0"/>
-              <a:ext cx="672031" cy="655417"/>
-            </a:xfrm>
-            <a:custGeom>
-              <a:avLst/>
-              <a:gdLst/>
-              <a:ahLst/>
-              <a:cxnLst/>
-              <a:rect l="l" t="t" r="r" b="b"/>
-              <a:pathLst>
-                <a:path w="672031" h="655417">
-                  <a:moveTo>
-                    <a:pt x="81186" y="0"/>
-                  </a:moveTo>
-                  <a:lnTo>
-                    <a:pt x="590845" y="0"/>
-                  </a:lnTo>
-                  <a:cubicBezTo>
-                    <a:pt x="635683" y="0"/>
-                    <a:pt x="672031" y="36348"/>
-                    <a:pt x="672031" y="81186"/>
-                  </a:cubicBezTo>
-                  <a:lnTo>
-                    <a:pt x="672031" y="574231"/>
-                  </a:lnTo>
-                  <a:cubicBezTo>
-                    <a:pt x="672031" y="619069"/>
-                    <a:pt x="635683" y="655417"/>
-                    <a:pt x="590845" y="655417"/>
-                  </a:cubicBezTo>
-                  <a:lnTo>
-                    <a:pt x="81186" y="655417"/>
-                  </a:lnTo>
-                  <a:cubicBezTo>
-                    <a:pt x="36348" y="655417"/>
-                    <a:pt x="0" y="619069"/>
-                    <a:pt x="0" y="574231"/>
-                  </a:cubicBezTo>
-                  <a:lnTo>
-                    <a:pt x="0" y="81186"/>
-                  </a:lnTo>
-                  <a:cubicBezTo>
-                    <a:pt x="0" y="36348"/>
-                    <a:pt x="36348" y="0"/>
-                    <a:pt x="81186" y="0"/>
-                  </a:cubicBezTo>
-                  <a:close/>
-                </a:path>
-              </a:pathLst>
-            </a:custGeom>
-            <a:solidFill>
-              <a:srgbClr val="000000">
-                <a:alpha val="0"/>
-              </a:srgbClr>
-            </a:solidFill>
-            <a:ln w="38100" cap="sq">
-              <a:solidFill>
-                <a:srgbClr val="000000"/>
-              </a:solidFill>
-              <a:prstDash val="solid"/>
-              <a:miter/>
-            </a:ln>
-          </p:spPr>
-        </p:sp>
-        <p:sp>
-          <p:nvSpPr>
-            <p:cNvPr id="43" name="TextBox 43"/>
-            <p:cNvSpPr txBox="1"/>
-            <p:nvPr/>
-          </p:nvSpPr>
-          <p:spPr>
-            <a:xfrm>
-              <a:off x="0" y="-38100"/>
-              <a:ext cx="672031" cy="693517"/>
-            </a:xfrm>
-            <a:prstGeom prst="rect">
-              <a:avLst/>
-            </a:prstGeom>
-          </p:spPr>
-          <p:txBody>
-            <a:bodyPr lIns="51196" tIns="51196" rIns="51196" bIns="51196" rtlCol="0" anchor="ctr"/>
-            <a:lstStyle/>
-            <a:p>
-              <a:pPr algn="ctr">
-                <a:lnSpc>
-                  <a:spcPts val="2966"/>
-                </a:lnSpc>
-              </a:pPr>
-              <a:endParaRPr/>
-            </a:p>
-          </p:txBody>
-        </p:sp>
-      </p:grpSp>
-      <p:sp>
-        <p:nvSpPr>
-          <p:cNvPr id="44" name="Freeform 44"/>
-          <p:cNvSpPr/>
-          <p:nvPr/>
-        </p:nvSpPr>
-        <p:spPr>
-          <a:xfrm>
-            <a:off x="9606635" y="4208365"/>
-            <a:ext cx="942728" cy="942728"/>
-          </a:xfrm>
-          <a:custGeom>
-            <a:avLst/>
-            <a:gdLst/>
-            <a:ahLst/>
-            <a:cxnLst/>
-            <a:rect l="l" t="t" r="r" b="b"/>
-            <a:pathLst>
-              <a:path w="942728" h="942728">
-                <a:moveTo>
-                  <a:pt x="0" y="0"/>
-                </a:moveTo>
-                <a:lnTo>
-                  <a:pt x="942729" y="0"/>
-                </a:lnTo>
-                <a:lnTo>
-                  <a:pt x="942729" y="942728"/>
-                </a:lnTo>
-                <a:lnTo>
-                  <a:pt x="0" y="942728"/>
-                </a:lnTo>
-                <a:lnTo>
-                  <a:pt x="0" y="0"/>
-                </a:lnTo>
-                <a:close/>
-              </a:path>
-            </a:pathLst>
-          </a:custGeom>
-          <a:blipFill>
-            <a:blip r:embed="rId22"/>
             <a:stretch>
               <a:fillRect/>
             </a:stretch>
@@ -4971,10 +4707,10 @@
               </a:pathLst>
             </a:custGeom>
             <a:blipFill>
-              <a:blip r:embed="rId23">
+              <a:blip r:embed="rId18">
                 <a:extLst>
                   <a:ext uri="{96DAC541-7B7A-43D3-8B79-37D633B846F1}">
-                    <asvg:svgBlip xmlns:asvg="http://schemas.microsoft.com/office/drawing/2016/SVG/main" r:embed="rId24"/>
+                    <asvg:svgBlip xmlns:asvg="http://schemas.microsoft.com/office/drawing/2016/SVG/main" r:embed="rId19"/>
                   </a:ext>
                 </a:extLst>
               </a:blip>
@@ -5142,10 +4878,10 @@
             </a:pathLst>
           </a:custGeom>
           <a:blipFill>
-            <a:blip r:embed="rId23">
+            <a:blip r:embed="rId18">
               <a:extLst>
                 <a:ext uri="{96DAC541-7B7A-43D3-8B79-37D633B846F1}">
-                  <asvg:svgBlip xmlns:asvg="http://schemas.microsoft.com/office/drawing/2016/SVG/main" r:embed="rId24"/>
+                  <asvg:svgBlip xmlns:asvg="http://schemas.microsoft.com/office/drawing/2016/SVG/main" r:embed="rId19"/>
                 </a:ext>
               </a:extLst>
             </a:blip>
@@ -5429,7 +5165,7 @@
             </a:pathLst>
           </a:custGeom>
           <a:blipFill>
-            <a:blip r:embed="rId25"/>
+            <a:blip r:embed="rId20"/>
             <a:stretch>
               <a:fillRect/>
             </a:stretch>
@@ -5475,10 +5211,10 @@
             </a:pathLst>
           </a:custGeom>
           <a:blipFill>
-            <a:blip r:embed="rId26">
+            <a:blip r:embed="rId21">
               <a:extLst>
                 <a:ext uri="{96DAC541-7B7A-43D3-8B79-37D633B846F1}">
-                  <asvg:svgBlip xmlns:asvg="http://schemas.microsoft.com/office/drawing/2016/SVG/main" r:embed="rId27"/>
+                  <asvg:svgBlip xmlns:asvg="http://schemas.microsoft.com/office/drawing/2016/SVG/main" r:embed="rId22"/>
                 </a:ext>
               </a:extLst>
             </a:blip>
@@ -5582,10 +5318,10 @@
               </a:pathLst>
             </a:custGeom>
             <a:blipFill>
-              <a:blip r:embed="rId28">
+              <a:blip r:embed="rId23">
                 <a:extLst>
                   <a:ext uri="{96DAC541-7B7A-43D3-8B79-37D633B846F1}">
-                    <asvg:svgBlip xmlns:asvg="http://schemas.microsoft.com/office/drawing/2016/SVG/main" r:embed="rId29"/>
+                    <asvg:svgBlip xmlns:asvg="http://schemas.microsoft.com/office/drawing/2016/SVG/main" r:embed="rId24"/>
                   </a:ext>
                 </a:extLst>
               </a:blip>
@@ -5649,10 +5385,10 @@
               </a:pathLst>
             </a:custGeom>
             <a:blipFill>
-              <a:blip r:embed="rId30">
+              <a:blip r:embed="rId25">
                 <a:extLst>
                   <a:ext uri="{96DAC541-7B7A-43D3-8B79-37D633B846F1}">
-                    <asvg:svgBlip xmlns:asvg="http://schemas.microsoft.com/office/drawing/2016/SVG/main" r:embed="rId31"/>
+                    <asvg:svgBlip xmlns:asvg="http://schemas.microsoft.com/office/drawing/2016/SVG/main" r:embed="rId26"/>
                   </a:ext>
                 </a:extLst>
               </a:blip>
@@ -5704,65 +5440,6 @@
           </p:txBody>
         </p:sp>
       </p:grpSp>
-      <p:sp>
-        <p:nvSpPr>
-          <p:cNvPr id="63" name="Freeform 63"/>
-          <p:cNvSpPr/>
-          <p:nvPr/>
-        </p:nvSpPr>
-        <p:spPr>
-          <a:xfrm>
-            <a:off x="9688629" y="7477228"/>
-            <a:ext cx="1116759" cy="580922"/>
-          </a:xfrm>
-          <a:custGeom>
-            <a:avLst/>
-            <a:gdLst/>
-            <a:ahLst/>
-            <a:cxnLst/>
-            <a:rect l="l" t="t" r="r" b="b"/>
-            <a:pathLst>
-              <a:path w="2189333" h="613013">
-                <a:moveTo>
-                  <a:pt x="0" y="0"/>
-                </a:moveTo>
-                <a:lnTo>
-                  <a:pt x="2189334" y="0"/>
-                </a:lnTo>
-                <a:lnTo>
-                  <a:pt x="2189334" y="613013"/>
-                </a:lnTo>
-                <a:lnTo>
-                  <a:pt x="0" y="613013"/>
-                </a:lnTo>
-                <a:lnTo>
-                  <a:pt x="0" y="0"/>
-                </a:lnTo>
-                <a:close/>
-              </a:path>
-            </a:pathLst>
-          </a:custGeom>
-          <a:blipFill>
-            <a:blip r:embed="rId16">
-              <a:extLst>
-                <a:ext uri="{96DAC541-7B7A-43D3-8B79-37D633B846F1}">
-                  <asvg:svgBlip xmlns:asvg="http://schemas.microsoft.com/office/drawing/2016/SVG/main" r:embed="rId17"/>
-                </a:ext>
-              </a:extLst>
-            </a:blip>
-            <a:stretch>
-              <a:fillRect/>
-            </a:stretch>
-          </a:blipFill>
-        </p:spPr>
-        <p:txBody>
-          <a:bodyPr/>
-          <a:lstStyle/>
-          <a:p>
-            <a:endParaRPr lang="pt-BR" dirty="0"/>
-          </a:p>
-        </p:txBody>
-      </p:sp>
       <p:grpSp>
         <p:nvGrpSpPr>
           <p:cNvPr id="64" name="Group 64"/>
@@ -5937,7 +5614,7 @@
             </a:pathLst>
           </a:custGeom>
           <a:blipFill>
-            <a:blip r:embed="rId32"/>
+            <a:blip r:embed="rId27"/>
             <a:stretch>
               <a:fillRect/>
             </a:stretch>
@@ -5990,10 +5667,10 @@
             </a:pathLst>
           </a:custGeom>
           <a:blipFill>
-            <a:blip r:embed="rId33">
+            <a:blip r:embed="rId28">
               <a:extLst>
                 <a:ext uri="{96DAC541-7B7A-43D3-8B79-37D633B846F1}">
-                  <asvg:svgBlip xmlns:asvg="http://schemas.microsoft.com/office/drawing/2016/SVG/main" r:embed="rId34"/>
+                  <asvg:svgBlip xmlns:asvg="http://schemas.microsoft.com/office/drawing/2016/SVG/main" r:embed="rId29"/>
                 </a:ext>
               </a:extLst>
             </a:blip>
@@ -6056,7 +5733,7 @@
               </a:pathLst>
             </a:custGeom>
             <a:blipFill>
-              <a:blip r:embed="rId11"/>
+              <a:blip r:embed="rId7"/>
               <a:stretch>
                 <a:fillRect/>
               </a:stretch>
@@ -6102,10 +5779,10 @@
               </a:pathLst>
             </a:custGeom>
             <a:blipFill>
-              <a:blip r:embed="rId12">
+              <a:blip r:embed="rId8">
                 <a:extLst>
                   <a:ext uri="{96DAC541-7B7A-43D3-8B79-37D633B846F1}">
-                    <asvg:svgBlip xmlns:asvg="http://schemas.microsoft.com/office/drawing/2016/SVG/main" r:embed="rId13"/>
+                    <asvg:svgBlip xmlns:asvg="http://schemas.microsoft.com/office/drawing/2016/SVG/main" r:embed="rId9"/>
                   </a:ext>
                 </a:extLst>
               </a:blip>
@@ -6206,8 +5883,8 @@
         </p:nvSpPr>
         <p:spPr>
           <a:xfrm>
-            <a:off x="7351128" y="6786092"/>
-            <a:ext cx="741130" cy="311275"/>
+            <a:off x="7334250" y="6922463"/>
+            <a:ext cx="621959" cy="297487"/>
           </a:xfrm>
           <a:custGeom>
             <a:avLst/>
@@ -6237,10 +5914,10 @@
             </a:pathLst>
           </a:custGeom>
           <a:blipFill>
-            <a:blip r:embed="rId33">
+            <a:blip r:embed="rId28">
               <a:extLst>
                 <a:ext uri="{96DAC541-7B7A-43D3-8B79-37D633B846F1}">
-                  <asvg:svgBlip xmlns:asvg="http://schemas.microsoft.com/office/drawing/2016/SVG/main" r:embed="rId34"/>
+                  <asvg:svgBlip xmlns:asvg="http://schemas.microsoft.com/office/drawing/2016/SVG/main" r:embed="rId29"/>
                 </a:ext>
               </a:extLst>
             </a:blip>
@@ -6258,7 +5935,7 @@
         </p:nvSpPr>
         <p:spPr>
           <a:xfrm rot="-10800000">
-            <a:off x="11125770" y="4351947"/>
+            <a:off x="11068050" y="7110501"/>
             <a:ext cx="375982" cy="113273"/>
           </a:xfrm>
           <a:custGeom>
@@ -6289,10 +5966,10 @@
             </a:pathLst>
           </a:custGeom>
           <a:blipFill>
-            <a:blip r:embed="rId33">
+            <a:blip r:embed="rId28">
               <a:extLst>
                 <a:ext uri="{96DAC541-7B7A-43D3-8B79-37D633B846F1}">
-                  <asvg:svgBlip xmlns:asvg="http://schemas.microsoft.com/office/drawing/2016/SVG/main" r:embed="rId34"/>
+                  <asvg:svgBlip xmlns:asvg="http://schemas.microsoft.com/office/drawing/2016/SVG/main" r:embed="rId29"/>
                 </a:ext>
               </a:extLst>
             </a:blip>
@@ -6341,10 +6018,10 @@
             </a:pathLst>
           </a:custGeom>
           <a:blipFill>
-            <a:blip r:embed="rId33">
+            <a:blip r:embed="rId28">
               <a:extLst>
                 <a:ext uri="{96DAC541-7B7A-43D3-8B79-37D633B846F1}">
-                  <asvg:svgBlip xmlns:asvg="http://schemas.microsoft.com/office/drawing/2016/SVG/main" r:embed="rId34"/>
+                  <asvg:svgBlip xmlns:asvg="http://schemas.microsoft.com/office/drawing/2016/SVG/main" r:embed="rId29"/>
                 </a:ext>
               </a:extLst>
             </a:blip>
@@ -6393,10 +6070,10 @@
             </a:pathLst>
           </a:custGeom>
           <a:blipFill>
-            <a:blip r:embed="rId35">
+            <a:blip r:embed="rId30">
               <a:extLst>
                 <a:ext uri="{96DAC541-7B7A-43D3-8B79-37D633B846F1}">
-                  <asvg:svgBlip xmlns:asvg="http://schemas.microsoft.com/office/drawing/2016/SVG/main" r:embed="rId36"/>
+                  <asvg:svgBlip xmlns:asvg="http://schemas.microsoft.com/office/drawing/2016/SVG/main" r:embed="rId31"/>
                 </a:ext>
               </a:extLst>
             </a:blip>
@@ -6445,10 +6122,10 @@
             </a:pathLst>
           </a:custGeom>
           <a:blipFill>
-            <a:blip r:embed="rId35">
+            <a:blip r:embed="rId30">
               <a:extLst>
                 <a:ext uri="{96DAC541-7B7A-43D3-8B79-37D633B846F1}">
-                  <asvg:svgBlip xmlns:asvg="http://schemas.microsoft.com/office/drawing/2016/SVG/main" r:embed="rId36"/>
+                  <asvg:svgBlip xmlns:asvg="http://schemas.microsoft.com/office/drawing/2016/SVG/main" r:embed="rId31"/>
                 </a:ext>
               </a:extLst>
             </a:blip>
@@ -6497,10 +6174,10 @@
             </a:pathLst>
           </a:custGeom>
           <a:blipFill>
-            <a:blip r:embed="rId37">
+            <a:blip r:embed="rId32">
               <a:extLst>
                 <a:ext uri="{96DAC541-7B7A-43D3-8B79-37D633B846F1}">
-                  <asvg:svgBlip xmlns:asvg="http://schemas.microsoft.com/office/drawing/2016/SVG/main" r:embed="rId38"/>
+                  <asvg:svgBlip xmlns:asvg="http://schemas.microsoft.com/office/drawing/2016/SVG/main" r:embed="rId33"/>
                 </a:ext>
               </a:extLst>
             </a:blip>
@@ -6509,121 +6186,6 @@
             </a:stretch>
           </a:blipFill>
         </p:spPr>
-      </p:sp>
-      <p:sp>
-        <p:nvSpPr>
-          <p:cNvPr id="82" name="Freeform 82"/>
-          <p:cNvSpPr/>
-          <p:nvPr/>
-        </p:nvSpPr>
-        <p:spPr>
-          <a:xfrm>
-            <a:off x="4797557" y="2400267"/>
-            <a:ext cx="1302412" cy="1488470"/>
-          </a:xfrm>
-          <a:custGeom>
-            <a:avLst/>
-            <a:gdLst/>
-            <a:ahLst/>
-            <a:cxnLst/>
-            <a:rect l="l" t="t" r="r" b="b"/>
-            <a:pathLst>
-              <a:path w="1302412" h="1488470">
-                <a:moveTo>
-                  <a:pt x="0" y="0"/>
-                </a:moveTo>
-                <a:lnTo>
-                  <a:pt x="1302411" y="0"/>
-                </a:lnTo>
-                <a:lnTo>
-                  <a:pt x="1302411" y="1488470"/>
-                </a:lnTo>
-                <a:lnTo>
-                  <a:pt x="0" y="1488470"/>
-                </a:lnTo>
-                <a:lnTo>
-                  <a:pt x="0" y="0"/>
-                </a:lnTo>
-                <a:close/>
-              </a:path>
-            </a:pathLst>
-          </a:custGeom>
-          <a:blipFill>
-            <a:blip r:embed="rId39">
-              <a:extLst>
-                <a:ext uri="{96DAC541-7B7A-43D3-8B79-37D633B846F1}">
-                  <asvg:svgBlip xmlns:asvg="http://schemas.microsoft.com/office/drawing/2016/SVG/main" r:embed="rId40"/>
-                </a:ext>
-              </a:extLst>
-            </a:blip>
-            <a:stretch>
-              <a:fillRect/>
-            </a:stretch>
-          </a:blipFill>
-        </p:spPr>
-      </p:sp>
-      <p:sp>
-        <p:nvSpPr>
-          <p:cNvPr id="83" name="TextBox 83"/>
-          <p:cNvSpPr txBox="1"/>
-          <p:nvPr/>
-        </p:nvSpPr>
-        <p:spPr>
-          <a:xfrm>
-            <a:off x="3127750" y="1080349"/>
-            <a:ext cx="1768650" cy="469956"/>
-          </a:xfrm>
-          <a:prstGeom prst="rect">
-            <a:avLst/>
-          </a:prstGeom>
-        </p:spPr>
-        <p:txBody>
-          <a:bodyPr lIns="0" tIns="0" rIns="0" bIns="0" rtlCol="0" anchor="t">
-            <a:spAutoFit/>
-          </a:bodyPr>
-          <a:lstStyle/>
-          <a:p>
-            <a:pPr algn="ctr">
-              <a:lnSpc>
-                <a:spcPts val="1921"/>
-              </a:lnSpc>
-            </a:pPr>
-            <a:r>
-              <a:rPr lang="en-US" sz="1372" b="1">
-                <a:solidFill>
-                  <a:srgbClr val="000000"/>
-                </a:solidFill>
-                <a:latin typeface="Open Sans Bold"/>
-                <a:ea typeface="Open Sans Bold"/>
-                <a:cs typeface="Open Sans Bold"/>
-                <a:sym typeface="Open Sans Bold"/>
-              </a:rPr>
-              <a:t>Sensor Ultrassônico </a:t>
-            </a:r>
-          </a:p>
-          <a:p>
-            <a:pPr algn="ctr">
-              <a:lnSpc>
-                <a:spcPts val="1921"/>
-              </a:lnSpc>
-              <a:spcBef>
-                <a:spcPct val="0"/>
-              </a:spcBef>
-            </a:pPr>
-            <a:r>
-              <a:rPr lang="en-US" sz="1372" b="1">
-                <a:solidFill>
-                  <a:srgbClr val="000000"/>
-                </a:solidFill>
-                <a:latin typeface="Open Sans Bold"/>
-                <a:ea typeface="Open Sans Bold"/>
-                <a:cs typeface="Open Sans Bold"/>
-                <a:sym typeface="Open Sans Bold"/>
-              </a:rPr>
-              <a:t>HC SR04</a:t>
-            </a:r>
-          </a:p>
-        </p:txBody>
       </p:sp>
       <p:sp>
         <p:nvSpPr>
@@ -6669,47 +6231,229 @@
           </a:p>
         </p:txBody>
       </p:sp>
-      <p:sp>
-        <p:nvSpPr>
-          <p:cNvPr id="85" name="TextBox 85"/>
-          <p:cNvSpPr txBox="1"/>
+      <p:grpSp>
+        <p:nvGrpSpPr>
+          <p:cNvPr id="80" name="Agrupar 79">
+            <a:extLst>
+              <a:ext uri="{FF2B5EF4-FFF2-40B4-BE49-F238E27FC236}">
+                <a16:creationId xmlns:a16="http://schemas.microsoft.com/office/drawing/2014/main" id="{CE7F38DD-E3F8-4011-97AD-41DF0D61B481}"/>
+              </a:ext>
+            </a:extLst>
+          </p:cNvPr>
+          <p:cNvGrpSpPr/>
           <p:nvPr/>
-        </p:nvSpPr>
-        <p:spPr>
+        </p:nvGrpSpPr>
+        <p:grpSpPr>
           <a:xfrm>
-            <a:off x="9468550" y="3554483"/>
-            <a:ext cx="1177928" cy="550557"/>
+            <a:off x="9097255" y="6158887"/>
+            <a:ext cx="1907215" cy="1831841"/>
+            <a:chOff x="9153472" y="3416982"/>
+            <a:chExt cx="1907215" cy="1831841"/>
           </a:xfrm>
-          <a:prstGeom prst="rect">
-            <a:avLst/>
-          </a:prstGeom>
-        </p:spPr>
-        <p:txBody>
-          <a:bodyPr lIns="0" tIns="0" rIns="0" bIns="0" rtlCol="0" anchor="t">
-            <a:spAutoFit/>
-          </a:bodyPr>
-          <a:lstStyle/>
-          <a:p>
-            <a:pPr algn="ctr">
-              <a:lnSpc>
-                <a:spcPts val="2203"/>
-              </a:lnSpc>
-            </a:pPr>
-            <a:r>
-              <a:rPr lang="en-US" sz="1574" b="1" dirty="0">
+        </p:grpSpPr>
+        <p:grpSp>
+          <p:nvGrpSpPr>
+            <p:cNvPr id="41" name="Group 41"/>
+            <p:cNvGrpSpPr/>
+            <p:nvPr/>
+          </p:nvGrpSpPr>
+          <p:grpSpPr>
+            <a:xfrm>
+              <a:off x="9153472" y="3416982"/>
+              <a:ext cx="1907215" cy="1831841"/>
+              <a:chOff x="0" y="0"/>
+              <a:chExt cx="672031" cy="655417"/>
+            </a:xfrm>
+          </p:grpSpPr>
+          <p:sp>
+            <p:nvSpPr>
+              <p:cNvPr id="42" name="Freeform 42"/>
+              <p:cNvSpPr/>
+              <p:nvPr/>
+            </p:nvSpPr>
+            <p:spPr>
+              <a:xfrm>
+                <a:off x="0" y="0"/>
+                <a:ext cx="672031" cy="655417"/>
+              </a:xfrm>
+              <a:custGeom>
+                <a:avLst/>
+                <a:gdLst/>
+                <a:ahLst/>
+                <a:cxnLst/>
+                <a:rect l="l" t="t" r="r" b="b"/>
+                <a:pathLst>
+                  <a:path w="672031" h="655417">
+                    <a:moveTo>
+                      <a:pt x="81186" y="0"/>
+                    </a:moveTo>
+                    <a:lnTo>
+                      <a:pt x="590845" y="0"/>
+                    </a:lnTo>
+                    <a:cubicBezTo>
+                      <a:pt x="635683" y="0"/>
+                      <a:pt x="672031" y="36348"/>
+                      <a:pt x="672031" y="81186"/>
+                    </a:cubicBezTo>
+                    <a:lnTo>
+                      <a:pt x="672031" y="574231"/>
+                    </a:lnTo>
+                    <a:cubicBezTo>
+                      <a:pt x="672031" y="619069"/>
+                      <a:pt x="635683" y="655417"/>
+                      <a:pt x="590845" y="655417"/>
+                    </a:cubicBezTo>
+                    <a:lnTo>
+                      <a:pt x="81186" y="655417"/>
+                    </a:lnTo>
+                    <a:cubicBezTo>
+                      <a:pt x="36348" y="655417"/>
+                      <a:pt x="0" y="619069"/>
+                      <a:pt x="0" y="574231"/>
+                    </a:cubicBezTo>
+                    <a:lnTo>
+                      <a:pt x="0" y="81186"/>
+                    </a:lnTo>
+                    <a:cubicBezTo>
+                      <a:pt x="0" y="36348"/>
+                      <a:pt x="36348" y="0"/>
+                      <a:pt x="81186" y="0"/>
+                    </a:cubicBezTo>
+                    <a:close/>
+                  </a:path>
+                </a:pathLst>
+              </a:custGeom>
+              <a:solidFill>
+                <a:srgbClr val="000000">
+                  <a:alpha val="0"/>
+                </a:srgbClr>
+              </a:solidFill>
+              <a:ln w="38100" cap="sq">
                 <a:solidFill>
                   <a:srgbClr val="000000"/>
                 </a:solidFill>
-                <a:latin typeface="Open Sans Bold"/>
-                <a:ea typeface="Open Sans Bold"/>
-                <a:cs typeface="Open Sans Bold"/>
-                <a:sym typeface="Open Sans Bold"/>
-              </a:rPr>
-              <a:t>Banco de Dados</a:t>
-            </a:r>
-          </a:p>
-        </p:txBody>
-      </p:sp>
+                <a:prstDash val="solid"/>
+                <a:miter/>
+              </a:ln>
+            </p:spPr>
+          </p:sp>
+          <p:sp>
+            <p:nvSpPr>
+              <p:cNvPr id="43" name="TextBox 43"/>
+              <p:cNvSpPr txBox="1"/>
+              <p:nvPr/>
+            </p:nvSpPr>
+            <p:spPr>
+              <a:xfrm>
+                <a:off x="0" y="-38100"/>
+                <a:ext cx="672031" cy="693517"/>
+              </a:xfrm>
+              <a:prstGeom prst="rect">
+                <a:avLst/>
+              </a:prstGeom>
+            </p:spPr>
+            <p:txBody>
+              <a:bodyPr lIns="51196" tIns="51196" rIns="51196" bIns="51196" rtlCol="0" anchor="ctr"/>
+              <a:lstStyle/>
+              <a:p>
+                <a:pPr algn="ctr">
+                  <a:lnSpc>
+                    <a:spcPts val="2966"/>
+                  </a:lnSpc>
+                </a:pPr>
+                <a:endParaRPr/>
+              </a:p>
+            </p:txBody>
+          </p:sp>
+        </p:grpSp>
+        <p:sp>
+          <p:nvSpPr>
+            <p:cNvPr id="44" name="Freeform 44"/>
+            <p:cNvSpPr/>
+            <p:nvPr/>
+          </p:nvSpPr>
+          <p:spPr>
+            <a:xfrm>
+              <a:off x="9606635" y="4208365"/>
+              <a:ext cx="942728" cy="942728"/>
+            </a:xfrm>
+            <a:custGeom>
+              <a:avLst/>
+              <a:gdLst/>
+              <a:ahLst/>
+              <a:cxnLst/>
+              <a:rect l="l" t="t" r="r" b="b"/>
+              <a:pathLst>
+                <a:path w="942728" h="942728">
+                  <a:moveTo>
+                    <a:pt x="0" y="0"/>
+                  </a:moveTo>
+                  <a:lnTo>
+                    <a:pt x="942729" y="0"/>
+                  </a:lnTo>
+                  <a:lnTo>
+                    <a:pt x="942729" y="942728"/>
+                  </a:lnTo>
+                  <a:lnTo>
+                    <a:pt x="0" y="942728"/>
+                  </a:lnTo>
+                  <a:lnTo>
+                    <a:pt x="0" y="0"/>
+                  </a:lnTo>
+                  <a:close/>
+                </a:path>
+              </a:pathLst>
+            </a:custGeom>
+            <a:blipFill>
+              <a:blip r:embed="rId34"/>
+              <a:stretch>
+                <a:fillRect/>
+              </a:stretch>
+            </a:blipFill>
+          </p:spPr>
+        </p:sp>
+        <p:sp>
+          <p:nvSpPr>
+            <p:cNvPr id="85" name="TextBox 85"/>
+            <p:cNvSpPr txBox="1"/>
+            <p:nvPr/>
+          </p:nvSpPr>
+          <p:spPr>
+            <a:xfrm>
+              <a:off x="9468550" y="3554483"/>
+              <a:ext cx="1177928" cy="550557"/>
+            </a:xfrm>
+            <a:prstGeom prst="rect">
+              <a:avLst/>
+            </a:prstGeom>
+          </p:spPr>
+          <p:txBody>
+            <a:bodyPr lIns="0" tIns="0" rIns="0" bIns="0" rtlCol="0" anchor="t">
+              <a:spAutoFit/>
+            </a:bodyPr>
+            <a:lstStyle/>
+            <a:p>
+              <a:pPr algn="ctr">
+                <a:lnSpc>
+                  <a:spcPts val="2203"/>
+                </a:lnSpc>
+              </a:pPr>
+              <a:r>
+                <a:rPr lang="en-US" sz="1574" b="1" dirty="0">
+                  <a:solidFill>
+                    <a:srgbClr val="000000"/>
+                  </a:solidFill>
+                  <a:latin typeface="Open Sans Bold"/>
+                  <a:ea typeface="Open Sans Bold"/>
+                  <a:cs typeface="Open Sans Bold"/>
+                  <a:sym typeface="Open Sans Bold"/>
+                </a:rPr>
+                <a:t>Banco de Dados</a:t>
+              </a:r>
+            </a:p>
+          </p:txBody>
+        </p:sp>
+      </p:grpSp>
       <p:sp>
         <p:nvSpPr>
           <p:cNvPr id="86" name="TextBox 86"/>
@@ -6718,7 +6462,7 @@
         </p:nvSpPr>
         <p:spPr>
           <a:xfrm>
-            <a:off x="9691743" y="2100097"/>
+            <a:off x="9789884" y="2114550"/>
             <a:ext cx="973366" cy="216099"/>
           </a:xfrm>
           <a:prstGeom prst="rect">
@@ -6740,7 +6484,7 @@
               </a:spcBef>
             </a:pPr>
             <a:r>
-              <a:rPr lang="en-US" sz="1249" b="1">
+              <a:rPr lang="en-US" sz="1249" b="1" dirty="0">
                 <a:solidFill>
                   <a:srgbClr val="000000"/>
                 </a:solidFill>
@@ -6968,10 +6712,10 @@
               </a:pathLst>
             </a:custGeom>
             <a:blipFill>
-              <a:blip r:embed="rId41">
+              <a:blip r:embed="rId35">
                 <a:extLst>
                   <a:ext uri="{96DAC541-7B7A-43D3-8B79-37D633B846F1}">
-                    <asvg:svgBlip xmlns:asvg="http://schemas.microsoft.com/office/drawing/2016/SVG/main" r:embed="rId42"/>
+                    <asvg:svgBlip xmlns:asvg="http://schemas.microsoft.com/office/drawing/2016/SVG/main" r:embed="rId36"/>
                   </a:ext>
                 </a:extLst>
               </a:blip>
@@ -7158,50 +6902,290 @@
           </a:p>
         </p:txBody>
       </p:sp>
-      <p:sp>
-        <p:nvSpPr>
-          <p:cNvPr id="94" name="TextBox 94"/>
-          <p:cNvSpPr txBox="1"/>
+      <p:grpSp>
+        <p:nvGrpSpPr>
+          <p:cNvPr id="97" name="Agrupar 96">
+            <a:extLst>
+              <a:ext uri="{FF2B5EF4-FFF2-40B4-BE49-F238E27FC236}">
+                <a16:creationId xmlns:a16="http://schemas.microsoft.com/office/drawing/2014/main" id="{964AD309-FAE4-4ED5-A3E8-20D0369041F8}"/>
+              </a:ext>
+            </a:extLst>
+          </p:cNvPr>
+          <p:cNvGrpSpPr/>
           <p:nvPr/>
-        </p:nvSpPr>
-        <p:spPr>
+        </p:nvGrpSpPr>
+        <p:grpSpPr>
           <a:xfrm>
-            <a:off x="4936301" y="3913968"/>
-            <a:ext cx="1161101" cy="235352"/>
+            <a:off x="4133850" y="958794"/>
+            <a:ext cx="1768650" cy="3190526"/>
+            <a:chOff x="4651200" y="958794"/>
+            <a:chExt cx="1768650" cy="3190526"/>
           </a:xfrm>
-          <a:prstGeom prst="rect">
-            <a:avLst/>
-          </a:prstGeom>
-        </p:spPr>
-        <p:txBody>
-          <a:bodyPr lIns="0" tIns="0" rIns="0" bIns="0" rtlCol="0" anchor="t">
-            <a:spAutoFit/>
-          </a:bodyPr>
-          <a:lstStyle/>
-          <a:p>
-            <a:pPr algn="just">
-              <a:lnSpc>
-                <a:spcPts val="1921"/>
-              </a:lnSpc>
-              <a:spcBef>
-                <a:spcPct val="0"/>
-              </a:spcBef>
-            </a:pPr>
-            <a:r>
-              <a:rPr lang="en-US" sz="1372" b="1" dirty="0">
-                <a:solidFill>
-                  <a:srgbClr val="000000"/>
-                </a:solidFill>
-                <a:latin typeface="Open Sans Bold"/>
-                <a:ea typeface="Open Sans Bold"/>
-                <a:cs typeface="Open Sans Bold"/>
-                <a:sym typeface="Open Sans Bold"/>
-              </a:rPr>
-              <a:t>Reservatório</a:t>
-            </a:r>
-          </a:p>
-        </p:txBody>
-      </p:sp>
+        </p:grpSpPr>
+        <p:sp>
+          <p:nvSpPr>
+            <p:cNvPr id="14" name="Freeform 14"/>
+            <p:cNvSpPr/>
+            <p:nvPr/>
+          </p:nvSpPr>
+          <p:spPr>
+            <a:xfrm>
+              <a:off x="5019059" y="1400981"/>
+              <a:ext cx="1019791" cy="637369"/>
+            </a:xfrm>
+            <a:custGeom>
+              <a:avLst/>
+              <a:gdLst/>
+              <a:ahLst/>
+              <a:cxnLst/>
+              <a:rect l="l" t="t" r="r" b="b"/>
+              <a:pathLst>
+                <a:path w="1019791" h="637369">
+                  <a:moveTo>
+                    <a:pt x="0" y="0"/>
+                  </a:moveTo>
+                  <a:lnTo>
+                    <a:pt x="1019791" y="0"/>
+                  </a:lnTo>
+                  <a:lnTo>
+                    <a:pt x="1019791" y="637369"/>
+                  </a:lnTo>
+                  <a:lnTo>
+                    <a:pt x="0" y="637369"/>
+                  </a:lnTo>
+                  <a:lnTo>
+                    <a:pt x="0" y="0"/>
+                  </a:lnTo>
+                  <a:close/>
+                </a:path>
+              </a:pathLst>
+            </a:custGeom>
+            <a:blipFill>
+              <a:blip r:embed="rId37">
+                <a:extLst>
+                  <a:ext uri="{96DAC541-7B7A-43D3-8B79-37D633B846F1}">
+                    <asvg:svgBlip xmlns:asvg="http://schemas.microsoft.com/office/drawing/2016/SVG/main" r:embed="rId38"/>
+                  </a:ext>
+                </a:extLst>
+              </a:blip>
+              <a:stretch>
+                <a:fillRect/>
+              </a:stretch>
+            </a:blipFill>
+          </p:spPr>
+        </p:sp>
+        <p:sp>
+          <p:nvSpPr>
+            <p:cNvPr id="15" name="Freeform 15"/>
+            <p:cNvSpPr/>
+            <p:nvPr/>
+          </p:nvSpPr>
+          <p:spPr>
+            <a:xfrm rot="5400000">
+              <a:off x="5330962" y="1969046"/>
+              <a:ext cx="427510" cy="625498"/>
+            </a:xfrm>
+            <a:custGeom>
+              <a:avLst/>
+              <a:gdLst/>
+              <a:ahLst/>
+              <a:cxnLst/>
+              <a:rect l="l" t="t" r="r" b="b"/>
+              <a:pathLst>
+                <a:path w="476141" h="817409">
+                  <a:moveTo>
+                    <a:pt x="0" y="0"/>
+                  </a:moveTo>
+                  <a:lnTo>
+                    <a:pt x="476141" y="0"/>
+                  </a:lnTo>
+                  <a:lnTo>
+                    <a:pt x="476141" y="817410"/>
+                  </a:lnTo>
+                  <a:lnTo>
+                    <a:pt x="0" y="817410"/>
+                  </a:lnTo>
+                  <a:lnTo>
+                    <a:pt x="0" y="0"/>
+                  </a:lnTo>
+                  <a:close/>
+                </a:path>
+              </a:pathLst>
+            </a:custGeom>
+            <a:blipFill>
+              <a:blip r:embed="rId39">
+                <a:extLst>
+                  <a:ext uri="{96DAC541-7B7A-43D3-8B79-37D633B846F1}">
+                    <asvg:svgBlip xmlns:asvg="http://schemas.microsoft.com/office/drawing/2016/SVG/main" r:embed="rId40"/>
+                  </a:ext>
+                </a:extLst>
+              </a:blip>
+              <a:stretch>
+                <a:fillRect/>
+              </a:stretch>
+            </a:blipFill>
+          </p:spPr>
+        </p:sp>
+        <p:sp>
+          <p:nvSpPr>
+            <p:cNvPr id="82" name="Freeform 82"/>
+            <p:cNvSpPr/>
+            <p:nvPr/>
+          </p:nvSpPr>
+          <p:spPr>
+            <a:xfrm>
+              <a:off x="4936301" y="2523435"/>
+              <a:ext cx="1163668" cy="1365302"/>
+            </a:xfrm>
+            <a:custGeom>
+              <a:avLst/>
+              <a:gdLst/>
+              <a:ahLst/>
+              <a:cxnLst/>
+              <a:rect l="l" t="t" r="r" b="b"/>
+              <a:pathLst>
+                <a:path w="1302412" h="1488470">
+                  <a:moveTo>
+                    <a:pt x="0" y="0"/>
+                  </a:moveTo>
+                  <a:lnTo>
+                    <a:pt x="1302411" y="0"/>
+                  </a:lnTo>
+                  <a:lnTo>
+                    <a:pt x="1302411" y="1488470"/>
+                  </a:lnTo>
+                  <a:lnTo>
+                    <a:pt x="0" y="1488470"/>
+                  </a:lnTo>
+                  <a:lnTo>
+                    <a:pt x="0" y="0"/>
+                  </a:lnTo>
+                  <a:close/>
+                </a:path>
+              </a:pathLst>
+            </a:custGeom>
+            <a:blipFill>
+              <a:blip r:embed="rId41">
+                <a:extLst>
+                  <a:ext uri="{96DAC541-7B7A-43D3-8B79-37D633B846F1}">
+                    <asvg:svgBlip xmlns:asvg="http://schemas.microsoft.com/office/drawing/2016/SVG/main" r:embed="rId42"/>
+                  </a:ext>
+                </a:extLst>
+              </a:blip>
+              <a:stretch>
+                <a:fillRect/>
+              </a:stretch>
+            </a:blipFill>
+          </p:spPr>
+        </p:sp>
+        <p:sp>
+          <p:nvSpPr>
+            <p:cNvPr id="83" name="TextBox 83"/>
+            <p:cNvSpPr txBox="1"/>
+            <p:nvPr/>
+          </p:nvSpPr>
+          <p:spPr>
+            <a:xfrm>
+              <a:off x="4651200" y="958794"/>
+              <a:ext cx="1768650" cy="469956"/>
+            </a:xfrm>
+            <a:prstGeom prst="rect">
+              <a:avLst/>
+            </a:prstGeom>
+          </p:spPr>
+          <p:txBody>
+            <a:bodyPr lIns="0" tIns="0" rIns="0" bIns="0" rtlCol="0" anchor="t">
+              <a:spAutoFit/>
+            </a:bodyPr>
+            <a:lstStyle/>
+            <a:p>
+              <a:pPr algn="ctr">
+                <a:lnSpc>
+                  <a:spcPts val="1921"/>
+                </a:lnSpc>
+              </a:pPr>
+              <a:r>
+                <a:rPr lang="en-US" sz="1372" b="1" dirty="0">
+                  <a:solidFill>
+                    <a:srgbClr val="000000"/>
+                  </a:solidFill>
+                  <a:latin typeface="Open Sans Bold"/>
+                  <a:ea typeface="Open Sans Bold"/>
+                  <a:cs typeface="Open Sans Bold"/>
+                  <a:sym typeface="Open Sans Bold"/>
+                </a:rPr>
+                <a:t>Sensor Ultrassônico </a:t>
+              </a:r>
+            </a:p>
+            <a:p>
+              <a:pPr algn="ctr">
+                <a:lnSpc>
+                  <a:spcPts val="1921"/>
+                </a:lnSpc>
+                <a:spcBef>
+                  <a:spcPct val="0"/>
+                </a:spcBef>
+              </a:pPr>
+              <a:r>
+                <a:rPr lang="en-US" sz="1372" b="1" dirty="0">
+                  <a:solidFill>
+                    <a:srgbClr val="000000"/>
+                  </a:solidFill>
+                  <a:latin typeface="Open Sans Bold"/>
+                  <a:ea typeface="Open Sans Bold"/>
+                  <a:cs typeface="Open Sans Bold"/>
+                  <a:sym typeface="Open Sans Bold"/>
+                </a:rPr>
+                <a:t>HC SR04</a:t>
+              </a:r>
+            </a:p>
+          </p:txBody>
+        </p:sp>
+        <p:sp>
+          <p:nvSpPr>
+            <p:cNvPr id="94" name="TextBox 94"/>
+            <p:cNvSpPr txBox="1"/>
+            <p:nvPr/>
+          </p:nvSpPr>
+          <p:spPr>
+            <a:xfrm>
+              <a:off x="4936301" y="3913968"/>
+              <a:ext cx="1161101" cy="235352"/>
+            </a:xfrm>
+            <a:prstGeom prst="rect">
+              <a:avLst/>
+            </a:prstGeom>
+          </p:spPr>
+          <p:txBody>
+            <a:bodyPr lIns="0" tIns="0" rIns="0" bIns="0" rtlCol="0" anchor="t">
+              <a:spAutoFit/>
+            </a:bodyPr>
+            <a:lstStyle/>
+            <a:p>
+              <a:pPr algn="just">
+                <a:lnSpc>
+                  <a:spcPts val="1921"/>
+                </a:lnSpc>
+                <a:spcBef>
+                  <a:spcPct val="0"/>
+                </a:spcBef>
+              </a:pPr>
+              <a:r>
+                <a:rPr lang="en-US" sz="1372" b="1" dirty="0">
+                  <a:solidFill>
+                    <a:srgbClr val="000000"/>
+                  </a:solidFill>
+                  <a:latin typeface="Open Sans Bold"/>
+                  <a:ea typeface="Open Sans Bold"/>
+                  <a:cs typeface="Open Sans Bold"/>
+                  <a:sym typeface="Open Sans Bold"/>
+                </a:rPr>
+                <a:t>Reservatório</a:t>
+              </a:r>
+            </a:p>
+          </p:txBody>
+        </p:sp>
+      </p:grpSp>
       <p:cxnSp>
         <p:nvCxnSpPr>
           <p:cNvPr id="96" name="Conector: Angulado 95">
@@ -7292,7 +7276,7 @@
         </p:nvSpPr>
         <p:spPr>
           <a:xfrm>
-            <a:off x="16395072" y="3943350"/>
+            <a:off x="16394594" y="3942277"/>
             <a:ext cx="1710869" cy="562526"/>
           </a:xfrm>
           <a:prstGeom prst="rect">
@@ -7343,7 +7327,7 @@
         <p:spPr>
           <a:xfrm>
             <a:off x="11756442" y="1793053"/>
-            <a:ext cx="1177928" cy="545855"/>
+            <a:ext cx="1177928" cy="263727"/>
           </a:xfrm>
           <a:prstGeom prst="rect">
             <a:avLst/>
@@ -7360,68 +7344,15 @@
                 <a:spcPts val="2203"/>
               </a:lnSpc>
             </a:pPr>
-            <a:r>
-              <a:rPr lang="en-US" sz="1574" b="1" dirty="0">
-                <a:solidFill>
-                  <a:srgbClr val="000000"/>
-                </a:solidFill>
-                <a:latin typeface="Open Sans Bold"/>
-                <a:ea typeface="Open Sans Bold"/>
-                <a:cs typeface="Open Sans Bold"/>
-                <a:sym typeface="Open Sans Bold"/>
-              </a:rPr>
-              <a:t>Máquina Virtual</a:t>
-            </a:r>
-          </a:p>
-        </p:txBody>
-      </p:sp>
-      <p:sp>
-        <p:nvSpPr>
-          <p:cNvPr id="103" name="TextBox 93">
-            <a:extLst>
-              <a:ext uri="{FF2B5EF4-FFF2-40B4-BE49-F238E27FC236}">
-                <a16:creationId xmlns:a16="http://schemas.microsoft.com/office/drawing/2014/main" id="{D7B99AFE-3575-47DA-AA3D-31525BBA56B6}"/>
-              </a:ext>
-            </a:extLst>
-          </p:cNvPr>
-          <p:cNvSpPr txBox="1"/>
-          <p:nvPr/>
-        </p:nvSpPr>
-        <p:spPr>
-          <a:xfrm>
-            <a:off x="9522423" y="6229350"/>
-            <a:ext cx="2002827" cy="471531"/>
-          </a:xfrm>
-          <a:prstGeom prst="rect">
-            <a:avLst/>
-          </a:prstGeom>
-        </p:spPr>
-        <p:txBody>
-          <a:bodyPr wrap="square" lIns="0" tIns="0" rIns="0" bIns="0" rtlCol="0" anchor="t">
-            <a:spAutoFit/>
-          </a:bodyPr>
-          <a:lstStyle/>
-          <a:p>
-            <a:pPr algn="ctr">
-              <a:lnSpc>
-                <a:spcPts val="4672"/>
-              </a:lnSpc>
-              <a:spcBef>
-                <a:spcPct val="0"/>
-              </a:spcBef>
-            </a:pPr>
-            <a:r>
-              <a:rPr lang="en-US" dirty="0">
-                <a:solidFill>
-                  <a:srgbClr val="000000"/>
-                </a:solidFill>
-                <a:latin typeface="Open Sans"/>
-                <a:ea typeface="Open Sans"/>
-                <a:cs typeface="Open Sans"/>
-                <a:sym typeface="Open Sans"/>
-              </a:rPr>
-              <a:t>Api Clima</a:t>
-            </a:r>
+            <a:endParaRPr lang="en-US" sz="1574" b="1" dirty="0">
+              <a:solidFill>
+                <a:srgbClr val="000000"/>
+              </a:solidFill>
+              <a:latin typeface="Open Sans Bold"/>
+              <a:ea typeface="Open Sans Bold"/>
+              <a:cs typeface="Open Sans Bold"/>
+              <a:sym typeface="Open Sans Bold"/>
+            </a:endParaRPr>
           </a:p>
         </p:txBody>
       </p:sp>
@@ -7438,8 +7369,8 @@
           <p:nvPr/>
         </p:nvSpPr>
         <p:spPr>
-          <a:xfrm rot="16200000">
-            <a:off x="9850758" y="5811795"/>
+          <a:xfrm rot="5400000">
+            <a:off x="9896371" y="5585861"/>
             <a:ext cx="514010" cy="129921"/>
           </a:xfrm>
           <a:custGeom>
@@ -7470,10 +7401,10 @@
             </a:pathLst>
           </a:custGeom>
           <a:blipFill>
-            <a:blip r:embed="rId33">
+            <a:blip r:embed="rId28">
               <a:extLst>
                 <a:ext uri="{96DAC541-7B7A-43D3-8B79-37D633B846F1}">
-                  <asvg:svgBlip xmlns:asvg="http://schemas.microsoft.com/office/drawing/2016/SVG/main" r:embed="rId34"/>
+                  <asvg:svgBlip xmlns:asvg="http://schemas.microsoft.com/office/drawing/2016/SVG/main" r:embed="rId29"/>
                 </a:ext>
               </a:extLst>
             </a:blip>
@@ -7497,7 +7428,7 @@
         </p:nvSpPr>
         <p:spPr>
           <a:xfrm>
-            <a:off x="9265084" y="7097367"/>
+            <a:off x="9140119" y="3531946"/>
             <a:ext cx="1892983" cy="1628224"/>
           </a:xfrm>
           <a:prstGeom prst="roundRect">
@@ -7533,71 +7464,12 @@
           </a:p>
         </p:txBody>
       </p:sp>
-      <p:sp>
-        <p:nvSpPr>
-          <p:cNvPr id="111" name="TextBox 93">
+      <p:grpSp>
+        <p:nvGrpSpPr>
+          <p:cNvPr id="68" name="Agrupar 67">
             <a:extLst>
               <a:ext uri="{FF2B5EF4-FFF2-40B4-BE49-F238E27FC236}">
-                <a16:creationId xmlns:a16="http://schemas.microsoft.com/office/drawing/2014/main" id="{857A3E5C-BF8C-4E7F-8680-7B353ABD52F3}"/>
-              </a:ext>
-            </a:extLst>
-          </p:cNvPr>
-          <p:cNvSpPr txBox="1"/>
-          <p:nvPr/>
-        </p:nvSpPr>
-        <p:spPr>
-          <a:xfrm>
-            <a:off x="9838176" y="6492301"/>
-            <a:ext cx="1687074" cy="505075"/>
-          </a:xfrm>
-          <a:prstGeom prst="rect">
-            <a:avLst/>
-          </a:prstGeom>
-        </p:spPr>
-        <p:txBody>
-          <a:bodyPr wrap="square" lIns="0" tIns="0" rIns="0" bIns="0" rtlCol="0" anchor="t">
-            <a:spAutoFit/>
-          </a:bodyPr>
-          <a:lstStyle/>
-          <a:p>
-            <a:pPr algn="ctr">
-              <a:lnSpc>
-                <a:spcPts val="4672"/>
-              </a:lnSpc>
-              <a:spcBef>
-                <a:spcPct val="0"/>
-              </a:spcBef>
-            </a:pPr>
-            <a:r>
-              <a:rPr lang="en-US" sz="1600" b="1" dirty="0">
-                <a:solidFill>
-                  <a:srgbClr val="000000"/>
-                </a:solidFill>
-                <a:latin typeface="Open Sans"/>
-                <a:ea typeface="Open Sans"/>
-                <a:cs typeface="Open Sans"/>
-                <a:sym typeface="Open Sans"/>
-              </a:rPr>
-              <a:t>H G WEATHER</a:t>
-            </a:r>
-            <a:endParaRPr lang="en-US" sz="1200" b="1" dirty="0">
-              <a:solidFill>
-                <a:srgbClr val="000000"/>
-              </a:solidFill>
-              <a:latin typeface="Open Sans"/>
-              <a:ea typeface="Open Sans"/>
-              <a:cs typeface="Open Sans"/>
-              <a:sym typeface="Open Sans"/>
-            </a:endParaRPr>
-          </a:p>
-        </p:txBody>
-      </p:sp>
-      <p:grpSp>
-        <p:nvGrpSpPr>
-          <p:cNvPr id="120" name="Group 31">
-            <a:extLst>
-              <a:ext uri="{FF2B5EF4-FFF2-40B4-BE49-F238E27FC236}">
-                <a16:creationId xmlns:a16="http://schemas.microsoft.com/office/drawing/2014/main" id="{8BF383A8-CEE7-4669-926A-FF36413DDADC}"/>
+                <a16:creationId xmlns:a16="http://schemas.microsoft.com/office/drawing/2014/main" id="{FB869D39-797C-425C-9F0B-AD50C5C040D1}"/>
               </a:ext>
             </a:extLst>
           </p:cNvPr>
@@ -7606,28 +7478,152 @@
         </p:nvGrpSpPr>
         <p:grpSpPr>
           <a:xfrm>
-            <a:off x="9391650" y="7058575"/>
-            <a:ext cx="3226624" cy="1503620"/>
-            <a:chOff x="-695977" y="-38100"/>
-            <a:chExt cx="1425198" cy="829135"/>
+            <a:off x="9271606" y="2647950"/>
+            <a:ext cx="2013501" cy="749934"/>
+            <a:chOff x="7906914" y="2505243"/>
+            <a:chExt cx="2013501" cy="749934"/>
           </a:xfrm>
         </p:grpSpPr>
         <p:sp>
           <p:nvSpPr>
-            <p:cNvPr id="121" name="Freeform 32">
+            <p:cNvPr id="103" name="TextBox 93">
               <a:extLst>
                 <a:ext uri="{FF2B5EF4-FFF2-40B4-BE49-F238E27FC236}">
-                  <a16:creationId xmlns:a16="http://schemas.microsoft.com/office/drawing/2014/main" id="{23EA32D5-6E48-4C1B-8C87-807892D32295}"/>
+                  <a16:creationId xmlns:a16="http://schemas.microsoft.com/office/drawing/2014/main" id="{D7B99AFE-3575-47DA-AA3D-31525BBA56B6}"/>
                 </a:ext>
               </a:extLst>
             </p:cNvPr>
+            <p:cNvSpPr txBox="1"/>
+            <p:nvPr/>
+          </p:nvSpPr>
+          <p:spPr>
+            <a:xfrm>
+              <a:off x="7906914" y="2505243"/>
+              <a:ext cx="2002827" cy="471531"/>
+            </a:xfrm>
+            <a:prstGeom prst="rect">
+              <a:avLst/>
+            </a:prstGeom>
+          </p:spPr>
+          <p:txBody>
+            <a:bodyPr wrap="square" lIns="0" tIns="0" rIns="0" bIns="0" rtlCol="0" anchor="t">
+              <a:spAutoFit/>
+            </a:bodyPr>
+            <a:lstStyle/>
+            <a:p>
+              <a:pPr algn="ctr">
+                <a:lnSpc>
+                  <a:spcPts val="4672"/>
+                </a:lnSpc>
+                <a:spcBef>
+                  <a:spcPct val="0"/>
+                </a:spcBef>
+              </a:pPr>
+              <a:r>
+                <a:rPr lang="en-US" dirty="0">
+                  <a:solidFill>
+                    <a:srgbClr val="000000"/>
+                  </a:solidFill>
+                  <a:latin typeface="Open Sans"/>
+                  <a:ea typeface="Open Sans"/>
+                  <a:cs typeface="Open Sans"/>
+                  <a:sym typeface="Open Sans"/>
+                </a:rPr>
+                <a:t>Api Clima</a:t>
+              </a:r>
+            </a:p>
+          </p:txBody>
+        </p:sp>
+        <p:sp>
+          <p:nvSpPr>
+            <p:cNvPr id="111" name="TextBox 93">
+              <a:extLst>
+                <a:ext uri="{FF2B5EF4-FFF2-40B4-BE49-F238E27FC236}">
+                  <a16:creationId xmlns:a16="http://schemas.microsoft.com/office/drawing/2014/main" id="{857A3E5C-BF8C-4E7F-8680-7B353ABD52F3}"/>
+                </a:ext>
+              </a:extLst>
+            </p:cNvPr>
+            <p:cNvSpPr txBox="1"/>
+            <p:nvPr/>
+          </p:nvSpPr>
+          <p:spPr>
+            <a:xfrm>
+              <a:off x="8233341" y="2750102"/>
+              <a:ext cx="1687074" cy="505075"/>
+            </a:xfrm>
+            <a:prstGeom prst="rect">
+              <a:avLst/>
+            </a:prstGeom>
+          </p:spPr>
+          <p:txBody>
+            <a:bodyPr wrap="square" lIns="0" tIns="0" rIns="0" bIns="0" rtlCol="0" anchor="t">
+              <a:spAutoFit/>
+            </a:bodyPr>
+            <a:lstStyle/>
+            <a:p>
+              <a:pPr algn="ctr">
+                <a:lnSpc>
+                  <a:spcPts val="4672"/>
+                </a:lnSpc>
+                <a:spcBef>
+                  <a:spcPct val="0"/>
+                </a:spcBef>
+              </a:pPr>
+              <a:r>
+                <a:rPr lang="en-US" sz="1600" b="1" dirty="0">
+                  <a:solidFill>
+                    <a:srgbClr val="000000"/>
+                  </a:solidFill>
+                  <a:latin typeface="Open Sans"/>
+                  <a:ea typeface="Open Sans"/>
+                  <a:cs typeface="Open Sans"/>
+                  <a:sym typeface="Open Sans"/>
+                </a:rPr>
+                <a:t>H G WEATHER</a:t>
+              </a:r>
+              <a:endParaRPr lang="en-US" sz="1200" b="1" dirty="0">
+                <a:solidFill>
+                  <a:srgbClr val="000000"/>
+                </a:solidFill>
+                <a:latin typeface="Open Sans"/>
+                <a:ea typeface="Open Sans"/>
+                <a:cs typeface="Open Sans"/>
+                <a:sym typeface="Open Sans"/>
+              </a:endParaRPr>
+            </a:p>
+          </p:txBody>
+        </p:sp>
+      </p:grpSp>
+      <p:grpSp>
+        <p:nvGrpSpPr>
+          <p:cNvPr id="95" name="Agrupar 94">
+            <a:extLst>
+              <a:ext uri="{FF2B5EF4-FFF2-40B4-BE49-F238E27FC236}">
+                <a16:creationId xmlns:a16="http://schemas.microsoft.com/office/drawing/2014/main" id="{59C15D87-26D7-43B8-B77E-7A4E2B60189D}"/>
+              </a:ext>
+            </a:extLst>
+          </p:cNvPr>
+          <p:cNvGrpSpPr/>
+          <p:nvPr/>
+        </p:nvGrpSpPr>
+        <p:grpSpPr>
+          <a:xfrm>
+            <a:off x="9289226" y="3486150"/>
+            <a:ext cx="3226624" cy="1500364"/>
+            <a:chOff x="9455622" y="3508235"/>
+            <a:chExt cx="3226624" cy="1503620"/>
+          </a:xfrm>
+        </p:grpSpPr>
+        <p:sp>
+          <p:nvSpPr>
+            <p:cNvPr id="63" name="Freeform 63"/>
             <p:cNvSpPr/>
             <p:nvPr/>
           </p:nvSpPr>
           <p:spPr>
             <a:xfrm>
-              <a:off x="-695977" y="50886"/>
-              <a:ext cx="729221" cy="740149"/>
+              <a:off x="9703216" y="3978207"/>
+              <a:ext cx="1116759" cy="580922"/>
             </a:xfrm>
             <a:custGeom>
               <a:avLst/>
@@ -7636,58 +7632,38 @@
               <a:cxnLst/>
               <a:rect l="l" t="t" r="r" b="b"/>
               <a:pathLst>
-                <a:path w="729221" h="740149">
+                <a:path w="2189333" h="613013">
                   <a:moveTo>
-                    <a:pt x="50141" y="0"/>
+                    <a:pt x="0" y="0"/>
                   </a:moveTo>
                   <a:lnTo>
-                    <a:pt x="679080" y="0"/>
-                  </a:lnTo>
-                  <a:cubicBezTo>
-                    <a:pt x="706772" y="0"/>
-                    <a:pt x="729221" y="22449"/>
-                    <a:pt x="729221" y="50141"/>
-                  </a:cubicBezTo>
-                  <a:lnTo>
-                    <a:pt x="729221" y="690008"/>
-                  </a:lnTo>
-                  <a:cubicBezTo>
-                    <a:pt x="729221" y="717700"/>
-                    <a:pt x="706772" y="740149"/>
-                    <a:pt x="679080" y="740149"/>
-                  </a:cubicBezTo>
-                  <a:lnTo>
-                    <a:pt x="50141" y="740149"/>
-                  </a:lnTo>
-                  <a:cubicBezTo>
-                    <a:pt x="22449" y="740149"/>
-                    <a:pt x="0" y="717700"/>
-                    <a:pt x="0" y="690008"/>
-                  </a:cubicBezTo>
-                  <a:lnTo>
-                    <a:pt x="0" y="50141"/>
-                  </a:lnTo>
-                  <a:cubicBezTo>
-                    <a:pt x="0" y="22449"/>
-                    <a:pt x="22449" y="0"/>
-                    <a:pt x="50141" y="0"/>
-                  </a:cubicBezTo>
+                    <a:pt x="2189334" y="0"/>
+                  </a:lnTo>
+                  <a:lnTo>
+                    <a:pt x="2189334" y="613013"/>
+                  </a:lnTo>
+                  <a:lnTo>
+                    <a:pt x="0" y="613013"/>
+                  </a:lnTo>
+                  <a:lnTo>
+                    <a:pt x="0" y="0"/>
+                  </a:lnTo>
                   <a:close/>
                 </a:path>
               </a:pathLst>
             </a:custGeom>
-            <a:solidFill>
-              <a:srgbClr val="000000">
-                <a:alpha val="0"/>
-              </a:srgbClr>
-            </a:solidFill>
-            <a:ln w="38100" cap="sq">
-              <a:solidFill>
-                <a:srgbClr val="000000"/>
-              </a:solidFill>
-              <a:prstDash val="solid"/>
-              <a:miter/>
-            </a:ln>
+            <a:blipFill>
+              <a:blip r:embed="rId12">
+                <a:extLst>
+                  <a:ext uri="{96DAC541-7B7A-43D3-8B79-37D633B846F1}">
+                    <asvg:svgBlip xmlns:asvg="http://schemas.microsoft.com/office/drawing/2016/SVG/main" r:embed="rId13"/>
+                  </a:ext>
+                </a:extLst>
+              </a:blip>
+              <a:stretch>
+                <a:fillRect/>
+              </a:stretch>
+            </a:blipFill>
           </p:spPr>
           <p:txBody>
             <a:bodyPr/>
@@ -7697,40 +7673,142 @@
             </a:p>
           </p:txBody>
         </p:sp>
-        <p:sp>
-          <p:nvSpPr>
-            <p:cNvPr id="122" name="TextBox 33">
+        <p:grpSp>
+          <p:nvGrpSpPr>
+            <p:cNvPr id="120" name="Group 31">
               <a:extLst>
                 <a:ext uri="{FF2B5EF4-FFF2-40B4-BE49-F238E27FC236}">
-                  <a16:creationId xmlns:a16="http://schemas.microsoft.com/office/drawing/2014/main" id="{13D1FD58-8258-42AB-AE9E-0FA4461B2230}"/>
+                  <a16:creationId xmlns:a16="http://schemas.microsoft.com/office/drawing/2014/main" id="{8BF383A8-CEE7-4669-926A-FF36413DDADC}"/>
                 </a:ext>
               </a:extLst>
             </p:cNvPr>
-            <p:cNvSpPr txBox="1"/>
+            <p:cNvGrpSpPr/>
             <p:nvPr/>
-          </p:nvSpPr>
-          <p:spPr>
+          </p:nvGrpSpPr>
+          <p:grpSpPr>
             <a:xfrm>
-              <a:off x="0" y="-38100"/>
-              <a:ext cx="729221" cy="778249"/>
+              <a:off x="9455622" y="3508235"/>
+              <a:ext cx="3226624" cy="1503620"/>
+              <a:chOff x="-695977" y="-38100"/>
+              <a:chExt cx="1425198" cy="829135"/>
             </a:xfrm>
-            <a:prstGeom prst="rect">
-              <a:avLst/>
-            </a:prstGeom>
-          </p:spPr>
-          <p:txBody>
-            <a:bodyPr lIns="56658" tIns="56658" rIns="56658" bIns="56658" rtlCol="0" anchor="ctr"/>
-            <a:lstStyle/>
-            <a:p>
-              <a:pPr algn="ctr">
-                <a:lnSpc>
-                  <a:spcPts val="2966"/>
-                </a:lnSpc>
-              </a:pPr>
-              <a:endParaRPr/>
-            </a:p>
-          </p:txBody>
-        </p:sp>
+          </p:grpSpPr>
+          <p:sp>
+            <p:nvSpPr>
+              <p:cNvPr id="121" name="Freeform 32">
+                <a:extLst>
+                  <a:ext uri="{FF2B5EF4-FFF2-40B4-BE49-F238E27FC236}">
+                    <a16:creationId xmlns:a16="http://schemas.microsoft.com/office/drawing/2014/main" id="{23EA32D5-6E48-4C1B-8C87-807892D32295}"/>
+                  </a:ext>
+                </a:extLst>
+              </p:cNvPr>
+              <p:cNvSpPr/>
+              <p:nvPr/>
+            </p:nvSpPr>
+            <p:spPr>
+              <a:xfrm>
+                <a:off x="-695977" y="50886"/>
+                <a:ext cx="729221" cy="740149"/>
+              </a:xfrm>
+              <a:custGeom>
+                <a:avLst/>
+                <a:gdLst/>
+                <a:ahLst/>
+                <a:cxnLst/>
+                <a:rect l="l" t="t" r="r" b="b"/>
+                <a:pathLst>
+                  <a:path w="729221" h="740149">
+                    <a:moveTo>
+                      <a:pt x="50141" y="0"/>
+                    </a:moveTo>
+                    <a:lnTo>
+                      <a:pt x="679080" y="0"/>
+                    </a:lnTo>
+                    <a:cubicBezTo>
+                      <a:pt x="706772" y="0"/>
+                      <a:pt x="729221" y="22449"/>
+                      <a:pt x="729221" y="50141"/>
+                    </a:cubicBezTo>
+                    <a:lnTo>
+                      <a:pt x="729221" y="690008"/>
+                    </a:lnTo>
+                    <a:cubicBezTo>
+                      <a:pt x="729221" y="717700"/>
+                      <a:pt x="706772" y="740149"/>
+                      <a:pt x="679080" y="740149"/>
+                    </a:cubicBezTo>
+                    <a:lnTo>
+                      <a:pt x="50141" y="740149"/>
+                    </a:lnTo>
+                    <a:cubicBezTo>
+                      <a:pt x="22449" y="740149"/>
+                      <a:pt x="0" y="717700"/>
+                      <a:pt x="0" y="690008"/>
+                    </a:cubicBezTo>
+                    <a:lnTo>
+                      <a:pt x="0" y="50141"/>
+                    </a:lnTo>
+                    <a:cubicBezTo>
+                      <a:pt x="0" y="22449"/>
+                      <a:pt x="22449" y="0"/>
+                      <a:pt x="50141" y="0"/>
+                    </a:cubicBezTo>
+                    <a:close/>
+                  </a:path>
+                </a:pathLst>
+              </a:custGeom>
+              <a:noFill/>
+              <a:ln w="38100" cap="sq">
+                <a:solidFill>
+                  <a:srgbClr val="000000"/>
+                </a:solidFill>
+                <a:prstDash val="solid"/>
+                <a:miter/>
+              </a:ln>
+            </p:spPr>
+            <p:txBody>
+              <a:bodyPr/>
+              <a:lstStyle/>
+              <a:p>
+                <a:endParaRPr lang="pt-BR" dirty="0"/>
+              </a:p>
+            </p:txBody>
+          </p:sp>
+          <p:sp>
+            <p:nvSpPr>
+              <p:cNvPr id="122" name="TextBox 33">
+                <a:extLst>
+                  <a:ext uri="{FF2B5EF4-FFF2-40B4-BE49-F238E27FC236}">
+                    <a16:creationId xmlns:a16="http://schemas.microsoft.com/office/drawing/2014/main" id="{13D1FD58-8258-42AB-AE9E-0FA4461B2230}"/>
+                  </a:ext>
+                </a:extLst>
+              </p:cNvPr>
+              <p:cNvSpPr txBox="1"/>
+              <p:nvPr/>
+            </p:nvSpPr>
+            <p:spPr>
+              <a:xfrm>
+                <a:off x="0" y="-38100"/>
+                <a:ext cx="729221" cy="778249"/>
+              </a:xfrm>
+              <a:prstGeom prst="rect">
+                <a:avLst/>
+              </a:prstGeom>
+            </p:spPr>
+            <p:txBody>
+              <a:bodyPr lIns="56658" tIns="56658" rIns="56658" bIns="56658" rtlCol="0" anchor="ctr"/>
+              <a:lstStyle/>
+              <a:p>
+                <a:pPr algn="ctr">
+                  <a:lnSpc>
+                    <a:spcPts val="2966"/>
+                  </a:lnSpc>
+                </a:pPr>
+                <a:endParaRPr/>
+              </a:p>
+            </p:txBody>
+          </p:sp>
+        </p:grpSp>
       </p:grpSp>
       <p:sp>
         <p:nvSpPr>
@@ -7746,7 +7824,7 @@
         </p:nvSpPr>
         <p:spPr>
           <a:xfrm>
-            <a:off x="9384093" y="6446443"/>
+            <a:off x="9136866" y="2851277"/>
             <a:ext cx="559584" cy="579130"/>
           </a:xfrm>
           <a:custGeom>
@@ -7777,10 +7855,10 @@
             </a:pathLst>
           </a:custGeom>
           <a:blipFill>
-            <a:blip r:embed="rId23">
+            <a:blip r:embed="rId18">
               <a:extLst>
                 <a:ext uri="{96DAC541-7B7A-43D3-8B79-37D633B846F1}">
-                  <asvg:svgBlip xmlns:asvg="http://schemas.microsoft.com/office/drawing/2016/SVG/main" r:embed="rId24"/>
+                  <asvg:svgBlip xmlns:asvg="http://schemas.microsoft.com/office/drawing/2016/SVG/main" r:embed="rId19"/>
                 </a:ext>
               </a:extLst>
             </a:blip>
@@ -7789,6 +7867,72 @@
             </a:stretch>
           </a:blipFill>
         </p:spPr>
+      </p:sp>
+      <p:sp>
+        <p:nvSpPr>
+          <p:cNvPr id="109" name="TextBox 93">
+            <a:extLst>
+              <a:ext uri="{FF2B5EF4-FFF2-40B4-BE49-F238E27FC236}">
+                <a16:creationId xmlns:a16="http://schemas.microsoft.com/office/drawing/2014/main" id="{E3530F48-C636-4140-92FB-9F92F7B746F2}"/>
+              </a:ext>
+            </a:extLst>
+          </p:cNvPr>
+          <p:cNvSpPr txBox="1"/>
+          <p:nvPr/>
+        </p:nvSpPr>
+        <p:spPr>
+          <a:xfrm>
+            <a:off x="10991850" y="1581150"/>
+            <a:ext cx="2565695" cy="615553"/>
+          </a:xfrm>
+          <a:prstGeom prst="rect">
+            <a:avLst/>
+          </a:prstGeom>
+        </p:spPr>
+        <p:txBody>
+          <a:bodyPr wrap="square" lIns="0" tIns="0" rIns="0" bIns="0" rtlCol="0" anchor="t">
+            <a:spAutoFit/>
+          </a:bodyPr>
+          <a:lstStyle/>
+          <a:p>
+            <a:pPr algn="ctr">
+              <a:spcBef>
+                <a:spcPct val="0"/>
+              </a:spcBef>
+            </a:pPr>
+            <a:r>
+              <a:rPr lang="en-US" sz="2000" dirty="0">
+                <a:solidFill>
+                  <a:srgbClr val="000000"/>
+                </a:solidFill>
+                <a:latin typeface="Open Sans"/>
+                <a:ea typeface="Open Sans"/>
+                <a:cs typeface="Open Sans"/>
+                <a:sym typeface="Open Sans"/>
+              </a:rPr>
+              <a:t>Máquina</a:t>
+            </a:r>
+          </a:p>
+          <a:p>
+            <a:pPr algn="ctr">
+              <a:spcBef>
+                <a:spcPct val="0"/>
+              </a:spcBef>
+            </a:pPr>
+            <a:r>
+              <a:rPr lang="en-US" sz="2000" dirty="0">
+                <a:solidFill>
+                  <a:srgbClr val="000000"/>
+                </a:solidFill>
+                <a:latin typeface="Open Sans"/>
+                <a:ea typeface="Open Sans"/>
+                <a:cs typeface="Open Sans"/>
+                <a:sym typeface="Open Sans"/>
+              </a:rPr>
+              <a:t> Virtual</a:t>
+            </a:r>
+          </a:p>
+        </p:txBody>
       </p:sp>
     </p:spTree>
   </p:cSld>
